--- a/תרגול 2.pptx
+++ b/תרגול 2.pptx
@@ -7,14 +7,20 @@
   <p:sldIdLst>
     <p:sldId id="256" r:id="rId2"/>
     <p:sldId id="257" r:id="rId3"/>
-    <p:sldId id="258" r:id="rId4"/>
-    <p:sldId id="259" r:id="rId5"/>
-    <p:sldId id="260" r:id="rId6"/>
-    <p:sldId id="261" r:id="rId7"/>
-    <p:sldId id="262" r:id="rId8"/>
-    <p:sldId id="263" r:id="rId9"/>
-    <p:sldId id="264" r:id="rId10"/>
-    <p:sldId id="265" r:id="rId11"/>
+    <p:sldId id="266" r:id="rId4"/>
+    <p:sldId id="267" r:id="rId5"/>
+    <p:sldId id="268" r:id="rId6"/>
+    <p:sldId id="258" r:id="rId7"/>
+    <p:sldId id="269" r:id="rId8"/>
+    <p:sldId id="270" r:id="rId9"/>
+    <p:sldId id="259" r:id="rId10"/>
+    <p:sldId id="271" r:id="rId11"/>
+    <p:sldId id="260" r:id="rId12"/>
+    <p:sldId id="261" r:id="rId13"/>
+    <p:sldId id="262" r:id="rId14"/>
+    <p:sldId id="263" r:id="rId15"/>
+    <p:sldId id="264" r:id="rId16"/>
+    <p:sldId id="265" r:id="rId17"/>
   </p:sldIdLst>
   <p:sldSz cx="12192000" cy="6858000"/>
   <p:notesSz cx="6858000" cy="9144000"/>
@@ -124,7 +130,7 @@
 <file path=ppt/revisionInfo.xml><?xml version="1.0" encoding="utf-8"?>
 <p1510:revInfo xmlns:a="http://schemas.openxmlformats.org/drawingml/2006/main" xmlns:r="http://schemas.openxmlformats.org/officeDocument/2006/relationships" xmlns:p1510="http://schemas.microsoft.com/office/powerpoint/2015/10/main">
   <p1510:revLst>
-    <p1510:client id="{FF28DE3C-28C2-4BAA-8AE0-67241F3FC15E}" v="11" dt="2024-03-11T18:00:17.657"/>
+    <p1510:client id="{FF28DE3C-28C2-4BAA-8AE0-67241F3FC15E}" v="53" dt="2024-03-12T11:00:31.930"/>
   </p1510:revLst>
 </p1510:revInfo>
 </file>
@@ -133,8 +139,8 @@
 <pc:chgInfo xmlns:a="http://schemas.openxmlformats.org/drawingml/2006/main" xmlns:r="http://schemas.openxmlformats.org/officeDocument/2006/relationships" xmlns:ac="http://schemas.microsoft.com/office/drawing/2013/main/command" xmlns:pc="http://schemas.microsoft.com/office/powerpoint/2013/main/command">
   <pc:docChgLst>
     <pc:chgData name="משה עופר" userId="be54d6cb-761f-4aec-b214-5cfcb9fa6e02" providerId="ADAL" clId="{FF28DE3C-28C2-4BAA-8AE0-67241F3FC15E}"/>
-    <pc:docChg chg="undo custSel modSld">
-      <pc:chgData name="משה עופר" userId="be54d6cb-761f-4aec-b214-5cfcb9fa6e02" providerId="ADAL" clId="{FF28DE3C-28C2-4BAA-8AE0-67241F3FC15E}" dt="2024-03-11T18:00:20.366" v="144" actId="1076"/>
+    <pc:docChg chg="undo redo custSel addSld modSld sldOrd">
+      <pc:chgData name="משה עופר" userId="be54d6cb-761f-4aec-b214-5cfcb9fa6e02" providerId="ADAL" clId="{FF28DE3C-28C2-4BAA-8AE0-67241F3FC15E}" dt="2024-03-12T11:01:36.591" v="550" actId="121"/>
       <pc:docMkLst>
         <pc:docMk/>
       </pc:docMkLst>
@@ -210,7 +216,7 @@
         </pc:spChg>
       </pc:sldChg>
       <pc:sldChg chg="addSp delSp modSp mod setBg delDesignElem">
-        <pc:chgData name="משה עופר" userId="be54d6cb-761f-4aec-b214-5cfcb9fa6e02" providerId="ADAL" clId="{FF28DE3C-28C2-4BAA-8AE0-67241F3FC15E}" dt="2024-03-11T17:49:54.521" v="38" actId="14100"/>
+        <pc:chgData name="משה עופר" userId="be54d6cb-761f-4aec-b214-5cfcb9fa6e02" providerId="ADAL" clId="{FF28DE3C-28C2-4BAA-8AE0-67241F3FC15E}" dt="2024-03-12T10:19:38.648" v="145" actId="121"/>
         <pc:sldMkLst>
           <pc:docMk/>
           <pc:sldMk cId="2811379535" sldId="257"/>
@@ -224,7 +230,7 @@
           </ac:spMkLst>
         </pc:spChg>
         <pc:spChg chg="mod">
-          <ac:chgData name="משה עופר" userId="be54d6cb-761f-4aec-b214-5cfcb9fa6e02" providerId="ADAL" clId="{FF28DE3C-28C2-4BAA-8AE0-67241F3FC15E}" dt="2024-03-11T17:49:48.265" v="36" actId="2710"/>
+          <ac:chgData name="משה עופר" userId="be54d6cb-761f-4aec-b214-5cfcb9fa6e02" providerId="ADAL" clId="{FF28DE3C-28C2-4BAA-8AE0-67241F3FC15E}" dt="2024-03-12T10:19:38.648" v="145" actId="121"/>
           <ac:spMkLst>
             <pc:docMk/>
             <pc:sldMk cId="2811379535" sldId="257"/>
@@ -264,14 +270,14 @@
           </ac:picMkLst>
         </pc:picChg>
       </pc:sldChg>
-      <pc:sldChg chg="addSp modSp mod setBg">
-        <pc:chgData name="משה עופר" userId="be54d6cb-761f-4aec-b214-5cfcb9fa6e02" providerId="ADAL" clId="{FF28DE3C-28C2-4BAA-8AE0-67241F3FC15E}" dt="2024-03-11T17:51:11.173" v="44" actId="782"/>
+      <pc:sldChg chg="addSp delSp modSp mod ord setBg">
+        <pc:chgData name="משה עופר" userId="be54d6cb-761f-4aec-b214-5cfcb9fa6e02" providerId="ADAL" clId="{FF28DE3C-28C2-4BAA-8AE0-67241F3FC15E}" dt="2024-03-12T10:51:52.420" v="534" actId="122"/>
         <pc:sldMkLst>
           <pc:docMk/>
           <pc:sldMk cId="1510323327" sldId="258"/>
         </pc:sldMkLst>
-        <pc:spChg chg="mod">
-          <ac:chgData name="משה עופר" userId="be54d6cb-761f-4aec-b214-5cfcb9fa6e02" providerId="ADAL" clId="{FF28DE3C-28C2-4BAA-8AE0-67241F3FC15E}" dt="2024-03-11T17:51:11.173" v="44" actId="782"/>
+        <pc:spChg chg="del mod">
+          <ac:chgData name="משה עופר" userId="be54d6cb-761f-4aec-b214-5cfcb9fa6e02" providerId="ADAL" clId="{FF28DE3C-28C2-4BAA-8AE0-67241F3FC15E}" dt="2024-03-12T10:51:26.746" v="528" actId="478"/>
           <ac:spMkLst>
             <pc:docMk/>
             <pc:sldMk cId="1510323327" sldId="258"/>
@@ -279,11 +285,19 @@
           </ac:spMkLst>
         </pc:spChg>
         <pc:spChg chg="mod">
-          <ac:chgData name="משה עופר" userId="be54d6cb-761f-4aec-b214-5cfcb9fa6e02" providerId="ADAL" clId="{FF28DE3C-28C2-4BAA-8AE0-67241F3FC15E}" dt="2024-03-11T17:51:02.518" v="43" actId="121"/>
+          <ac:chgData name="משה עופר" userId="be54d6cb-761f-4aec-b214-5cfcb9fa6e02" providerId="ADAL" clId="{FF28DE3C-28C2-4BAA-8AE0-67241F3FC15E}" dt="2024-03-12T10:51:52.420" v="534" actId="122"/>
           <ac:spMkLst>
             <pc:docMk/>
             <pc:sldMk cId="1510323327" sldId="258"/>
             <ac:spMk id="3" creationId="{00000000-0000-0000-0000-000000000000}"/>
+          </ac:spMkLst>
+        </pc:spChg>
+        <pc:spChg chg="add del mod">
+          <ac:chgData name="משה עופר" userId="be54d6cb-761f-4aec-b214-5cfcb9fa6e02" providerId="ADAL" clId="{FF28DE3C-28C2-4BAA-8AE0-67241F3FC15E}" dt="2024-03-12T10:51:27.621" v="529" actId="478"/>
+          <ac:spMkLst>
+            <pc:docMk/>
+            <pc:sldMk cId="1510323327" sldId="258"/>
+            <ac:spMk id="6" creationId="{71B90E3E-2CDF-B392-33B9-406FB32F016C}"/>
           </ac:spMkLst>
         </pc:spChg>
         <pc:spChg chg="add">
@@ -359,7 +373,7 @@
         </pc:picChg>
       </pc:sldChg>
       <pc:sldChg chg="modSp mod">
-        <pc:chgData name="משה עופר" userId="be54d6cb-761f-4aec-b214-5cfcb9fa6e02" providerId="ADAL" clId="{FF28DE3C-28C2-4BAA-8AE0-67241F3FC15E}" dt="2024-03-11T17:53:42.754" v="68" actId="20577"/>
+        <pc:chgData name="משה עופר" userId="be54d6cb-761f-4aec-b214-5cfcb9fa6e02" providerId="ADAL" clId="{FF28DE3C-28C2-4BAA-8AE0-67241F3FC15E}" dt="2024-03-12T10:35:17.784" v="375" actId="27636"/>
         <pc:sldMkLst>
           <pc:docMk/>
           <pc:sldMk cId="2328713051" sldId="260"/>
@@ -373,7 +387,7 @@
           </ac:spMkLst>
         </pc:spChg>
         <pc:spChg chg="mod">
-          <ac:chgData name="משה עופר" userId="be54d6cb-761f-4aec-b214-5cfcb9fa6e02" providerId="ADAL" clId="{FF28DE3C-28C2-4BAA-8AE0-67241F3FC15E}" dt="2024-03-11T17:53:42.754" v="68" actId="20577"/>
+          <ac:chgData name="משה עופר" userId="be54d6cb-761f-4aec-b214-5cfcb9fa6e02" providerId="ADAL" clId="{FF28DE3C-28C2-4BAA-8AE0-67241F3FC15E}" dt="2024-03-12T10:35:17.784" v="375" actId="27636"/>
           <ac:spMkLst>
             <pc:docMk/>
             <pc:sldMk cId="2328713051" sldId="260"/>
@@ -382,7 +396,7 @@
         </pc:spChg>
       </pc:sldChg>
       <pc:sldChg chg="addSp modSp mod setBg">
-        <pc:chgData name="משה עופר" userId="be54d6cb-761f-4aec-b214-5cfcb9fa6e02" providerId="ADAL" clId="{FF28DE3C-28C2-4BAA-8AE0-67241F3FC15E}" dt="2024-03-11T17:56:57.490" v="119" actId="1076"/>
+        <pc:chgData name="משה עופר" userId="be54d6cb-761f-4aec-b214-5cfcb9fa6e02" providerId="ADAL" clId="{FF28DE3C-28C2-4BAA-8AE0-67241F3FC15E}" dt="2024-03-12T10:35:55.832" v="388" actId="1076"/>
         <pc:sldMkLst>
           <pc:docMk/>
           <pc:sldMk cId="2167360885" sldId="261"/>
@@ -396,7 +410,7 @@
           </ac:spMkLst>
         </pc:spChg>
         <pc:spChg chg="mod">
-          <ac:chgData name="משה עופר" userId="be54d6cb-761f-4aec-b214-5cfcb9fa6e02" providerId="ADAL" clId="{FF28DE3C-28C2-4BAA-8AE0-67241F3FC15E}" dt="2024-03-11T17:56:57.490" v="119" actId="1076"/>
+          <ac:chgData name="משה עופר" userId="be54d6cb-761f-4aec-b214-5cfcb9fa6e02" providerId="ADAL" clId="{FF28DE3C-28C2-4BAA-8AE0-67241F3FC15E}" dt="2024-03-12T10:35:55.832" v="388" actId="1076"/>
           <ac:spMkLst>
             <pc:docMk/>
             <pc:sldMk cId="2167360885" sldId="261"/>
@@ -413,13 +427,13 @@
         </pc:picChg>
       </pc:sldChg>
       <pc:sldChg chg="addSp delSp modSp mod setBg">
-        <pc:chgData name="משה עופר" userId="be54d6cb-761f-4aec-b214-5cfcb9fa6e02" providerId="ADAL" clId="{FF28DE3C-28C2-4BAA-8AE0-67241F3FC15E}" dt="2024-03-11T17:57:34.074" v="126" actId="26606"/>
+        <pc:chgData name="משה עופר" userId="be54d6cb-761f-4aec-b214-5cfcb9fa6e02" providerId="ADAL" clId="{FF28DE3C-28C2-4BAA-8AE0-67241F3FC15E}" dt="2024-03-12T11:01:28.510" v="548" actId="782"/>
         <pc:sldMkLst>
           <pc:docMk/>
           <pc:sldMk cId="2567646918" sldId="262"/>
         </pc:sldMkLst>
         <pc:spChg chg="mod">
-          <ac:chgData name="משה עופר" userId="be54d6cb-761f-4aec-b214-5cfcb9fa6e02" providerId="ADAL" clId="{FF28DE3C-28C2-4BAA-8AE0-67241F3FC15E}" dt="2024-03-11T17:57:34.074" v="126" actId="26606"/>
+          <ac:chgData name="משה עופר" userId="be54d6cb-761f-4aec-b214-5cfcb9fa6e02" providerId="ADAL" clId="{FF28DE3C-28C2-4BAA-8AE0-67241F3FC15E}" dt="2024-03-12T11:01:28.510" v="548" actId="782"/>
           <ac:spMkLst>
             <pc:docMk/>
             <pc:sldMk cId="2567646918" sldId="262"/>
@@ -427,7 +441,7 @@
           </ac:spMkLst>
         </pc:spChg>
         <pc:spChg chg="mod">
-          <ac:chgData name="משה עופר" userId="be54d6cb-761f-4aec-b214-5cfcb9fa6e02" providerId="ADAL" clId="{FF28DE3C-28C2-4BAA-8AE0-67241F3FC15E}" dt="2024-03-11T17:57:34.074" v="126" actId="26606"/>
+          <ac:chgData name="משה עופר" userId="be54d6cb-761f-4aec-b214-5cfcb9fa6e02" providerId="ADAL" clId="{FF28DE3C-28C2-4BAA-8AE0-67241F3FC15E}" dt="2024-03-12T10:36:08.369" v="391" actId="121"/>
           <ac:spMkLst>
             <pc:docMk/>
             <pc:sldMk cId="2567646918" sldId="262"/>
@@ -500,13 +514,13 @@
         </pc:picChg>
       </pc:sldChg>
       <pc:sldChg chg="addSp modSp mod setBg">
-        <pc:chgData name="משה עופר" userId="be54d6cb-761f-4aec-b214-5cfcb9fa6e02" providerId="ADAL" clId="{FF28DE3C-28C2-4BAA-8AE0-67241F3FC15E}" dt="2024-03-11T17:58:57.448" v="131" actId="403"/>
+        <pc:chgData name="משה עופר" userId="be54d6cb-761f-4aec-b214-5cfcb9fa6e02" providerId="ADAL" clId="{FF28DE3C-28C2-4BAA-8AE0-67241F3FC15E}" dt="2024-03-12T11:01:32.739" v="549" actId="121"/>
         <pc:sldMkLst>
           <pc:docMk/>
           <pc:sldMk cId="2839880553" sldId="263"/>
         </pc:sldMkLst>
         <pc:spChg chg="mod">
-          <ac:chgData name="משה עופר" userId="be54d6cb-761f-4aec-b214-5cfcb9fa6e02" providerId="ADAL" clId="{FF28DE3C-28C2-4BAA-8AE0-67241F3FC15E}" dt="2024-03-11T17:57:44.476" v="127" actId="26606"/>
+          <ac:chgData name="משה עופר" userId="be54d6cb-761f-4aec-b214-5cfcb9fa6e02" providerId="ADAL" clId="{FF28DE3C-28C2-4BAA-8AE0-67241F3FC15E}" dt="2024-03-12T11:01:32.739" v="549" actId="121"/>
           <ac:spMkLst>
             <pc:docMk/>
             <pc:sldMk cId="2839880553" sldId="263"/>
@@ -539,13 +553,13 @@
         </pc:picChg>
       </pc:sldChg>
       <pc:sldChg chg="modSp mod">
-        <pc:chgData name="משה עופר" userId="be54d6cb-761f-4aec-b214-5cfcb9fa6e02" providerId="ADAL" clId="{FF28DE3C-28C2-4BAA-8AE0-67241F3FC15E}" dt="2024-03-11T18:00:20.366" v="144" actId="1076"/>
+        <pc:chgData name="משה עופר" userId="be54d6cb-761f-4aec-b214-5cfcb9fa6e02" providerId="ADAL" clId="{FF28DE3C-28C2-4BAA-8AE0-67241F3FC15E}" dt="2024-03-12T11:01:36.591" v="550" actId="121"/>
         <pc:sldMkLst>
           <pc:docMk/>
           <pc:sldMk cId="1299828850" sldId="264"/>
         </pc:sldMkLst>
         <pc:spChg chg="mod">
-          <ac:chgData name="משה עופר" userId="be54d6cb-761f-4aec-b214-5cfcb9fa6e02" providerId="ADAL" clId="{FF28DE3C-28C2-4BAA-8AE0-67241F3FC15E}" dt="2024-03-11T17:47:55.847" v="13"/>
+          <ac:chgData name="משה עופר" userId="be54d6cb-761f-4aec-b214-5cfcb9fa6e02" providerId="ADAL" clId="{FF28DE3C-28C2-4BAA-8AE0-67241F3FC15E}" dt="2024-03-12T11:01:36.591" v="550" actId="121"/>
           <ac:spMkLst>
             <pc:docMk/>
             <pc:sldMk cId="1299828850" sldId="264"/>
@@ -575,6 +589,568 @@
             <ac:spMk id="3" creationId="{00000000-0000-0000-0000-000000000000}"/>
           </ac:spMkLst>
         </pc:spChg>
+      </pc:sldChg>
+      <pc:sldChg chg="addSp delSp modSp new mod">
+        <pc:chgData name="משה עופר" userId="be54d6cb-761f-4aec-b214-5cfcb9fa6e02" providerId="ADAL" clId="{FF28DE3C-28C2-4BAA-8AE0-67241F3FC15E}" dt="2024-03-12T10:33:34.354" v="362" actId="20577"/>
+        <pc:sldMkLst>
+          <pc:docMk/>
+          <pc:sldMk cId="1481262162" sldId="266"/>
+        </pc:sldMkLst>
+        <pc:spChg chg="mod">
+          <ac:chgData name="משה עופר" userId="be54d6cb-761f-4aec-b214-5cfcb9fa6e02" providerId="ADAL" clId="{FF28DE3C-28C2-4BAA-8AE0-67241F3FC15E}" dt="2024-03-12T10:22:37.462" v="163" actId="20577"/>
+          <ac:spMkLst>
+            <pc:docMk/>
+            <pc:sldMk cId="1481262162" sldId="266"/>
+            <ac:spMk id="2" creationId="{D5768C8F-E53C-9B01-1324-8FF8D8410D89}"/>
+          </ac:spMkLst>
+        </pc:spChg>
+        <pc:spChg chg="mod">
+          <ac:chgData name="משה עופר" userId="be54d6cb-761f-4aec-b214-5cfcb9fa6e02" providerId="ADAL" clId="{FF28DE3C-28C2-4BAA-8AE0-67241F3FC15E}" dt="2024-03-12T10:31:06.171" v="333" actId="21"/>
+          <ac:spMkLst>
+            <pc:docMk/>
+            <pc:sldMk cId="1481262162" sldId="266"/>
+            <ac:spMk id="3" creationId="{A3D080F6-C19A-B348-8031-D529F195960C}"/>
+          </ac:spMkLst>
+        </pc:spChg>
+        <pc:spChg chg="add">
+          <ac:chgData name="משה עופר" userId="be54d6cb-761f-4aec-b214-5cfcb9fa6e02" providerId="ADAL" clId="{FF28DE3C-28C2-4BAA-8AE0-67241F3FC15E}" dt="2024-03-12T10:22:01.471" v="147"/>
+          <ac:spMkLst>
+            <pc:docMk/>
+            <pc:sldMk cId="1481262162" sldId="266"/>
+            <ac:spMk id="4" creationId="{4B800427-ACDF-6586-EC11-6845A50C82FA}"/>
+          </ac:spMkLst>
+        </pc:spChg>
+        <pc:spChg chg="add">
+          <ac:chgData name="משה עופר" userId="be54d6cb-761f-4aec-b214-5cfcb9fa6e02" providerId="ADAL" clId="{FF28DE3C-28C2-4BAA-8AE0-67241F3FC15E}" dt="2024-03-12T10:22:01.471" v="147"/>
+          <ac:spMkLst>
+            <pc:docMk/>
+            <pc:sldMk cId="1481262162" sldId="266"/>
+            <ac:spMk id="5" creationId="{8185CCB1-5230-21A4-6FEC-6773AEAFD6E9}"/>
+          </ac:spMkLst>
+        </pc:spChg>
+        <pc:spChg chg="add">
+          <ac:chgData name="משה עופר" userId="be54d6cb-761f-4aec-b214-5cfcb9fa6e02" providerId="ADAL" clId="{FF28DE3C-28C2-4BAA-8AE0-67241F3FC15E}" dt="2024-03-12T10:22:01.471" v="147"/>
+          <ac:spMkLst>
+            <pc:docMk/>
+            <pc:sldMk cId="1481262162" sldId="266"/>
+            <ac:spMk id="6" creationId="{D100EBD4-16D8-5463-A656-DD732A6846EE}"/>
+          </ac:spMkLst>
+        </pc:spChg>
+        <pc:spChg chg="add">
+          <ac:chgData name="משה עופר" userId="be54d6cb-761f-4aec-b214-5cfcb9fa6e02" providerId="ADAL" clId="{FF28DE3C-28C2-4BAA-8AE0-67241F3FC15E}" dt="2024-03-12T10:22:03.795" v="148"/>
+          <ac:spMkLst>
+            <pc:docMk/>
+            <pc:sldMk cId="1481262162" sldId="266"/>
+            <ac:spMk id="7" creationId="{49385714-0741-8E42-1299-8EFE6289D14C}"/>
+          </ac:spMkLst>
+        </pc:spChg>
+        <pc:spChg chg="add">
+          <ac:chgData name="משה עופר" userId="be54d6cb-761f-4aec-b214-5cfcb9fa6e02" providerId="ADAL" clId="{FF28DE3C-28C2-4BAA-8AE0-67241F3FC15E}" dt="2024-03-12T10:22:03.795" v="148"/>
+          <ac:spMkLst>
+            <pc:docMk/>
+            <pc:sldMk cId="1481262162" sldId="266"/>
+            <ac:spMk id="8" creationId="{64010596-ABCC-F235-50BC-32B20D1390FF}"/>
+          </ac:spMkLst>
+        </pc:spChg>
+        <pc:spChg chg="add">
+          <ac:chgData name="משה עופר" userId="be54d6cb-761f-4aec-b214-5cfcb9fa6e02" providerId="ADAL" clId="{FF28DE3C-28C2-4BAA-8AE0-67241F3FC15E}" dt="2024-03-12T10:22:03.795" v="148"/>
+          <ac:spMkLst>
+            <pc:docMk/>
+            <pc:sldMk cId="1481262162" sldId="266"/>
+            <ac:spMk id="9" creationId="{DDDED7D9-C555-259E-BBBD-1CEBC77F2C41}"/>
+          </ac:spMkLst>
+        </pc:spChg>
+        <pc:spChg chg="add mod">
+          <ac:chgData name="משה עופר" userId="be54d6cb-761f-4aec-b214-5cfcb9fa6e02" providerId="ADAL" clId="{FF28DE3C-28C2-4BAA-8AE0-67241F3FC15E}" dt="2024-03-12T10:22:09.070" v="150"/>
+          <ac:spMkLst>
+            <pc:docMk/>
+            <pc:sldMk cId="1481262162" sldId="266"/>
+            <ac:spMk id="10" creationId="{BA5C2A39-5BC3-3537-4BFC-757A4CB1424F}"/>
+          </ac:spMkLst>
+        </pc:spChg>
+        <pc:spChg chg="add mod">
+          <ac:chgData name="משה עופר" userId="be54d6cb-761f-4aec-b214-5cfcb9fa6e02" providerId="ADAL" clId="{FF28DE3C-28C2-4BAA-8AE0-67241F3FC15E}" dt="2024-03-12T10:22:09.070" v="150"/>
+          <ac:spMkLst>
+            <pc:docMk/>
+            <pc:sldMk cId="1481262162" sldId="266"/>
+            <ac:spMk id="11" creationId="{AE61B997-8091-3127-D6D8-7DD72FDF121A}"/>
+          </ac:spMkLst>
+        </pc:spChg>
+        <pc:spChg chg="add mod">
+          <ac:chgData name="משה עופר" userId="be54d6cb-761f-4aec-b214-5cfcb9fa6e02" providerId="ADAL" clId="{FF28DE3C-28C2-4BAA-8AE0-67241F3FC15E}" dt="2024-03-12T10:22:09.070" v="150"/>
+          <ac:spMkLst>
+            <pc:docMk/>
+            <pc:sldMk cId="1481262162" sldId="266"/>
+            <ac:spMk id="12" creationId="{9D33BED3-4095-B0F4-FBF7-C4DF84300F7E}"/>
+          </ac:spMkLst>
+        </pc:spChg>
+        <pc:spChg chg="add mod">
+          <ac:chgData name="משה עופר" userId="be54d6cb-761f-4aec-b214-5cfcb9fa6e02" providerId="ADAL" clId="{FF28DE3C-28C2-4BAA-8AE0-67241F3FC15E}" dt="2024-03-12T10:33:34.354" v="362" actId="20577"/>
+          <ac:spMkLst>
+            <pc:docMk/>
+            <pc:sldMk cId="1481262162" sldId="266"/>
+            <ac:spMk id="14" creationId="{56BA149B-864D-F65A-42EB-AB977710F586}"/>
+          </ac:spMkLst>
+        </pc:spChg>
+        <pc:spChg chg="add del mod">
+          <ac:chgData name="משה עופר" userId="be54d6cb-761f-4aec-b214-5cfcb9fa6e02" providerId="ADAL" clId="{FF28DE3C-28C2-4BAA-8AE0-67241F3FC15E}" dt="2024-03-12T10:27:02.305" v="319" actId="21"/>
+          <ac:spMkLst>
+            <pc:docMk/>
+            <pc:sldMk cId="1481262162" sldId="266"/>
+            <ac:spMk id="17" creationId="{EC6D8B1A-DA82-1805-1433-07C1C31BCCBB}"/>
+          </ac:spMkLst>
+        </pc:spChg>
+        <pc:spChg chg="add mod">
+          <ac:chgData name="משה עופר" userId="be54d6cb-761f-4aec-b214-5cfcb9fa6e02" providerId="ADAL" clId="{FF28DE3C-28C2-4BAA-8AE0-67241F3FC15E}" dt="2024-03-12T10:31:43.452" v="357" actId="20577"/>
+          <ac:spMkLst>
+            <pc:docMk/>
+            <pc:sldMk cId="1481262162" sldId="266"/>
+            <ac:spMk id="19" creationId="{1073B467-A58B-06C7-634B-DA1BCED0FBE0}"/>
+          </ac:spMkLst>
+        </pc:spChg>
+        <pc:picChg chg="add del mod">
+          <ac:chgData name="משה עופר" userId="be54d6cb-761f-4aec-b214-5cfcb9fa6e02" providerId="ADAL" clId="{FF28DE3C-28C2-4BAA-8AE0-67241F3FC15E}" dt="2024-03-12T10:27:02.305" v="319" actId="21"/>
+          <ac:picMkLst>
+            <pc:docMk/>
+            <pc:sldMk cId="1481262162" sldId="266"/>
+            <ac:picMk id="16" creationId="{3C60D677-6FDE-52B5-AB26-41BB34406C3D}"/>
+          </ac:picMkLst>
+        </pc:picChg>
+        <pc:picChg chg="add mod">
+          <ac:chgData name="משה עופר" userId="be54d6cb-761f-4aec-b214-5cfcb9fa6e02" providerId="ADAL" clId="{FF28DE3C-28C2-4BAA-8AE0-67241F3FC15E}" dt="2024-03-12T10:32:10.542" v="358" actId="14861"/>
+          <ac:picMkLst>
+            <pc:docMk/>
+            <pc:sldMk cId="1481262162" sldId="266"/>
+            <ac:picMk id="1035" creationId="{6A8129D2-8A6E-7B44-D083-F6279EB23370}"/>
+          </ac:picMkLst>
+        </pc:picChg>
+      </pc:sldChg>
+      <pc:sldChg chg="addSp delSp modSp new mod setBg">
+        <pc:chgData name="משה עופר" userId="be54d6cb-761f-4aec-b214-5cfcb9fa6e02" providerId="ADAL" clId="{FF28DE3C-28C2-4BAA-8AE0-67241F3FC15E}" dt="2024-03-12T10:50:51.809" v="523" actId="14100"/>
+        <pc:sldMkLst>
+          <pc:docMk/>
+          <pc:sldMk cId="4148133651" sldId="267"/>
+        </pc:sldMkLst>
+        <pc:spChg chg="del">
+          <ac:chgData name="משה עופר" userId="be54d6cb-761f-4aec-b214-5cfcb9fa6e02" providerId="ADAL" clId="{FF28DE3C-28C2-4BAA-8AE0-67241F3FC15E}" dt="2024-03-12T10:27:07.242" v="321" actId="478"/>
+          <ac:spMkLst>
+            <pc:docMk/>
+            <pc:sldMk cId="4148133651" sldId="267"/>
+            <ac:spMk id="2" creationId="{D5219D47-2A3E-11D9-2158-A54B0367D78A}"/>
+          </ac:spMkLst>
+        </pc:spChg>
+        <pc:spChg chg="del">
+          <ac:chgData name="משה עופר" userId="be54d6cb-761f-4aec-b214-5cfcb9fa6e02" providerId="ADAL" clId="{FF28DE3C-28C2-4BAA-8AE0-67241F3FC15E}" dt="2024-03-12T10:27:09.055" v="322" actId="478"/>
+          <ac:spMkLst>
+            <pc:docMk/>
+            <pc:sldMk cId="4148133651" sldId="267"/>
+            <ac:spMk id="3" creationId="{0D5B9C43-9AD0-403B-F457-BD3C28474945}"/>
+          </ac:spMkLst>
+        </pc:spChg>
+        <pc:spChg chg="add mod">
+          <ac:chgData name="משה עופר" userId="be54d6cb-761f-4aec-b214-5cfcb9fa6e02" providerId="ADAL" clId="{FF28DE3C-28C2-4BAA-8AE0-67241F3FC15E}" dt="2024-03-12T10:49:17.625" v="516" actId="26606"/>
+          <ac:spMkLst>
+            <pc:docMk/>
+            <pc:sldMk cId="4148133651" sldId="267"/>
+            <ac:spMk id="17" creationId="{EC6D8B1A-DA82-1805-1433-07C1C31BCCBB}"/>
+          </ac:spMkLst>
+        </pc:spChg>
+        <pc:spChg chg="add del">
+          <ac:chgData name="משה עופר" userId="be54d6cb-761f-4aec-b214-5cfcb9fa6e02" providerId="ADAL" clId="{FF28DE3C-28C2-4BAA-8AE0-67241F3FC15E}" dt="2024-03-12T10:49:17.625" v="516" actId="26606"/>
+          <ac:spMkLst>
+            <pc:docMk/>
+            <pc:sldMk cId="4148133651" sldId="267"/>
+            <ac:spMk id="34" creationId="{03E8462A-FEBA-4848-81CC-3F8DA3E477BE}"/>
+          </ac:spMkLst>
+        </pc:spChg>
+        <pc:spChg chg="add del">
+          <ac:chgData name="משה עופר" userId="be54d6cb-761f-4aec-b214-5cfcb9fa6e02" providerId="ADAL" clId="{FF28DE3C-28C2-4BAA-8AE0-67241F3FC15E}" dt="2024-03-12T10:49:17.625" v="516" actId="26606"/>
+          <ac:spMkLst>
+            <pc:docMk/>
+            <pc:sldMk cId="4148133651" sldId="267"/>
+            <ac:spMk id="47" creationId="{7941F9B1-B01B-4A84-89D9-B169AEB4E456}"/>
+          </ac:spMkLst>
+        </pc:spChg>
+        <pc:grpChg chg="add del">
+          <ac:chgData name="משה עופר" userId="be54d6cb-761f-4aec-b214-5cfcb9fa6e02" providerId="ADAL" clId="{FF28DE3C-28C2-4BAA-8AE0-67241F3FC15E}" dt="2024-03-12T10:49:17.625" v="516" actId="26606"/>
+          <ac:grpSpMkLst>
+            <pc:docMk/>
+            <pc:sldMk cId="4148133651" sldId="267"/>
+            <ac:grpSpMk id="22" creationId="{609316A9-990D-4EC3-A671-70EE5C1493A4}"/>
+          </ac:grpSpMkLst>
+        </pc:grpChg>
+        <pc:grpChg chg="add del">
+          <ac:chgData name="משה עופר" userId="be54d6cb-761f-4aec-b214-5cfcb9fa6e02" providerId="ADAL" clId="{FF28DE3C-28C2-4BAA-8AE0-67241F3FC15E}" dt="2024-03-12T10:49:17.625" v="516" actId="26606"/>
+          <ac:grpSpMkLst>
+            <pc:docMk/>
+            <pc:sldMk cId="4148133651" sldId="267"/>
+            <ac:grpSpMk id="36" creationId="{2109F83F-40FE-4DB3-84CC-09FB3340D06D}"/>
+          </ac:grpSpMkLst>
+        </pc:grpChg>
+        <pc:picChg chg="add mod">
+          <ac:chgData name="משה עופר" userId="be54d6cb-761f-4aec-b214-5cfcb9fa6e02" providerId="ADAL" clId="{FF28DE3C-28C2-4BAA-8AE0-67241F3FC15E}" dt="2024-03-12T10:50:51.809" v="523" actId="14100"/>
+          <ac:picMkLst>
+            <pc:docMk/>
+            <pc:sldMk cId="4148133651" sldId="267"/>
+            <ac:picMk id="16" creationId="{3C60D677-6FDE-52B5-AB26-41BB34406C3D}"/>
+          </ac:picMkLst>
+        </pc:picChg>
+      </pc:sldChg>
+      <pc:sldChg chg="addSp delSp modSp new mod ord">
+        <pc:chgData name="משה עופר" userId="be54d6cb-761f-4aec-b214-5cfcb9fa6e02" providerId="ADAL" clId="{FF28DE3C-28C2-4BAA-8AE0-67241F3FC15E}" dt="2024-03-12T10:51:10.099" v="525"/>
+        <pc:sldMkLst>
+          <pc:docMk/>
+          <pc:sldMk cId="4155581503" sldId="268"/>
+        </pc:sldMkLst>
+        <pc:spChg chg="mod">
+          <ac:chgData name="משה עופר" userId="be54d6cb-761f-4aec-b214-5cfcb9fa6e02" providerId="ADAL" clId="{FF28DE3C-28C2-4BAA-8AE0-67241F3FC15E}" dt="2024-03-12T10:39:40.865" v="402" actId="782"/>
+          <ac:spMkLst>
+            <pc:docMk/>
+            <pc:sldMk cId="4155581503" sldId="268"/>
+            <ac:spMk id="2" creationId="{23568A24-1EE3-D3BF-0D70-1DB9C536A252}"/>
+          </ac:spMkLst>
+        </pc:spChg>
+        <pc:spChg chg="del mod">
+          <ac:chgData name="משה עופר" userId="be54d6cb-761f-4aec-b214-5cfcb9fa6e02" providerId="ADAL" clId="{FF28DE3C-28C2-4BAA-8AE0-67241F3FC15E}" dt="2024-03-12T10:39:28.231" v="400" actId="478"/>
+          <ac:spMkLst>
+            <pc:docMk/>
+            <pc:sldMk cId="4155581503" sldId="268"/>
+            <ac:spMk id="3" creationId="{32FB2BE1-F632-A764-EBB1-3488622CFAA8}"/>
+          </ac:spMkLst>
+        </pc:spChg>
+        <pc:spChg chg="add del mod">
+          <ac:chgData name="משה עופר" userId="be54d6cb-761f-4aec-b214-5cfcb9fa6e02" providerId="ADAL" clId="{FF28DE3C-28C2-4BAA-8AE0-67241F3FC15E}" dt="2024-03-12T10:41:48.325" v="447" actId="20577"/>
+          <ac:spMkLst>
+            <pc:docMk/>
+            <pc:sldMk cId="4155581503" sldId="268"/>
+            <ac:spMk id="5" creationId="{A5459119-3DB4-E191-D0E0-BC00BD80C2BC}"/>
+          </ac:spMkLst>
+        </pc:spChg>
+        <pc:spChg chg="add mod">
+          <ac:chgData name="משה עופר" userId="be54d6cb-761f-4aec-b214-5cfcb9fa6e02" providerId="ADAL" clId="{FF28DE3C-28C2-4BAA-8AE0-67241F3FC15E}" dt="2024-03-12T10:40:00.565" v="407"/>
+          <ac:spMkLst>
+            <pc:docMk/>
+            <pc:sldMk cId="4155581503" sldId="268"/>
+            <ac:spMk id="6" creationId="{A93399ED-85BD-2ECD-0312-9518E4D62130}"/>
+          </ac:spMkLst>
+        </pc:spChg>
+        <pc:spChg chg="add del mod">
+          <ac:chgData name="משה עופר" userId="be54d6cb-761f-4aec-b214-5cfcb9fa6e02" providerId="ADAL" clId="{FF28DE3C-28C2-4BAA-8AE0-67241F3FC15E}" dt="2024-03-12T10:42:07.925" v="451" actId="22"/>
+          <ac:spMkLst>
+            <pc:docMk/>
+            <pc:sldMk cId="4155581503" sldId="268"/>
+            <ac:spMk id="8" creationId="{395FDB30-11DE-617E-298F-263BDDCE2CDF}"/>
+          </ac:spMkLst>
+        </pc:spChg>
+        <pc:spChg chg="add del">
+          <ac:chgData name="משה עופר" userId="be54d6cb-761f-4aec-b214-5cfcb9fa6e02" providerId="ADAL" clId="{FF28DE3C-28C2-4BAA-8AE0-67241F3FC15E}" dt="2024-03-12T10:42:10.777" v="455" actId="22"/>
+          <ac:spMkLst>
+            <pc:docMk/>
+            <pc:sldMk cId="4155581503" sldId="268"/>
+            <ac:spMk id="10" creationId="{75FFDFFD-ABC8-1439-F733-ABCC8294F4EE}"/>
+          </ac:spMkLst>
+        </pc:spChg>
+        <pc:spChg chg="add del">
+          <ac:chgData name="משה עופר" userId="be54d6cb-761f-4aec-b214-5cfcb9fa6e02" providerId="ADAL" clId="{FF28DE3C-28C2-4BAA-8AE0-67241F3FC15E}" dt="2024-03-12T10:42:13.075" v="457" actId="22"/>
+          <ac:spMkLst>
+            <pc:docMk/>
+            <pc:sldMk cId="4155581503" sldId="268"/>
+            <ac:spMk id="12" creationId="{1381848B-E726-1DBC-6331-E2275F36842E}"/>
+          </ac:spMkLst>
+        </pc:spChg>
+        <pc:spChg chg="add mod">
+          <ac:chgData name="משה עופר" userId="be54d6cb-761f-4aec-b214-5cfcb9fa6e02" providerId="ADAL" clId="{FF28DE3C-28C2-4BAA-8AE0-67241F3FC15E}" dt="2024-03-12T10:44:02.615" v="495" actId="20577"/>
+          <ac:spMkLst>
+            <pc:docMk/>
+            <pc:sldMk cId="4155581503" sldId="268"/>
+            <ac:spMk id="14" creationId="{81A929D3-02ED-CA7B-BA64-C787E686C966}"/>
+          </ac:spMkLst>
+        </pc:spChg>
+        <pc:spChg chg="add mod">
+          <ac:chgData name="משה עופר" userId="be54d6cb-761f-4aec-b214-5cfcb9fa6e02" providerId="ADAL" clId="{FF28DE3C-28C2-4BAA-8AE0-67241F3FC15E}" dt="2024-03-12T10:44:30.755" v="496" actId="1076"/>
+          <ac:spMkLst>
+            <pc:docMk/>
+            <pc:sldMk cId="4155581503" sldId="268"/>
+            <ac:spMk id="16" creationId="{F666B049-D268-4D99-F1CB-E535B8ABBCE0}"/>
+          </ac:spMkLst>
+        </pc:spChg>
+      </pc:sldChg>
+      <pc:sldChg chg="addSp delSp modSp new mod setBg">
+        <pc:chgData name="משה עופר" userId="be54d6cb-761f-4aec-b214-5cfcb9fa6e02" providerId="ADAL" clId="{FF28DE3C-28C2-4BAA-8AE0-67241F3FC15E}" dt="2024-03-12T10:48:02.295" v="506" actId="27614"/>
+        <pc:sldMkLst>
+          <pc:docMk/>
+          <pc:sldMk cId="1089177674" sldId="269"/>
+        </pc:sldMkLst>
+        <pc:spChg chg="del">
+          <ac:chgData name="משה עופר" userId="be54d6cb-761f-4aec-b214-5cfcb9fa6e02" providerId="ADAL" clId="{FF28DE3C-28C2-4BAA-8AE0-67241F3FC15E}" dt="2024-03-12T10:46:43.459" v="504" actId="478"/>
+          <ac:spMkLst>
+            <pc:docMk/>
+            <pc:sldMk cId="1089177674" sldId="269"/>
+            <ac:spMk id="2" creationId="{F3133D2F-8BAD-DB08-FAFB-BC5B984EEF52}"/>
+          </ac:spMkLst>
+        </pc:spChg>
+        <pc:spChg chg="del">
+          <ac:chgData name="משה עופר" userId="be54d6cb-761f-4aec-b214-5cfcb9fa6e02" providerId="ADAL" clId="{FF28DE3C-28C2-4BAA-8AE0-67241F3FC15E}" dt="2024-03-12T10:46:07.700" v="498" actId="478"/>
+          <ac:spMkLst>
+            <pc:docMk/>
+            <pc:sldMk cId="1089177674" sldId="269"/>
+            <ac:spMk id="3" creationId="{715F0DCE-7DDB-5170-A751-78723DB57FE2}"/>
+          </ac:spMkLst>
+        </pc:spChg>
+        <pc:spChg chg="add">
+          <ac:chgData name="משה עופר" userId="be54d6cb-761f-4aec-b214-5cfcb9fa6e02" providerId="ADAL" clId="{FF28DE3C-28C2-4BAA-8AE0-67241F3FC15E}" dt="2024-03-12T10:46:10.991" v="499"/>
+          <ac:spMkLst>
+            <pc:docMk/>
+            <pc:sldMk cId="1089177674" sldId="269"/>
+            <ac:spMk id="4" creationId="{0820ECA3-BFD6-535D-D454-4DB8B876D6A0}"/>
+          </ac:spMkLst>
+        </pc:spChg>
+        <pc:spChg chg="add">
+          <ac:chgData name="משה עופר" userId="be54d6cb-761f-4aec-b214-5cfcb9fa6e02" providerId="ADAL" clId="{FF28DE3C-28C2-4BAA-8AE0-67241F3FC15E}" dt="2024-03-12T10:46:26.039" v="500"/>
+          <ac:spMkLst>
+            <pc:docMk/>
+            <pc:sldMk cId="1089177674" sldId="269"/>
+            <ac:spMk id="5" creationId="{C775E725-7EE5-39FE-5C47-CB5C647266BA}"/>
+          </ac:spMkLst>
+        </pc:spChg>
+        <pc:spChg chg="add">
+          <ac:chgData name="משה עופר" userId="be54d6cb-761f-4aec-b214-5cfcb9fa6e02" providerId="ADAL" clId="{FF28DE3C-28C2-4BAA-8AE0-67241F3FC15E}" dt="2024-03-12T10:46:52.421" v="505" actId="26606"/>
+          <ac:spMkLst>
+            <pc:docMk/>
+            <pc:sldMk cId="1089177674" sldId="269"/>
+            <ac:spMk id="23" creationId="{85C2136B-77EC-41E9-BDB6-58A4AE1429B7}"/>
+          </ac:spMkLst>
+        </pc:spChg>
+        <pc:spChg chg="add">
+          <ac:chgData name="משה עופר" userId="be54d6cb-761f-4aec-b214-5cfcb9fa6e02" providerId="ADAL" clId="{FF28DE3C-28C2-4BAA-8AE0-67241F3FC15E}" dt="2024-03-12T10:46:52.421" v="505" actId="26606"/>
+          <ac:spMkLst>
+            <pc:docMk/>
+            <pc:sldMk cId="1089177674" sldId="269"/>
+            <ac:spMk id="29" creationId="{7FBCF2A6-1F18-4B68-B5D2-5B763ED4159A}"/>
+          </ac:spMkLst>
+        </pc:spChg>
+        <pc:spChg chg="add">
+          <ac:chgData name="משה עופר" userId="be54d6cb-761f-4aec-b214-5cfcb9fa6e02" providerId="ADAL" clId="{FF28DE3C-28C2-4BAA-8AE0-67241F3FC15E}" dt="2024-03-12T10:46:52.421" v="505" actId="26606"/>
+          <ac:spMkLst>
+            <pc:docMk/>
+            <pc:sldMk cId="1089177674" sldId="269"/>
+            <ac:spMk id="31" creationId="{FF3A27FB-A693-4A75-951E-0C77CD98F032}"/>
+          </ac:spMkLst>
+        </pc:spChg>
+        <pc:grpChg chg="add">
+          <ac:chgData name="משה עופר" userId="be54d6cb-761f-4aec-b214-5cfcb9fa6e02" providerId="ADAL" clId="{FF28DE3C-28C2-4BAA-8AE0-67241F3FC15E}" dt="2024-03-12T10:46:52.421" v="505" actId="26606"/>
+          <ac:grpSpMkLst>
+            <pc:docMk/>
+            <pc:sldMk cId="1089177674" sldId="269"/>
+            <ac:grpSpMk id="11" creationId="{DDE8DE2B-61C1-46D5-BEB8-521321C182C4}"/>
+          </ac:grpSpMkLst>
+        </pc:grpChg>
+        <pc:picChg chg="add mod">
+          <ac:chgData name="משה עופר" userId="be54d6cb-761f-4aec-b214-5cfcb9fa6e02" providerId="ADAL" clId="{FF28DE3C-28C2-4BAA-8AE0-67241F3FC15E}" dt="2024-03-12T10:48:02.295" v="506" actId="27614"/>
+          <ac:picMkLst>
+            <pc:docMk/>
+            <pc:sldMk cId="1089177674" sldId="269"/>
+            <ac:picMk id="6" creationId="{13111BC3-5F21-8134-FB13-04A309FC2382}"/>
+          </ac:picMkLst>
+        </pc:picChg>
+        <pc:cxnChg chg="add">
+          <ac:chgData name="משה עופר" userId="be54d6cb-761f-4aec-b214-5cfcb9fa6e02" providerId="ADAL" clId="{FF28DE3C-28C2-4BAA-8AE0-67241F3FC15E}" dt="2024-03-12T10:46:52.421" v="505" actId="26606"/>
+          <ac:cxnSpMkLst>
+            <pc:docMk/>
+            <pc:sldMk cId="1089177674" sldId="269"/>
+            <ac:cxnSpMk id="25" creationId="{E55891F3-A5E2-4418-8950-25FA2B731209}"/>
+          </ac:cxnSpMkLst>
+        </pc:cxnChg>
+        <pc:cxnChg chg="add">
+          <ac:chgData name="משה עופר" userId="be54d6cb-761f-4aec-b214-5cfcb9fa6e02" providerId="ADAL" clId="{FF28DE3C-28C2-4BAA-8AE0-67241F3FC15E}" dt="2024-03-12T10:46:52.421" v="505" actId="26606"/>
+          <ac:cxnSpMkLst>
+            <pc:docMk/>
+            <pc:sldMk cId="1089177674" sldId="269"/>
+            <ac:cxnSpMk id="27" creationId="{FB1FCEB1-A7E1-417C-A7EF-AA30D5A0859F}"/>
+          </ac:cxnSpMkLst>
+        </pc:cxnChg>
+      </pc:sldChg>
+      <pc:sldChg chg="addSp delSp modSp new mod setBg">
+        <pc:chgData name="משה עופר" userId="be54d6cb-761f-4aec-b214-5cfcb9fa6e02" providerId="ADAL" clId="{FF28DE3C-28C2-4BAA-8AE0-67241F3FC15E}" dt="2024-03-12T10:48:36.283" v="514" actId="1076"/>
+        <pc:sldMkLst>
+          <pc:docMk/>
+          <pc:sldMk cId="4199337064" sldId="270"/>
+        </pc:sldMkLst>
+        <pc:spChg chg="del">
+          <ac:chgData name="משה עופר" userId="be54d6cb-761f-4aec-b214-5cfcb9fa6e02" providerId="ADAL" clId="{FF28DE3C-28C2-4BAA-8AE0-67241F3FC15E}" dt="2024-03-12T10:48:07.402" v="508" actId="478"/>
+          <ac:spMkLst>
+            <pc:docMk/>
+            <pc:sldMk cId="4199337064" sldId="270"/>
+            <ac:spMk id="2" creationId="{0198C079-CB9B-2A3B-243E-D073D3E6CF81}"/>
+          </ac:spMkLst>
+        </pc:spChg>
+        <pc:spChg chg="del">
+          <ac:chgData name="משה עופר" userId="be54d6cb-761f-4aec-b214-5cfcb9fa6e02" providerId="ADAL" clId="{FF28DE3C-28C2-4BAA-8AE0-67241F3FC15E}" dt="2024-03-12T10:48:10.103" v="509" actId="478"/>
+          <ac:spMkLst>
+            <pc:docMk/>
+            <pc:sldMk cId="4199337064" sldId="270"/>
+            <ac:spMk id="3" creationId="{528C035D-5F64-9624-C9F9-7C19E8B3AA9C}"/>
+          </ac:spMkLst>
+        </pc:spChg>
+        <pc:spChg chg="add del">
+          <ac:chgData name="משה עופר" userId="be54d6cb-761f-4aec-b214-5cfcb9fa6e02" providerId="ADAL" clId="{FF28DE3C-28C2-4BAA-8AE0-67241F3FC15E}" dt="2024-03-12T10:48:23.769" v="512" actId="26606"/>
+          <ac:spMkLst>
+            <pc:docMk/>
+            <pc:sldMk cId="4199337064" sldId="270"/>
+            <ac:spMk id="5139" creationId="{03E8462A-FEBA-4848-81CC-3F8DA3E477BE}"/>
+          </ac:spMkLst>
+        </pc:spChg>
+        <pc:spChg chg="add del">
+          <ac:chgData name="משה עופר" userId="be54d6cb-761f-4aec-b214-5cfcb9fa6e02" providerId="ADAL" clId="{FF28DE3C-28C2-4BAA-8AE0-67241F3FC15E}" dt="2024-03-12T10:48:23.769" v="512" actId="26606"/>
+          <ac:spMkLst>
+            <pc:docMk/>
+            <pc:sldMk cId="4199337064" sldId="270"/>
+            <ac:spMk id="5152" creationId="{7941F9B1-B01B-4A84-89D9-B169AEB4E456}"/>
+          </ac:spMkLst>
+        </pc:spChg>
+        <pc:grpChg chg="add del">
+          <ac:chgData name="משה עופר" userId="be54d6cb-761f-4aec-b214-5cfcb9fa6e02" providerId="ADAL" clId="{FF28DE3C-28C2-4BAA-8AE0-67241F3FC15E}" dt="2024-03-12T10:48:23.769" v="512" actId="26606"/>
+          <ac:grpSpMkLst>
+            <pc:docMk/>
+            <pc:sldMk cId="4199337064" sldId="270"/>
+            <ac:grpSpMk id="5127" creationId="{609316A9-990D-4EC3-A671-70EE5C1493A4}"/>
+          </ac:grpSpMkLst>
+        </pc:grpChg>
+        <pc:grpChg chg="add del">
+          <ac:chgData name="משה עופר" userId="be54d6cb-761f-4aec-b214-5cfcb9fa6e02" providerId="ADAL" clId="{FF28DE3C-28C2-4BAA-8AE0-67241F3FC15E}" dt="2024-03-12T10:48:23.769" v="512" actId="26606"/>
+          <ac:grpSpMkLst>
+            <pc:docMk/>
+            <pc:sldMk cId="4199337064" sldId="270"/>
+            <ac:grpSpMk id="5141" creationId="{2109F83F-40FE-4DB3-84CC-09FB3340D06D}"/>
+          </ac:grpSpMkLst>
+        </pc:grpChg>
+        <pc:picChg chg="add mod">
+          <ac:chgData name="משה עופר" userId="be54d6cb-761f-4aec-b214-5cfcb9fa6e02" providerId="ADAL" clId="{FF28DE3C-28C2-4BAA-8AE0-67241F3FC15E}" dt="2024-03-12T10:48:36.283" v="514" actId="1076"/>
+          <ac:picMkLst>
+            <pc:docMk/>
+            <pc:sldMk cId="4199337064" sldId="270"/>
+            <ac:picMk id="5122" creationId="{CD1CF874-5168-DBD1-1519-D8C7A3C64959}"/>
+          </ac:picMkLst>
+        </pc:picChg>
+      </pc:sldChg>
+      <pc:sldChg chg="addSp delSp modSp new mod setBg">
+        <pc:chgData name="משה עופר" userId="be54d6cb-761f-4aec-b214-5cfcb9fa6e02" providerId="ADAL" clId="{FF28DE3C-28C2-4BAA-8AE0-67241F3FC15E}" dt="2024-03-12T11:00:37.093" v="547" actId="26606"/>
+        <pc:sldMkLst>
+          <pc:docMk/>
+          <pc:sldMk cId="1109305153" sldId="271"/>
+        </pc:sldMkLst>
+        <pc:spChg chg="del mod">
+          <ac:chgData name="משה עופר" userId="be54d6cb-761f-4aec-b214-5cfcb9fa6e02" providerId="ADAL" clId="{FF28DE3C-28C2-4BAA-8AE0-67241F3FC15E}" dt="2024-03-12T11:00:10.661" v="538" actId="478"/>
+          <ac:spMkLst>
+            <pc:docMk/>
+            <pc:sldMk cId="1109305153" sldId="271"/>
+            <ac:spMk id="2" creationId="{A10DAFA3-5203-D57C-A732-5D0C1750645E}"/>
+          </ac:spMkLst>
+        </pc:spChg>
+        <pc:spChg chg="del">
+          <ac:chgData name="משה עופר" userId="be54d6cb-761f-4aec-b214-5cfcb9fa6e02" providerId="ADAL" clId="{FF28DE3C-28C2-4BAA-8AE0-67241F3FC15E}" dt="2024-03-12T11:00:11.855" v="539" actId="478"/>
+          <ac:spMkLst>
+            <pc:docMk/>
+            <pc:sldMk cId="1109305153" sldId="271"/>
+            <ac:spMk id="3" creationId="{A128B96F-0BF1-2C87-CAD7-8D9BB28BAC70}"/>
+          </ac:spMkLst>
+        </pc:spChg>
+        <pc:spChg chg="add del">
+          <ac:chgData name="משה עופר" userId="be54d6cb-761f-4aec-b214-5cfcb9fa6e02" providerId="ADAL" clId="{FF28DE3C-28C2-4BAA-8AE0-67241F3FC15E}" dt="2024-03-12T11:00:29.496" v="544" actId="26606"/>
+          <ac:spMkLst>
+            <pc:docMk/>
+            <pc:sldMk cId="1109305153" sldId="271"/>
+            <ac:spMk id="6163" creationId="{85C2136B-77EC-41E9-BDB6-58A4AE1429B7}"/>
+          </ac:spMkLst>
+        </pc:spChg>
+        <pc:spChg chg="add del">
+          <ac:chgData name="משה עופר" userId="be54d6cb-761f-4aec-b214-5cfcb9fa6e02" providerId="ADAL" clId="{FF28DE3C-28C2-4BAA-8AE0-67241F3FC15E}" dt="2024-03-12T11:00:29.496" v="544" actId="26606"/>
+          <ac:spMkLst>
+            <pc:docMk/>
+            <pc:sldMk cId="1109305153" sldId="271"/>
+            <ac:spMk id="6169" creationId="{7FBCF2A6-1F18-4B68-B5D2-5B763ED4159A}"/>
+          </ac:spMkLst>
+        </pc:spChg>
+        <pc:spChg chg="add del">
+          <ac:chgData name="משה עופר" userId="be54d6cb-761f-4aec-b214-5cfcb9fa6e02" providerId="ADAL" clId="{FF28DE3C-28C2-4BAA-8AE0-67241F3FC15E}" dt="2024-03-12T11:00:29.496" v="544" actId="26606"/>
+          <ac:spMkLst>
+            <pc:docMk/>
+            <pc:sldMk cId="1109305153" sldId="271"/>
+            <ac:spMk id="6171" creationId="{FF3A27FB-A693-4A75-951E-0C77CD98F032}"/>
+          </ac:spMkLst>
+        </pc:spChg>
+        <pc:spChg chg="add del">
+          <ac:chgData name="משה עופר" userId="be54d6cb-761f-4aec-b214-5cfcb9fa6e02" providerId="ADAL" clId="{FF28DE3C-28C2-4BAA-8AE0-67241F3FC15E}" dt="2024-03-12T11:00:37.093" v="547" actId="26606"/>
+          <ac:spMkLst>
+            <pc:docMk/>
+            <pc:sldMk cId="1109305153" sldId="271"/>
+            <ac:spMk id="6188" creationId="{21029ED5-F105-4DD2-99C8-1E4422817978}"/>
+          </ac:spMkLst>
+        </pc:spChg>
+        <pc:spChg chg="add del">
+          <ac:chgData name="משה עופר" userId="be54d6cb-761f-4aec-b214-5cfcb9fa6e02" providerId="ADAL" clId="{FF28DE3C-28C2-4BAA-8AE0-67241F3FC15E}" dt="2024-03-12T11:00:37.093" v="547" actId="26606"/>
+          <ac:spMkLst>
+            <pc:docMk/>
+            <pc:sldMk cId="1109305153" sldId="271"/>
+            <ac:spMk id="6201" creationId="{5C9652B3-A450-4ED6-8FBF-F536BA60B4D8}"/>
+          </ac:spMkLst>
+        </pc:spChg>
+        <pc:grpChg chg="add del">
+          <ac:chgData name="משה עופר" userId="be54d6cb-761f-4aec-b214-5cfcb9fa6e02" providerId="ADAL" clId="{FF28DE3C-28C2-4BAA-8AE0-67241F3FC15E}" dt="2024-03-12T11:00:29.496" v="544" actId="26606"/>
+          <ac:grpSpMkLst>
+            <pc:docMk/>
+            <pc:sldMk cId="1109305153" sldId="271"/>
+            <ac:grpSpMk id="6151" creationId="{DDE8DE2B-61C1-46D5-BEB8-521321C182C4}"/>
+          </ac:grpSpMkLst>
+        </pc:grpChg>
+        <pc:grpChg chg="add del">
+          <ac:chgData name="משה עופר" userId="be54d6cb-761f-4aec-b214-5cfcb9fa6e02" providerId="ADAL" clId="{FF28DE3C-28C2-4BAA-8AE0-67241F3FC15E}" dt="2024-03-12T11:00:37.093" v="547" actId="26606"/>
+          <ac:grpSpMkLst>
+            <pc:docMk/>
+            <pc:sldMk cId="1109305153" sldId="271"/>
+            <ac:grpSpMk id="6176" creationId="{DDE8DE2B-61C1-46D5-BEB8-521321C182C4}"/>
+          </ac:grpSpMkLst>
+        </pc:grpChg>
+        <pc:grpChg chg="add del">
+          <ac:chgData name="משה עופר" userId="be54d6cb-761f-4aec-b214-5cfcb9fa6e02" providerId="ADAL" clId="{FF28DE3C-28C2-4BAA-8AE0-67241F3FC15E}" dt="2024-03-12T11:00:37.093" v="547" actId="26606"/>
+          <ac:grpSpMkLst>
+            <pc:docMk/>
+            <pc:sldMk cId="1109305153" sldId="271"/>
+            <ac:grpSpMk id="6190" creationId="{2D621E68-BF28-4A1C-B1A2-4E55E139E79A}"/>
+          </ac:grpSpMkLst>
+        </pc:grpChg>
+        <pc:grpChg chg="add">
+          <ac:chgData name="משה עופר" userId="be54d6cb-761f-4aec-b214-5cfcb9fa6e02" providerId="ADAL" clId="{FF28DE3C-28C2-4BAA-8AE0-67241F3FC15E}" dt="2024-03-12T11:00:37.093" v="547" actId="26606"/>
+          <ac:grpSpMkLst>
+            <pc:docMk/>
+            <pc:sldMk cId="1109305153" sldId="271"/>
+            <ac:grpSpMk id="6206" creationId="{6CE6E43D-FC44-4F15-89C6-7C08E9BDC3FF}"/>
+          </ac:grpSpMkLst>
+        </pc:grpChg>
+        <pc:picChg chg="add mod">
+          <ac:chgData name="משה עופר" userId="be54d6cb-761f-4aec-b214-5cfcb9fa6e02" providerId="ADAL" clId="{FF28DE3C-28C2-4BAA-8AE0-67241F3FC15E}" dt="2024-03-12T11:00:37.093" v="547" actId="26606"/>
+          <ac:picMkLst>
+            <pc:docMk/>
+            <pc:sldMk cId="1109305153" sldId="271"/>
+            <ac:picMk id="6146" creationId="{A3313A8B-FECB-C36D-FB9D-4258E7A44948}"/>
+          </ac:picMkLst>
+        </pc:picChg>
+        <pc:cxnChg chg="add del">
+          <ac:chgData name="משה עופר" userId="be54d6cb-761f-4aec-b214-5cfcb9fa6e02" providerId="ADAL" clId="{FF28DE3C-28C2-4BAA-8AE0-67241F3FC15E}" dt="2024-03-12T11:00:29.496" v="544" actId="26606"/>
+          <ac:cxnSpMkLst>
+            <pc:docMk/>
+            <pc:sldMk cId="1109305153" sldId="271"/>
+            <ac:cxnSpMk id="6165" creationId="{E55891F3-A5E2-4418-8950-25FA2B731209}"/>
+          </ac:cxnSpMkLst>
+        </pc:cxnChg>
+        <pc:cxnChg chg="add del">
+          <ac:chgData name="משה עופר" userId="be54d6cb-761f-4aec-b214-5cfcb9fa6e02" providerId="ADAL" clId="{FF28DE3C-28C2-4BAA-8AE0-67241F3FC15E}" dt="2024-03-12T11:00:29.496" v="544" actId="26606"/>
+          <ac:cxnSpMkLst>
+            <pc:docMk/>
+            <pc:sldMk cId="1109305153" sldId="271"/>
+            <ac:cxnSpMk id="6167" creationId="{FB1FCEB1-A7E1-417C-A7EF-AA30D5A0859F}"/>
+          </ac:cxnSpMkLst>
+        </pc:cxnChg>
       </pc:sldChg>
     </pc:docChg>
   </pc:docChgLst>
@@ -1303,7 +1879,7 @@
           <a:p>
             <a:fld id="{D4315620-CC7F-439A-994A-672344448B15}" type="datetimeFigureOut">
               <a:rPr lang="he-IL" smtClean="0"/>
-              <a:t>א'/אדר ב/תשפ"ד</a:t>
+              <a:t>ב'/אדר ב/תשפ"ד</a:t>
             </a:fld>
             <a:endParaRPr lang="he-IL"/>
           </a:p>
@@ -1554,7 +2130,7 @@
           <a:p>
             <a:fld id="{D4315620-CC7F-439A-994A-672344448B15}" type="datetimeFigureOut">
               <a:rPr lang="he-IL" smtClean="0"/>
-              <a:t>א'/אדר ב/תשפ"ד</a:t>
+              <a:t>ב'/אדר ב/תשפ"ד</a:t>
             </a:fld>
             <a:endParaRPr lang="he-IL"/>
           </a:p>
@@ -1868,7 +2444,7 @@
           <a:p>
             <a:fld id="{D4315620-CC7F-439A-994A-672344448B15}" type="datetimeFigureOut">
               <a:rPr lang="he-IL" smtClean="0"/>
-              <a:t>א'/אדר ב/תשפ"ד</a:t>
+              <a:t>ב'/אדר ב/תשפ"ד</a:t>
             </a:fld>
             <a:endParaRPr lang="he-IL"/>
           </a:p>
@@ -2209,7 +2785,7 @@
           <a:p>
             <a:fld id="{D4315620-CC7F-439A-994A-672344448B15}" type="datetimeFigureOut">
               <a:rPr lang="he-IL" smtClean="0"/>
-              <a:t>א'/אדר ב/תשפ"ד</a:t>
+              <a:t>ב'/אדר ב/תשפ"ד</a:t>
             </a:fld>
             <a:endParaRPr lang="he-IL"/>
           </a:p>
@@ -2523,7 +3099,7 @@
           <a:p>
             <a:fld id="{D4315620-CC7F-439A-994A-672344448B15}" type="datetimeFigureOut">
               <a:rPr lang="he-IL" smtClean="0"/>
-              <a:t>א'/אדר ב/תשפ"ד</a:t>
+              <a:t>ב'/אדר ב/תשפ"ד</a:t>
             </a:fld>
             <a:endParaRPr lang="he-IL"/>
           </a:p>
@@ -2916,7 +3492,7 @@
           <a:p>
             <a:fld id="{D4315620-CC7F-439A-994A-672344448B15}" type="datetimeFigureOut">
               <a:rPr lang="he-IL" smtClean="0"/>
-              <a:t>א'/אדר ב/תשפ"ד</a:t>
+              <a:t>ב'/אדר ב/תשפ"ד</a:t>
             </a:fld>
             <a:endParaRPr lang="he-IL"/>
           </a:p>
@@ -3086,7 +3662,7 @@
           <a:p>
             <a:fld id="{D4315620-CC7F-439A-994A-672344448B15}" type="datetimeFigureOut">
               <a:rPr lang="he-IL" smtClean="0"/>
-              <a:t>א'/אדר ב/תשפ"ד</a:t>
+              <a:t>ב'/אדר ב/תשפ"ד</a:t>
             </a:fld>
             <a:endParaRPr lang="he-IL"/>
           </a:p>
@@ -3266,7 +3842,7 @@
           <a:p>
             <a:fld id="{D4315620-CC7F-439A-994A-672344448B15}" type="datetimeFigureOut">
               <a:rPr lang="he-IL" smtClean="0"/>
-              <a:t>א'/אדר ב/תשפ"ד</a:t>
+              <a:t>ב'/אדר ב/תשפ"ד</a:t>
             </a:fld>
             <a:endParaRPr lang="he-IL"/>
           </a:p>
@@ -3442,7 +4018,7 @@
           <a:p>
             <a:fld id="{D4315620-CC7F-439A-994A-672344448B15}" type="datetimeFigureOut">
               <a:rPr lang="he-IL" smtClean="0"/>
-              <a:t>א'/אדר ב/תשפ"ד</a:t>
+              <a:t>ב'/אדר ב/תשפ"ד</a:t>
             </a:fld>
             <a:endParaRPr lang="he-IL"/>
           </a:p>
@@ -3689,7 +4265,7 @@
           <a:p>
             <a:fld id="{D4315620-CC7F-439A-994A-672344448B15}" type="datetimeFigureOut">
               <a:rPr lang="he-IL" smtClean="0"/>
-              <a:t>א'/אדר ב/תשפ"ד</a:t>
+              <a:t>ב'/אדר ב/תשפ"ד</a:t>
             </a:fld>
             <a:endParaRPr lang="he-IL"/>
           </a:p>
@@ -3921,7 +4497,7 @@
           <a:p>
             <a:fld id="{D4315620-CC7F-439A-994A-672344448B15}" type="datetimeFigureOut">
               <a:rPr lang="he-IL" smtClean="0"/>
-              <a:t>א'/אדר ב/תשפ"ד</a:t>
+              <a:t>ב'/אדר ב/תשפ"ד</a:t>
             </a:fld>
             <a:endParaRPr lang="he-IL"/>
           </a:p>
@@ -4300,7 +4876,7 @@
           <a:p>
             <a:fld id="{D4315620-CC7F-439A-994A-672344448B15}" type="datetimeFigureOut">
               <a:rPr lang="he-IL" smtClean="0"/>
-              <a:t>א'/אדר ב/תשפ"ד</a:t>
+              <a:t>ב'/אדר ב/תשפ"ד</a:t>
             </a:fld>
             <a:endParaRPr lang="he-IL"/>
           </a:p>
@@ -4428,7 +5004,7 @@
           <a:p>
             <a:fld id="{D4315620-CC7F-439A-994A-672344448B15}" type="datetimeFigureOut">
               <a:rPr lang="he-IL" smtClean="0"/>
-              <a:t>א'/אדר ב/תשפ"ד</a:t>
+              <a:t>ב'/אדר ב/תשפ"ד</a:t>
             </a:fld>
             <a:endParaRPr lang="he-IL"/>
           </a:p>
@@ -4523,7 +5099,7 @@
           <a:p>
             <a:fld id="{D4315620-CC7F-439A-994A-672344448B15}" type="datetimeFigureOut">
               <a:rPr lang="he-IL" smtClean="0"/>
-              <a:t>א'/אדר ב/תשפ"ד</a:t>
+              <a:t>ב'/אדר ב/תשפ"ד</a:t>
             </a:fld>
             <a:endParaRPr lang="he-IL"/>
           </a:p>
@@ -4778,7 +5354,7 @@
           <a:p>
             <a:fld id="{D4315620-CC7F-439A-994A-672344448B15}" type="datetimeFigureOut">
               <a:rPr lang="he-IL" smtClean="0"/>
-              <a:t>א'/אדר ב/תשפ"ד</a:t>
+              <a:t>ב'/אדר ב/תשפ"ד</a:t>
             </a:fld>
             <a:endParaRPr lang="he-IL"/>
           </a:p>
@@ -5046,7 +5622,7 @@
           <a:p>
             <a:fld id="{D4315620-CC7F-439A-994A-672344448B15}" type="datetimeFigureOut">
               <a:rPr lang="he-IL" smtClean="0"/>
-              <a:t>א'/אדר ב/תשפ"ד</a:t>
+              <a:t>ב'/אדר ב/תשפ"ד</a:t>
             </a:fld>
             <a:endParaRPr lang="he-IL"/>
           </a:p>
@@ -5789,7 +6365,7 @@
           <a:p>
             <a:fld id="{D4315620-CC7F-439A-994A-672344448B15}" type="datetimeFigureOut">
               <a:rPr lang="he-IL" smtClean="0"/>
-              <a:t>א'/אדר ב/תשפ"ד</a:t>
+              <a:t>ב'/אדר ב/תשפ"ד</a:t>
             </a:fld>
             <a:endParaRPr lang="he-IL"/>
           </a:p>
@@ -6406,6 +6982,14 @@
 <file path=ppt/slides/slide10.xml><?xml version="1.0" encoding="utf-8"?>
 <p:sld xmlns:a="http://schemas.openxmlformats.org/drawingml/2006/main" xmlns:r="http://schemas.openxmlformats.org/officeDocument/2006/relationships" xmlns:p="http://schemas.openxmlformats.org/presentationml/2006/main">
   <p:cSld>
+    <p:bg>
+      <p:bgPr>
+        <a:solidFill>
+          <a:schemeClr val="bg1"/>
+        </a:solidFill>
+        <a:effectLst/>
+      </p:bgPr>
+    </p:bg>
     <p:spTree>
       <p:nvGrpSpPr>
         <p:cNvPr id="1" name=""/>
@@ -6420,8 +7004,2223 @@
           <a:chExt cx="0" cy="0"/>
         </a:xfrm>
       </p:grpSpPr>
-      <mc:AlternateContent xmlns:mc="http://schemas.openxmlformats.org/markup-compatibility/2006">
-        <mc:Choice xmlns:a14="http://schemas.microsoft.com/office/drawing/2010/main" Requires="a14">
+      <p:grpSp>
+        <p:nvGrpSpPr>
+          <p:cNvPr id="6206" name="Group 6205">
+            <a:extLst>
+              <a:ext uri="{FF2B5EF4-FFF2-40B4-BE49-F238E27FC236}">
+                <a16:creationId xmlns:a16="http://schemas.microsoft.com/office/drawing/2014/main" id="{6CE6E43D-FC44-4F15-89C6-7C08E9BDC3FF}"/>
+              </a:ext>
+              <a:ext uri="{C183D7F6-B498-43B3-948B-1728B52AA6E4}">
+                <adec:decorative xmlns:adec="http://schemas.microsoft.com/office/drawing/2017/decorative" val="1"/>
+              </a:ext>
+            </a:extLst>
+          </p:cNvPr>
+          <p:cNvGrpSpPr>
+            <a:grpSpLocks noGrp="1" noUngrp="1" noRot="1" noChangeAspect="1" noMove="1" noResize="1"/>
+          </p:cNvGrpSpPr>
+          <p:nvPr>
+            <p:extLst>
+              <p:ext uri="{386F3935-93C4-4BCD-93E2-E3B085C9AB24}">
+                <p16:designElem xmlns:p16="http://schemas.microsoft.com/office/powerpoint/2015/main" val="1"/>
+              </p:ext>
+            </p:extLst>
+          </p:nvPr>
+        </p:nvGrpSpPr>
+        <p:grpSpPr>
+          <a:xfrm>
+            <a:off x="0" y="-8467"/>
+            <a:ext cx="12192000" cy="6866467"/>
+            <a:chOff x="0" y="-8467"/>
+            <a:chExt cx="12192000" cy="6866467"/>
+          </a:xfrm>
+        </p:grpSpPr>
+        <p:cxnSp>
+          <p:nvCxnSpPr>
+            <p:cNvPr id="6207" name="Straight Connector 6206">
+              <a:extLst>
+                <a:ext uri="{FF2B5EF4-FFF2-40B4-BE49-F238E27FC236}">
+                  <a16:creationId xmlns:a16="http://schemas.microsoft.com/office/drawing/2014/main" id="{321115E6-3640-4179-A252-686A27B75B3B}"/>
+                </a:ext>
+                <a:ext uri="{C183D7F6-B498-43B3-948B-1728B52AA6E4}">
+                  <adec:decorative xmlns:adec="http://schemas.microsoft.com/office/drawing/2017/decorative" val="1"/>
+                </a:ext>
+              </a:extLst>
+            </p:cNvPr>
+            <p:cNvCxnSpPr/>
+            <p:nvPr>
+              <p:extLst>
+                <p:ext uri="{386F3935-93C4-4BCD-93E2-E3B085C9AB24}">
+                  <p16:designElem xmlns:p16="http://schemas.microsoft.com/office/powerpoint/2015/main" val="1"/>
+                </p:ext>
+              </p:extLst>
+            </p:nvPr>
+          </p:nvCxnSpPr>
+          <p:spPr>
+            <a:xfrm>
+              <a:off x="9371012" y="0"/>
+              <a:ext cx="1219200" cy="6858000"/>
+            </a:xfrm>
+            <a:prstGeom prst="line">
+              <a:avLst/>
+            </a:prstGeom>
+            <a:ln w="9525">
+              <a:solidFill>
+                <a:schemeClr val="accent1">
+                  <a:alpha val="70000"/>
+                </a:schemeClr>
+              </a:solidFill>
+            </a:ln>
+          </p:spPr>
+          <p:style>
+            <a:lnRef idx="2">
+              <a:schemeClr val="accent1"/>
+            </a:lnRef>
+            <a:fillRef idx="0">
+              <a:schemeClr val="accent1"/>
+            </a:fillRef>
+            <a:effectRef idx="1">
+              <a:schemeClr val="accent1"/>
+            </a:effectRef>
+            <a:fontRef idx="minor">
+              <a:schemeClr val="tx1"/>
+            </a:fontRef>
+          </p:style>
+        </p:cxnSp>
+        <p:cxnSp>
+          <p:nvCxnSpPr>
+            <p:cNvPr id="6208" name="Straight Connector 6207">
+              <a:extLst>
+                <a:ext uri="{FF2B5EF4-FFF2-40B4-BE49-F238E27FC236}">
+                  <a16:creationId xmlns:a16="http://schemas.microsoft.com/office/drawing/2014/main" id="{E68D2ABE-CDFA-4BEB-AF45-E43862265B0D}"/>
+                </a:ext>
+                <a:ext uri="{C183D7F6-B498-43B3-948B-1728B52AA6E4}">
+                  <adec:decorative xmlns:adec="http://schemas.microsoft.com/office/drawing/2017/decorative" val="1"/>
+                </a:ext>
+              </a:extLst>
+            </p:cNvPr>
+            <p:cNvCxnSpPr/>
+            <p:nvPr>
+              <p:extLst>
+                <p:ext uri="{386F3935-93C4-4BCD-93E2-E3B085C9AB24}">
+                  <p16:designElem xmlns:p16="http://schemas.microsoft.com/office/powerpoint/2015/main" val="1"/>
+                </p:ext>
+              </p:extLst>
+            </p:nvPr>
+          </p:nvCxnSpPr>
+          <p:spPr>
+            <a:xfrm flipH="1">
+              <a:off x="7425267" y="3681413"/>
+              <a:ext cx="4763558" cy="3176587"/>
+            </a:xfrm>
+            <a:prstGeom prst="line">
+              <a:avLst/>
+            </a:prstGeom>
+            <a:ln w="9525">
+              <a:solidFill>
+                <a:schemeClr val="accent1">
+                  <a:alpha val="70000"/>
+                </a:schemeClr>
+              </a:solidFill>
+            </a:ln>
+          </p:spPr>
+          <p:style>
+            <a:lnRef idx="2">
+              <a:schemeClr val="accent1"/>
+            </a:lnRef>
+            <a:fillRef idx="0">
+              <a:schemeClr val="accent1"/>
+            </a:fillRef>
+            <a:effectRef idx="1">
+              <a:schemeClr val="accent1"/>
+            </a:effectRef>
+            <a:fontRef idx="minor">
+              <a:schemeClr val="tx1"/>
+            </a:fontRef>
+          </p:style>
+        </p:cxnSp>
+        <p:sp>
+          <p:nvSpPr>
+            <p:cNvPr id="6209" name="Rectangle 23">
+              <a:extLst>
+                <a:ext uri="{FF2B5EF4-FFF2-40B4-BE49-F238E27FC236}">
+                  <a16:creationId xmlns:a16="http://schemas.microsoft.com/office/drawing/2014/main" id="{A108FB8B-558B-4F9E-970F-72D2EE57F644}"/>
+                </a:ext>
+                <a:ext uri="{C183D7F6-B498-43B3-948B-1728B52AA6E4}">
+                  <adec:decorative xmlns:adec="http://schemas.microsoft.com/office/drawing/2017/decorative" val="1"/>
+                </a:ext>
+              </a:extLst>
+            </p:cNvPr>
+            <p:cNvSpPr/>
+            <p:nvPr>
+              <p:extLst>
+                <p:ext uri="{386F3935-93C4-4BCD-93E2-E3B085C9AB24}">
+                  <p16:designElem xmlns:p16="http://schemas.microsoft.com/office/powerpoint/2015/main" val="1"/>
+                </p:ext>
+              </p:extLst>
+            </p:nvPr>
+          </p:nvSpPr>
+          <p:spPr>
+            <a:xfrm>
+              <a:off x="9181476" y="-8467"/>
+              <a:ext cx="3007349" cy="6866467"/>
+            </a:xfrm>
+            <a:custGeom>
+              <a:avLst/>
+              <a:gdLst/>
+              <a:ahLst/>
+              <a:cxnLst/>
+              <a:rect l="l" t="t" r="r" b="b"/>
+              <a:pathLst>
+                <a:path w="3007349" h="6866467">
+                  <a:moveTo>
+                    <a:pt x="2045532" y="0"/>
+                  </a:moveTo>
+                  <a:lnTo>
+                    <a:pt x="3007349" y="0"/>
+                  </a:lnTo>
+                  <a:lnTo>
+                    <a:pt x="3007349" y="6866467"/>
+                  </a:lnTo>
+                  <a:lnTo>
+                    <a:pt x="0" y="6866467"/>
+                  </a:lnTo>
+                  <a:lnTo>
+                    <a:pt x="2045532" y="0"/>
+                  </a:lnTo>
+                  <a:close/>
+                </a:path>
+              </a:pathLst>
+            </a:custGeom>
+            <a:solidFill>
+              <a:schemeClr val="accent1">
+                <a:alpha val="36000"/>
+              </a:schemeClr>
+            </a:solidFill>
+            <a:ln>
+              <a:noFill/>
+            </a:ln>
+            <a:effectLst/>
+          </p:spPr>
+          <p:style>
+            <a:lnRef idx="1">
+              <a:schemeClr val="accent1"/>
+            </a:lnRef>
+            <a:fillRef idx="3">
+              <a:schemeClr val="accent1"/>
+            </a:fillRef>
+            <a:effectRef idx="2">
+              <a:schemeClr val="accent1"/>
+            </a:effectRef>
+            <a:fontRef idx="minor">
+              <a:schemeClr val="lt1"/>
+            </a:fontRef>
+          </p:style>
+          <p:txBody>
+            <a:bodyPr/>
+            <a:lstStyle/>
+            <a:p>
+              <a:endParaRPr lang="en-US"/>
+            </a:p>
+          </p:txBody>
+        </p:sp>
+        <p:sp>
+          <p:nvSpPr>
+            <p:cNvPr id="6210" name="Rectangle 25">
+              <a:extLst>
+                <a:ext uri="{FF2B5EF4-FFF2-40B4-BE49-F238E27FC236}">
+                  <a16:creationId xmlns:a16="http://schemas.microsoft.com/office/drawing/2014/main" id="{481E92F1-5BD2-4422-B875-90578CEAA552}"/>
+                </a:ext>
+                <a:ext uri="{C183D7F6-B498-43B3-948B-1728B52AA6E4}">
+                  <adec:decorative xmlns:adec="http://schemas.microsoft.com/office/drawing/2017/decorative" val="1"/>
+                </a:ext>
+              </a:extLst>
+            </p:cNvPr>
+            <p:cNvSpPr/>
+            <p:nvPr>
+              <p:extLst>
+                <p:ext uri="{386F3935-93C4-4BCD-93E2-E3B085C9AB24}">
+                  <p16:designElem xmlns:p16="http://schemas.microsoft.com/office/powerpoint/2015/main" val="1"/>
+                </p:ext>
+              </p:extLst>
+            </p:nvPr>
+          </p:nvSpPr>
+          <p:spPr>
+            <a:xfrm>
+              <a:off x="9603442" y="-8467"/>
+              <a:ext cx="2588558" cy="6866467"/>
+            </a:xfrm>
+            <a:custGeom>
+              <a:avLst/>
+              <a:gdLst/>
+              <a:ahLst/>
+              <a:cxnLst/>
+              <a:rect l="l" t="t" r="r" b="b"/>
+              <a:pathLst>
+                <a:path w="2573311" h="6866467">
+                  <a:moveTo>
+                    <a:pt x="0" y="0"/>
+                  </a:moveTo>
+                  <a:lnTo>
+                    <a:pt x="2573311" y="0"/>
+                  </a:lnTo>
+                  <a:lnTo>
+                    <a:pt x="2573311" y="6866467"/>
+                  </a:lnTo>
+                  <a:lnTo>
+                    <a:pt x="1202336" y="6866467"/>
+                  </a:lnTo>
+                  <a:lnTo>
+                    <a:pt x="0" y="0"/>
+                  </a:lnTo>
+                  <a:close/>
+                </a:path>
+              </a:pathLst>
+            </a:custGeom>
+            <a:solidFill>
+              <a:schemeClr val="accent1">
+                <a:alpha val="20000"/>
+              </a:schemeClr>
+            </a:solidFill>
+            <a:ln>
+              <a:noFill/>
+            </a:ln>
+            <a:effectLst/>
+          </p:spPr>
+          <p:style>
+            <a:lnRef idx="1">
+              <a:schemeClr val="accent1"/>
+            </a:lnRef>
+            <a:fillRef idx="3">
+              <a:schemeClr val="accent1"/>
+            </a:fillRef>
+            <a:effectRef idx="2">
+              <a:schemeClr val="accent1"/>
+            </a:effectRef>
+            <a:fontRef idx="minor">
+              <a:schemeClr val="lt1"/>
+            </a:fontRef>
+          </p:style>
+          <p:txBody>
+            <a:bodyPr/>
+            <a:lstStyle/>
+            <a:p>
+              <a:endParaRPr lang="en-US"/>
+            </a:p>
+          </p:txBody>
+        </p:sp>
+        <p:sp>
+          <p:nvSpPr>
+            <p:cNvPr id="6211" name="Isosceles Triangle 6210">
+              <a:extLst>
+                <a:ext uri="{FF2B5EF4-FFF2-40B4-BE49-F238E27FC236}">
+                  <a16:creationId xmlns:a16="http://schemas.microsoft.com/office/drawing/2014/main" id="{9D9630F3-9488-4F58-9098-F6B8552BD6D5}"/>
+                </a:ext>
+                <a:ext uri="{C183D7F6-B498-43B3-948B-1728B52AA6E4}">
+                  <adec:decorative xmlns:adec="http://schemas.microsoft.com/office/drawing/2017/decorative" val="1"/>
+                </a:ext>
+              </a:extLst>
+            </p:cNvPr>
+            <p:cNvSpPr/>
+            <p:nvPr>
+              <p:extLst>
+                <p:ext uri="{386F3935-93C4-4BCD-93E2-E3B085C9AB24}">
+                  <p16:designElem xmlns:p16="http://schemas.microsoft.com/office/powerpoint/2015/main" val="1"/>
+                </p:ext>
+              </p:extLst>
+            </p:nvPr>
+          </p:nvSpPr>
+          <p:spPr>
+            <a:xfrm>
+              <a:off x="8932333" y="3048000"/>
+              <a:ext cx="3259667" cy="3810000"/>
+            </a:xfrm>
+            <a:prstGeom prst="triangle">
+              <a:avLst>
+                <a:gd name="adj" fmla="val 100000"/>
+              </a:avLst>
+            </a:prstGeom>
+            <a:solidFill>
+              <a:schemeClr val="accent1">
+                <a:lumMod val="75000"/>
+                <a:alpha val="66000"/>
+              </a:schemeClr>
+            </a:solidFill>
+            <a:ln>
+              <a:noFill/>
+            </a:ln>
+            <a:effectLst/>
+          </p:spPr>
+          <p:style>
+            <a:lnRef idx="1">
+              <a:schemeClr val="accent1"/>
+            </a:lnRef>
+            <a:fillRef idx="3">
+              <a:schemeClr val="accent1"/>
+            </a:fillRef>
+            <a:effectRef idx="2">
+              <a:schemeClr val="accent1"/>
+            </a:effectRef>
+            <a:fontRef idx="minor">
+              <a:schemeClr val="lt1"/>
+            </a:fontRef>
+          </p:style>
+          <p:txBody>
+            <a:bodyPr/>
+            <a:lstStyle/>
+            <a:p>
+              <a:endParaRPr lang="en-US"/>
+            </a:p>
+          </p:txBody>
+        </p:sp>
+        <p:sp>
+          <p:nvSpPr>
+            <p:cNvPr id="6212" name="Rectangle 27">
+              <a:extLst>
+                <a:ext uri="{FF2B5EF4-FFF2-40B4-BE49-F238E27FC236}">
+                  <a16:creationId xmlns:a16="http://schemas.microsoft.com/office/drawing/2014/main" id="{A82B105D-E7A6-4F3A-AFDA-B9133F6BDFE0}"/>
+                </a:ext>
+                <a:ext uri="{C183D7F6-B498-43B3-948B-1728B52AA6E4}">
+                  <adec:decorative xmlns:adec="http://schemas.microsoft.com/office/drawing/2017/decorative" val="1"/>
+                </a:ext>
+              </a:extLst>
+            </p:cNvPr>
+            <p:cNvSpPr/>
+            <p:nvPr>
+              <p:extLst>
+                <p:ext uri="{386F3935-93C4-4BCD-93E2-E3B085C9AB24}">
+                  <p16:designElem xmlns:p16="http://schemas.microsoft.com/office/powerpoint/2015/main" val="1"/>
+                </p:ext>
+              </p:extLst>
+            </p:nvPr>
+          </p:nvSpPr>
+          <p:spPr>
+            <a:xfrm>
+              <a:off x="9334500" y="-8467"/>
+              <a:ext cx="2854326" cy="6866467"/>
+            </a:xfrm>
+            <a:custGeom>
+              <a:avLst/>
+              <a:gdLst/>
+              <a:ahLst/>
+              <a:cxnLst/>
+              <a:rect l="l" t="t" r="r" b="b"/>
+              <a:pathLst>
+                <a:path w="2858013" h="6866467">
+                  <a:moveTo>
+                    <a:pt x="0" y="0"/>
+                  </a:moveTo>
+                  <a:lnTo>
+                    <a:pt x="2858013" y="0"/>
+                  </a:lnTo>
+                  <a:lnTo>
+                    <a:pt x="2858013" y="6866467"/>
+                  </a:lnTo>
+                  <a:lnTo>
+                    <a:pt x="2473942" y="6866467"/>
+                  </a:lnTo>
+                  <a:lnTo>
+                    <a:pt x="0" y="0"/>
+                  </a:lnTo>
+                  <a:close/>
+                </a:path>
+              </a:pathLst>
+            </a:custGeom>
+            <a:solidFill>
+              <a:schemeClr val="accent1">
+                <a:lumMod val="75000"/>
+                <a:alpha val="50000"/>
+              </a:schemeClr>
+            </a:solidFill>
+            <a:ln>
+              <a:noFill/>
+            </a:ln>
+            <a:effectLst/>
+          </p:spPr>
+          <p:style>
+            <a:lnRef idx="1">
+              <a:schemeClr val="accent1"/>
+            </a:lnRef>
+            <a:fillRef idx="3">
+              <a:schemeClr val="accent1"/>
+            </a:fillRef>
+            <a:effectRef idx="2">
+              <a:schemeClr val="accent1"/>
+            </a:effectRef>
+            <a:fontRef idx="minor">
+              <a:schemeClr val="lt1"/>
+            </a:fontRef>
+          </p:style>
+          <p:txBody>
+            <a:bodyPr/>
+            <a:lstStyle/>
+            <a:p>
+              <a:endParaRPr lang="en-US"/>
+            </a:p>
+          </p:txBody>
+        </p:sp>
+        <p:sp>
+          <p:nvSpPr>
+            <p:cNvPr id="6213" name="Rectangle 28">
+              <a:extLst>
+                <a:ext uri="{FF2B5EF4-FFF2-40B4-BE49-F238E27FC236}">
+                  <a16:creationId xmlns:a16="http://schemas.microsoft.com/office/drawing/2014/main" id="{592262AB-546B-41A7-99DE-EC034F0722FB}"/>
+                </a:ext>
+                <a:ext uri="{C183D7F6-B498-43B3-948B-1728B52AA6E4}">
+                  <adec:decorative xmlns:adec="http://schemas.microsoft.com/office/drawing/2017/decorative" val="1"/>
+                </a:ext>
+              </a:extLst>
+            </p:cNvPr>
+            <p:cNvSpPr/>
+            <p:nvPr>
+              <p:extLst>
+                <p:ext uri="{386F3935-93C4-4BCD-93E2-E3B085C9AB24}">
+                  <p16:designElem xmlns:p16="http://schemas.microsoft.com/office/powerpoint/2015/main" val="1"/>
+                </p:ext>
+              </p:extLst>
+            </p:nvPr>
+          </p:nvSpPr>
+          <p:spPr>
+            <a:xfrm>
+              <a:off x="10898730" y="-8467"/>
+              <a:ext cx="1290094" cy="6866467"/>
+            </a:xfrm>
+            <a:custGeom>
+              <a:avLst/>
+              <a:gdLst/>
+              <a:ahLst/>
+              <a:cxnLst/>
+              <a:rect l="l" t="t" r="r" b="b"/>
+              <a:pathLst>
+                <a:path w="1290094" h="6858000">
+                  <a:moveTo>
+                    <a:pt x="1019735" y="0"/>
+                  </a:moveTo>
+                  <a:lnTo>
+                    <a:pt x="1290094" y="0"/>
+                  </a:lnTo>
+                  <a:lnTo>
+                    <a:pt x="1290094" y="6858000"/>
+                  </a:lnTo>
+                  <a:lnTo>
+                    <a:pt x="0" y="6858000"/>
+                  </a:lnTo>
+                  <a:lnTo>
+                    <a:pt x="1019735" y="0"/>
+                  </a:lnTo>
+                  <a:close/>
+                </a:path>
+              </a:pathLst>
+            </a:custGeom>
+            <a:solidFill>
+              <a:schemeClr val="accent2">
+                <a:alpha val="70000"/>
+              </a:schemeClr>
+            </a:solidFill>
+            <a:ln>
+              <a:noFill/>
+            </a:ln>
+            <a:effectLst/>
+          </p:spPr>
+          <p:style>
+            <a:lnRef idx="1">
+              <a:schemeClr val="accent1"/>
+            </a:lnRef>
+            <a:fillRef idx="3">
+              <a:schemeClr val="accent1"/>
+            </a:fillRef>
+            <a:effectRef idx="2">
+              <a:schemeClr val="accent1"/>
+            </a:effectRef>
+            <a:fontRef idx="minor">
+              <a:schemeClr val="lt1"/>
+            </a:fontRef>
+          </p:style>
+          <p:txBody>
+            <a:bodyPr/>
+            <a:lstStyle/>
+            <a:p>
+              <a:endParaRPr lang="en-US"/>
+            </a:p>
+          </p:txBody>
+        </p:sp>
+        <p:sp>
+          <p:nvSpPr>
+            <p:cNvPr id="6214" name="Rectangle 29">
+              <a:extLst>
+                <a:ext uri="{FF2B5EF4-FFF2-40B4-BE49-F238E27FC236}">
+                  <a16:creationId xmlns:a16="http://schemas.microsoft.com/office/drawing/2014/main" id="{D878A1F7-F404-41A0-BD7C-9739499BDDD6}"/>
+                </a:ext>
+                <a:ext uri="{C183D7F6-B498-43B3-948B-1728B52AA6E4}">
+                  <adec:decorative xmlns:adec="http://schemas.microsoft.com/office/drawing/2017/decorative" val="1"/>
+                </a:ext>
+              </a:extLst>
+            </p:cNvPr>
+            <p:cNvSpPr/>
+            <p:nvPr>
+              <p:extLst>
+                <p:ext uri="{386F3935-93C4-4BCD-93E2-E3B085C9AB24}">
+                  <p16:designElem xmlns:p16="http://schemas.microsoft.com/office/powerpoint/2015/main" val="1"/>
+                </p:ext>
+              </p:extLst>
+            </p:nvPr>
+          </p:nvSpPr>
+          <p:spPr>
+            <a:xfrm>
+              <a:off x="10938999" y="-8467"/>
+              <a:ext cx="1249825" cy="6866467"/>
+            </a:xfrm>
+            <a:custGeom>
+              <a:avLst/>
+              <a:gdLst/>
+              <a:ahLst/>
+              <a:cxnLst/>
+              <a:rect l="l" t="t" r="r" b="b"/>
+              <a:pathLst>
+                <a:path w="1249825" h="6858000">
+                  <a:moveTo>
+                    <a:pt x="0" y="0"/>
+                  </a:moveTo>
+                  <a:lnTo>
+                    <a:pt x="1249825" y="0"/>
+                  </a:lnTo>
+                  <a:lnTo>
+                    <a:pt x="1249825" y="6858000"/>
+                  </a:lnTo>
+                  <a:lnTo>
+                    <a:pt x="1109382" y="6858000"/>
+                  </a:lnTo>
+                  <a:lnTo>
+                    <a:pt x="0" y="0"/>
+                  </a:lnTo>
+                  <a:close/>
+                </a:path>
+              </a:pathLst>
+            </a:custGeom>
+            <a:solidFill>
+              <a:schemeClr val="accent2">
+                <a:lumMod val="75000"/>
+                <a:alpha val="80000"/>
+              </a:schemeClr>
+            </a:solidFill>
+            <a:ln>
+              <a:noFill/>
+            </a:ln>
+            <a:effectLst/>
+          </p:spPr>
+          <p:style>
+            <a:lnRef idx="1">
+              <a:schemeClr val="accent1"/>
+            </a:lnRef>
+            <a:fillRef idx="3">
+              <a:schemeClr val="accent1"/>
+            </a:fillRef>
+            <a:effectRef idx="2">
+              <a:schemeClr val="accent1"/>
+            </a:effectRef>
+            <a:fontRef idx="minor">
+              <a:schemeClr val="lt1"/>
+            </a:fontRef>
+          </p:style>
+          <p:txBody>
+            <a:bodyPr/>
+            <a:lstStyle/>
+            <a:p>
+              <a:endParaRPr lang="en-US"/>
+            </a:p>
+          </p:txBody>
+        </p:sp>
+        <p:sp>
+          <p:nvSpPr>
+            <p:cNvPr id="6215" name="Isosceles Triangle 6214">
+              <a:extLst>
+                <a:ext uri="{FF2B5EF4-FFF2-40B4-BE49-F238E27FC236}">
+                  <a16:creationId xmlns:a16="http://schemas.microsoft.com/office/drawing/2014/main" id="{0076BF32-29FF-4C3A-B1AF-91A28EFDA079}"/>
+                </a:ext>
+                <a:ext uri="{C183D7F6-B498-43B3-948B-1728B52AA6E4}">
+                  <adec:decorative xmlns:adec="http://schemas.microsoft.com/office/drawing/2017/decorative" val="1"/>
+                </a:ext>
+              </a:extLst>
+            </p:cNvPr>
+            <p:cNvSpPr/>
+            <p:nvPr>
+              <p:extLst>
+                <p:ext uri="{386F3935-93C4-4BCD-93E2-E3B085C9AB24}">
+                  <p16:designElem xmlns:p16="http://schemas.microsoft.com/office/powerpoint/2015/main" val="1"/>
+                </p:ext>
+              </p:extLst>
+            </p:nvPr>
+          </p:nvSpPr>
+          <p:spPr>
+            <a:xfrm>
+              <a:off x="10371666" y="3589867"/>
+              <a:ext cx="1817159" cy="3268133"/>
+            </a:xfrm>
+            <a:prstGeom prst="triangle">
+              <a:avLst>
+                <a:gd name="adj" fmla="val 100000"/>
+              </a:avLst>
+            </a:prstGeom>
+            <a:solidFill>
+              <a:schemeClr val="accent1">
+                <a:lumMod val="75000"/>
+                <a:alpha val="66000"/>
+              </a:schemeClr>
+            </a:solidFill>
+            <a:ln>
+              <a:noFill/>
+            </a:ln>
+            <a:effectLst/>
+          </p:spPr>
+          <p:style>
+            <a:lnRef idx="1">
+              <a:schemeClr val="accent1"/>
+            </a:lnRef>
+            <a:fillRef idx="3">
+              <a:schemeClr val="accent1"/>
+            </a:fillRef>
+            <a:effectRef idx="2">
+              <a:schemeClr val="accent1"/>
+            </a:effectRef>
+            <a:fontRef idx="minor">
+              <a:schemeClr val="lt1"/>
+            </a:fontRef>
+          </p:style>
+          <p:txBody>
+            <a:bodyPr/>
+            <a:lstStyle/>
+            <a:p>
+              <a:endParaRPr lang="en-US"/>
+            </a:p>
+          </p:txBody>
+        </p:sp>
+        <p:sp>
+          <p:nvSpPr>
+            <p:cNvPr id="6216" name="Isosceles Triangle 6215">
+              <a:extLst>
+                <a:ext uri="{FF2B5EF4-FFF2-40B4-BE49-F238E27FC236}">
+                  <a16:creationId xmlns:a16="http://schemas.microsoft.com/office/drawing/2014/main" id="{0A4C29F3-B3A2-40B9-8670-ADA39B0C42FF}"/>
+                </a:ext>
+                <a:ext uri="{C183D7F6-B498-43B3-948B-1728B52AA6E4}">
+                  <adec:decorative xmlns:adec="http://schemas.microsoft.com/office/drawing/2017/decorative" val="1"/>
+                </a:ext>
+              </a:extLst>
+            </p:cNvPr>
+            <p:cNvSpPr/>
+            <p:nvPr>
+              <p:extLst>
+                <p:ext uri="{386F3935-93C4-4BCD-93E2-E3B085C9AB24}">
+                  <p16:designElem xmlns:p16="http://schemas.microsoft.com/office/powerpoint/2015/main" val="1"/>
+                </p:ext>
+              </p:extLst>
+            </p:nvPr>
+          </p:nvSpPr>
+          <p:spPr>
+            <a:xfrm>
+              <a:off x="0" y="4013200"/>
+              <a:ext cx="448733" cy="2844800"/>
+            </a:xfrm>
+            <a:prstGeom prst="triangle">
+              <a:avLst>
+                <a:gd name="adj" fmla="val 0"/>
+              </a:avLst>
+            </a:prstGeom>
+            <a:solidFill>
+              <a:schemeClr val="accent1">
+                <a:alpha val="70000"/>
+              </a:schemeClr>
+            </a:solidFill>
+            <a:ln>
+              <a:noFill/>
+            </a:ln>
+            <a:effectLst/>
+          </p:spPr>
+          <p:style>
+            <a:lnRef idx="1">
+              <a:schemeClr val="accent1"/>
+            </a:lnRef>
+            <a:fillRef idx="3">
+              <a:schemeClr val="accent1"/>
+            </a:fillRef>
+            <a:effectRef idx="2">
+              <a:schemeClr val="accent1"/>
+            </a:effectRef>
+            <a:fontRef idx="minor">
+              <a:schemeClr val="lt1"/>
+            </a:fontRef>
+          </p:style>
+          <p:txBody>
+            <a:bodyPr/>
+            <a:lstStyle/>
+            <a:p>
+              <a:endParaRPr lang="en-US"/>
+            </a:p>
+          </p:txBody>
+        </p:sp>
+      </p:grpSp>
+      <p:pic>
+        <p:nvPicPr>
+          <p:cNvPr id="6146" name="Picture 2" descr="3: Example of Control Flow Graph">
+            <a:extLst>
+              <a:ext uri="{FF2B5EF4-FFF2-40B4-BE49-F238E27FC236}">
+                <a16:creationId xmlns:a16="http://schemas.microsoft.com/office/drawing/2014/main" id="{A3313A8B-FECB-C36D-FB9D-4258E7A44948}"/>
+              </a:ext>
+            </a:extLst>
+          </p:cNvPr>
+          <p:cNvPicPr>
+            <a:picLocks noChangeAspect="1" noChangeArrowheads="1"/>
+          </p:cNvPicPr>
+          <p:nvPr/>
+        </p:nvPicPr>
+        <p:blipFill rotWithShape="1">
+          <a:blip r:embed="rId2">
+            <a:extLst>
+              <a:ext uri="{28A0092B-C50C-407E-A947-70E740481C1C}">
+                <a14:useLocalDpi xmlns:a14="http://schemas.microsoft.com/office/drawing/2010/main" val="0"/>
+              </a:ext>
+            </a:extLst>
+          </a:blip>
+          <a:srcRect r="3" b="3801"/>
+          <a:stretch/>
+        </p:blipFill>
+        <p:spPr bwMode="auto">
+          <a:xfrm>
+            <a:off x="20" y="10"/>
+            <a:ext cx="12191980" cy="6857990"/>
+          </a:xfrm>
+          <a:prstGeom prst="rect">
+            <a:avLst/>
+          </a:prstGeom>
+          <a:noFill/>
+          <a:extLst>
+            <a:ext uri="{909E8E84-426E-40DD-AFC4-6F175D3DCCD1}">
+              <a14:hiddenFill xmlns:a14="http://schemas.microsoft.com/office/drawing/2010/main">
+                <a:solidFill>
+                  <a:srgbClr val="FFFFFF"/>
+                </a:solidFill>
+              </a14:hiddenFill>
+            </a:ext>
+          </a:extLst>
+        </p:spPr>
+      </p:pic>
+    </p:spTree>
+    <p:extLst>
+      <p:ext uri="{BB962C8B-B14F-4D97-AF65-F5344CB8AC3E}">
+        <p14:creationId xmlns:p14="http://schemas.microsoft.com/office/powerpoint/2010/main" val="1109305153"/>
+      </p:ext>
+    </p:extLst>
+  </p:cSld>
+  <p:clrMapOvr>
+    <a:masterClrMapping/>
+  </p:clrMapOvr>
+</p:sld>
+</file>
+
+<file path=ppt/slides/slide11.xml><?xml version="1.0" encoding="utf-8"?>
+<p:sld xmlns:a="http://schemas.openxmlformats.org/drawingml/2006/main" xmlns:r="http://schemas.openxmlformats.org/officeDocument/2006/relationships" xmlns:p="http://schemas.openxmlformats.org/presentationml/2006/main">
+  <p:cSld>
+    <p:spTree>
+      <p:nvGrpSpPr>
+        <p:cNvPr id="1" name=""/>
+        <p:cNvGrpSpPr/>
+        <p:nvPr/>
+      </p:nvGrpSpPr>
+      <p:grpSpPr>
+        <a:xfrm>
+          <a:off x="0" y="0"/>
+          <a:ext cx="0" cy="0"/>
+          <a:chOff x="0" y="0"/>
+          <a:chExt cx="0" cy="0"/>
+        </a:xfrm>
+      </p:grpSpPr>
+      <p:sp>
+        <p:nvSpPr>
+          <p:cNvPr id="2" name="כותרת 1"/>
+          <p:cNvSpPr>
+            <a:spLocks noGrp="1"/>
+          </p:cNvSpPr>
+          <p:nvPr>
+            <p:ph type="title"/>
+          </p:nvPr>
+        </p:nvSpPr>
+        <p:spPr/>
+        <p:txBody>
+          <a:bodyPr/>
+          <a:lstStyle/>
+          <a:p>
+            <a:pPr algn="r" rtl="1"/>
+            <a:r>
+              <a:rPr lang="he-IL" dirty="0"/>
+              <a:t>פקודת תנאי</a:t>
+            </a:r>
+          </a:p>
+        </p:txBody>
+      </p:sp>
+      <p:sp>
+        <p:nvSpPr>
+          <p:cNvPr id="3" name="מציין מיקום תוכן 2"/>
+          <p:cNvSpPr>
+            <a:spLocks noGrp="1"/>
+          </p:cNvSpPr>
+          <p:nvPr>
+            <p:ph idx="1"/>
+          </p:nvPr>
+        </p:nvSpPr>
+        <p:spPr>
+          <a:xfrm>
+            <a:off x="859345" y="1542596"/>
+            <a:ext cx="8414657" cy="4705804"/>
+          </a:xfrm>
+        </p:spPr>
+        <p:txBody>
+          <a:bodyPr>
+            <a:normAutofit lnSpcReduction="10000"/>
+          </a:bodyPr>
+          <a:lstStyle/>
+          <a:p>
+            <a:pPr algn="r" rtl="1">
+              <a:lnSpc>
+                <a:spcPct val="150000"/>
+              </a:lnSpc>
+            </a:pPr>
+            <a:r>
+              <a:rPr lang="he-IL" dirty="0"/>
+              <a:t>אם מתקיים תנאי כלשהו, בצע כך; אחרת בצע משהו אחר. דוגמה:</a:t>
+            </a:r>
+          </a:p>
+          <a:p>
+            <a:pPr marL="0" indent="0" algn="ctr">
+              <a:lnSpc>
+                <a:spcPct val="150000"/>
+              </a:lnSpc>
+              <a:buNone/>
+            </a:pPr>
+            <a:r>
+              <a:rPr lang="en-US" dirty="0"/>
+              <a:t>if (a&gt;b)	</a:t>
+            </a:r>
+            <a:r>
+              <a:rPr lang="en-US" dirty="0" err="1"/>
+              <a:t>System.out.println</a:t>
+            </a:r>
+            <a:r>
+              <a:rPr lang="en-US" dirty="0"/>
+              <a:t>(“a is bigger”);</a:t>
+            </a:r>
+          </a:p>
+          <a:p>
+            <a:pPr marL="0" indent="0" algn="ctr">
+              <a:lnSpc>
+                <a:spcPct val="150000"/>
+              </a:lnSpc>
+              <a:buNone/>
+            </a:pPr>
+            <a:r>
+              <a:rPr lang="en-US" dirty="0"/>
+              <a:t>else		System.out.println(“b is bigger, or both equal”);</a:t>
+            </a:r>
+            <a:endParaRPr lang="he-IL" dirty="0"/>
+          </a:p>
+          <a:p>
+            <a:pPr algn="r" rtl="1">
+              <a:lnSpc>
+                <a:spcPct val="150000"/>
+              </a:lnSpc>
+            </a:pPr>
+            <a:r>
+              <a:rPr lang="he-IL" dirty="0"/>
+              <a:t>תנאי מקונן: גם אם התנאי המקורי לא התקיים, נכניס עוד תנאי. דוגמה:</a:t>
+            </a:r>
+          </a:p>
+          <a:p>
+            <a:pPr marL="0" indent="0" algn="ctr">
+              <a:lnSpc>
+                <a:spcPct val="150000"/>
+              </a:lnSpc>
+              <a:buNone/>
+            </a:pPr>
+            <a:r>
+              <a:rPr lang="en-US" dirty="0"/>
+              <a:t>if (a&gt;b)	System.out.println(“a is bigger”);</a:t>
+            </a:r>
+          </a:p>
+          <a:p>
+            <a:pPr marL="0" indent="0" algn="ctr">
+              <a:lnSpc>
+                <a:spcPct val="150000"/>
+              </a:lnSpc>
+              <a:buNone/>
+            </a:pPr>
+            <a:r>
+              <a:rPr lang="en-US" dirty="0"/>
+              <a:t>else if (a==b) System.out.println(“both are equal”);</a:t>
+            </a:r>
+          </a:p>
+          <a:p>
+            <a:pPr marL="0" indent="0" algn="ctr">
+              <a:lnSpc>
+                <a:spcPct val="150000"/>
+              </a:lnSpc>
+              <a:buNone/>
+            </a:pPr>
+            <a:r>
+              <a:rPr lang="en-US" dirty="0"/>
+              <a:t>	else	System.out.println(“b is bigger”);</a:t>
+            </a:r>
+            <a:endParaRPr lang="he-IL" dirty="0"/>
+          </a:p>
+          <a:p>
+            <a:pPr marL="0" indent="0" algn="r" rtl="1">
+              <a:lnSpc>
+                <a:spcPct val="150000"/>
+              </a:lnSpc>
+              <a:buNone/>
+            </a:pPr>
+            <a:r>
+              <a:rPr lang="he-IL" dirty="0"/>
+              <a:t>תנאי מורכב: ניתן להרכיב את התנאי בעזרת שימוש ב </a:t>
+            </a:r>
+            <a:r>
+              <a:rPr lang="en-US" dirty="0"/>
+              <a:t>or(||)</a:t>
+            </a:r>
+            <a:r>
+              <a:rPr lang="he-IL" dirty="0"/>
+              <a:t> ו-</a:t>
+            </a:r>
+            <a:r>
+              <a:rPr lang="en-US" dirty="0"/>
+              <a:t>and(&amp;&amp;)</a:t>
+            </a:r>
+            <a:r>
+              <a:rPr lang="he-IL" dirty="0"/>
+              <a:t>:</a:t>
+            </a:r>
+          </a:p>
+          <a:p>
+            <a:pPr marL="0" indent="0" algn="ctr">
+              <a:lnSpc>
+                <a:spcPct val="150000"/>
+              </a:lnSpc>
+              <a:buNone/>
+            </a:pPr>
+            <a:r>
+              <a:rPr lang="en-US" dirty="0"/>
+              <a:t>if ((a&gt;b) || (a==b))	System.out.println(“a is bigger or equal b”);</a:t>
+            </a:r>
+            <a:endParaRPr lang="he-IL" dirty="0"/>
+          </a:p>
+        </p:txBody>
+      </p:sp>
+    </p:spTree>
+    <p:extLst>
+      <p:ext uri="{BB962C8B-B14F-4D97-AF65-F5344CB8AC3E}">
+        <p14:creationId xmlns:p14="http://schemas.microsoft.com/office/powerpoint/2010/main" val="2328713051"/>
+      </p:ext>
+    </p:extLst>
+  </p:cSld>
+  <p:clrMapOvr>
+    <a:masterClrMapping/>
+  </p:clrMapOvr>
+</p:sld>
+</file>
+
+<file path=ppt/slides/slide12.xml><?xml version="1.0" encoding="utf-8"?>
+<p:sld xmlns:a="http://schemas.openxmlformats.org/drawingml/2006/main" xmlns:r="http://schemas.openxmlformats.org/officeDocument/2006/relationships" xmlns:p="http://schemas.openxmlformats.org/presentationml/2006/main">
+  <p:cSld>
+    <p:bg>
+      <p:bgPr>
+        <a:solidFill>
+          <a:schemeClr val="bg1"/>
+        </a:solidFill>
+        <a:effectLst/>
+      </p:bgPr>
+    </p:bg>
+    <p:spTree>
+      <p:nvGrpSpPr>
+        <p:cNvPr id="1" name=""/>
+        <p:cNvGrpSpPr/>
+        <p:nvPr/>
+      </p:nvGrpSpPr>
+      <p:grpSpPr>
+        <a:xfrm>
+          <a:off x="0" y="0"/>
+          <a:ext cx="0" cy="0"/>
+          <a:chOff x="0" y="0"/>
+          <a:chExt cx="0" cy="0"/>
+        </a:xfrm>
+      </p:grpSpPr>
+      <p:sp>
+        <p:nvSpPr>
+          <p:cNvPr id="2" name="כותרת 1"/>
+          <p:cNvSpPr>
+            <a:spLocks noGrp="1"/>
+          </p:cNvSpPr>
+          <p:nvPr>
+            <p:ph type="title"/>
+          </p:nvPr>
+        </p:nvSpPr>
+        <p:spPr>
+          <a:xfrm>
+            <a:off x="677334" y="609600"/>
+            <a:ext cx="8596668" cy="740229"/>
+          </a:xfrm>
+        </p:spPr>
+        <p:txBody>
+          <a:bodyPr anchor="t">
+            <a:normAutofit/>
+          </a:bodyPr>
+          <a:lstStyle/>
+          <a:p>
+            <a:pPr algn="r" rtl="1"/>
+            <a:r>
+              <a:rPr lang="he-IL" dirty="0"/>
+              <a:t>לולאות</a:t>
+            </a:r>
+          </a:p>
+        </p:txBody>
+      </p:sp>
+      <p:sp>
+        <p:nvSpPr>
+          <p:cNvPr id="3" name="מציין מיקום תוכן 2"/>
+          <p:cNvSpPr>
+            <a:spLocks noGrp="1"/>
+          </p:cNvSpPr>
+          <p:nvPr>
+            <p:ph idx="1"/>
+          </p:nvPr>
+        </p:nvSpPr>
+        <p:spPr>
+          <a:xfrm>
+            <a:off x="536373" y="1264989"/>
+            <a:ext cx="8737629" cy="4485816"/>
+          </a:xfrm>
+        </p:spPr>
+        <p:txBody>
+          <a:bodyPr>
+            <a:normAutofit lnSpcReduction="10000"/>
+          </a:bodyPr>
+          <a:lstStyle/>
+          <a:p>
+            <a:pPr rtl="1">
+              <a:lnSpc>
+                <a:spcPct val="170000"/>
+              </a:lnSpc>
+            </a:pPr>
+            <a:r>
+              <a:rPr lang="he-IL" dirty="0"/>
+              <a:t>נבדיל בין שלושה סוגי לולאות: לולאת </a:t>
+            </a:r>
+            <a:r>
+              <a:rPr lang="en-US" dirty="0"/>
+              <a:t>for</a:t>
+            </a:r>
+            <a:r>
+              <a:rPr lang="he-IL" dirty="0"/>
+              <a:t>, לולאת </a:t>
+            </a:r>
+            <a:r>
+              <a:rPr lang="en-US" dirty="0"/>
+              <a:t>while</a:t>
+            </a:r>
+            <a:r>
+              <a:rPr lang="he-IL" dirty="0"/>
+              <a:t>, ולולאת </a:t>
+            </a:r>
+            <a:r>
+              <a:rPr lang="en-US" dirty="0"/>
+              <a:t>do-while</a:t>
+            </a:r>
+            <a:r>
+              <a:rPr lang="he-IL" dirty="0"/>
+              <a:t>.</a:t>
+            </a:r>
+          </a:p>
+          <a:p>
+            <a:pPr rtl="1">
+              <a:lnSpc>
+                <a:spcPct val="170000"/>
+              </a:lnSpc>
+            </a:pPr>
+            <a:r>
+              <a:rPr lang="he-IL" dirty="0"/>
+              <a:t>לולאת </a:t>
+            </a:r>
+            <a:r>
+              <a:rPr lang="en-US" dirty="0"/>
+              <a:t>for</a:t>
+            </a:r>
+            <a:r>
+              <a:rPr lang="he-IL" dirty="0"/>
+              <a:t>: קטע הקוד הקרוב יתבצע כמה פעמים, לפי פרמטר מוגדר מראש:</a:t>
+            </a:r>
+          </a:p>
+          <a:p>
+            <a:pPr marL="0" indent="0">
+              <a:lnSpc>
+                <a:spcPct val="170000"/>
+              </a:lnSpc>
+              <a:buNone/>
+            </a:pPr>
+            <a:r>
+              <a:rPr lang="en-US" dirty="0"/>
+              <a:t>for (int </a:t>
+            </a:r>
+            <a:r>
+              <a:rPr lang="en-US" dirty="0" err="1"/>
+              <a:t>i</a:t>
+            </a:r>
+            <a:r>
+              <a:rPr lang="en-US" dirty="0"/>
+              <a:t>=0; </a:t>
+            </a:r>
+            <a:r>
+              <a:rPr lang="en-US" dirty="0" err="1"/>
+              <a:t>i</a:t>
+            </a:r>
+            <a:r>
+              <a:rPr lang="en-US" dirty="0"/>
+              <a:t>&lt;n; </a:t>
+            </a:r>
+            <a:r>
+              <a:rPr lang="en-US" dirty="0" err="1"/>
+              <a:t>i</a:t>
+            </a:r>
+            <a:r>
+              <a:rPr lang="en-US" dirty="0"/>
+              <a:t>++)</a:t>
+            </a:r>
+          </a:p>
+          <a:p>
+            <a:pPr marL="0" indent="0">
+              <a:lnSpc>
+                <a:spcPct val="170000"/>
+              </a:lnSpc>
+              <a:buNone/>
+            </a:pPr>
+            <a:r>
+              <a:rPr lang="en-US" dirty="0"/>
+              <a:t>{  do something. It will occur n times  }</a:t>
+            </a:r>
+          </a:p>
+          <a:p>
+            <a:pPr rtl="1">
+              <a:lnSpc>
+                <a:spcPct val="170000"/>
+              </a:lnSpc>
+            </a:pPr>
+            <a:r>
+              <a:rPr lang="he-IL" dirty="0"/>
+              <a:t>לולאת </a:t>
+            </a:r>
+            <a:r>
+              <a:rPr lang="en-US" dirty="0"/>
+              <a:t>while</a:t>
+            </a:r>
+            <a:r>
+              <a:rPr lang="he-IL" dirty="0"/>
+              <a:t>: קטע הקוד יתבצע כל עוד תנאי הלולאה תקין:</a:t>
+            </a:r>
+          </a:p>
+          <a:p>
+            <a:pPr marL="0" indent="0">
+              <a:lnSpc>
+                <a:spcPct val="170000"/>
+              </a:lnSpc>
+              <a:buNone/>
+            </a:pPr>
+            <a:r>
+              <a:rPr lang="en-US" dirty="0"/>
+              <a:t>while (flag) {do something. It will occur as long as flag is true }</a:t>
+            </a:r>
+          </a:p>
+          <a:p>
+            <a:pPr rtl="1">
+              <a:lnSpc>
+                <a:spcPct val="170000"/>
+              </a:lnSpc>
+            </a:pPr>
+            <a:r>
+              <a:rPr lang="he-IL" dirty="0"/>
+              <a:t>לולאת </a:t>
+            </a:r>
+            <a:r>
+              <a:rPr lang="en-US" dirty="0"/>
+              <a:t>do-while</a:t>
+            </a:r>
+            <a:r>
+              <a:rPr lang="he-IL" dirty="0"/>
+              <a:t>: קטן הקוד יתבצע לפחות פעם אחת, וכל עוד התנאי מתקיים:</a:t>
+            </a:r>
+          </a:p>
+          <a:p>
+            <a:pPr marL="0" indent="0">
+              <a:lnSpc>
+                <a:spcPct val="170000"/>
+              </a:lnSpc>
+              <a:buNone/>
+            </a:pPr>
+            <a:r>
+              <a:rPr lang="en-US" dirty="0"/>
+              <a:t>do {do something. It will occur as long as flag is true }  while(flag)</a:t>
+            </a:r>
+          </a:p>
+        </p:txBody>
+      </p:sp>
+      <p:pic>
+        <p:nvPicPr>
+          <p:cNvPr id="7" name="Graphic 6" descr="Arrow Circle">
+            <a:extLst>
+              <a:ext uri="{FF2B5EF4-FFF2-40B4-BE49-F238E27FC236}">
+                <a16:creationId xmlns:a16="http://schemas.microsoft.com/office/drawing/2014/main" id="{430FD6EE-22B5-4694-4BD1-51998D8601D1}"/>
+              </a:ext>
+            </a:extLst>
+          </p:cNvPr>
+          <p:cNvPicPr>
+            <a:picLocks noChangeAspect="1"/>
+          </p:cNvPicPr>
+          <p:nvPr/>
+        </p:nvPicPr>
+        <p:blipFill>
+          <a:blip r:embed="rId2">
+            <a:extLst>
+              <a:ext uri="{28A0092B-C50C-407E-A947-70E740481C1C}">
+                <a14:useLocalDpi xmlns:a14="http://schemas.microsoft.com/office/drawing/2010/main" val="0"/>
+              </a:ext>
+              <a:ext uri="{96DAC541-7B7A-43D3-8B79-37D633B846F1}">
+                <asvg:svgBlip xmlns:asvg="http://schemas.microsoft.com/office/drawing/2016/SVG/main" r:embed="rId3"/>
+              </a:ext>
+            </a:extLst>
+          </a:blip>
+          <a:stretch>
+            <a:fillRect/>
+          </a:stretch>
+        </p:blipFill>
+        <p:spPr>
+          <a:xfrm>
+            <a:off x="7143332" y="2160590"/>
+            <a:ext cx="3145536" cy="3145536"/>
+          </a:xfrm>
+          <a:prstGeom prst="rect">
+            <a:avLst/>
+          </a:prstGeom>
+        </p:spPr>
+      </p:pic>
+    </p:spTree>
+    <p:extLst>
+      <p:ext uri="{BB962C8B-B14F-4D97-AF65-F5344CB8AC3E}">
+        <p14:creationId xmlns:p14="http://schemas.microsoft.com/office/powerpoint/2010/main" val="2167360885"/>
+      </p:ext>
+    </p:extLst>
+  </p:cSld>
+  <p:clrMapOvr>
+    <a:masterClrMapping/>
+  </p:clrMapOvr>
+</p:sld>
+</file>
+
+<file path=ppt/slides/slide13.xml><?xml version="1.0" encoding="utf-8"?>
+<p:sld xmlns:a="http://schemas.openxmlformats.org/drawingml/2006/main" xmlns:r="http://schemas.openxmlformats.org/officeDocument/2006/relationships" xmlns:p="http://schemas.openxmlformats.org/presentationml/2006/main">
+  <p:cSld>
+    <p:bg>
+      <p:bgPr>
+        <a:solidFill>
+          <a:schemeClr val="bg1"/>
+        </a:solidFill>
+        <a:effectLst/>
+      </p:bgPr>
+    </p:bg>
+    <p:spTree>
+      <p:nvGrpSpPr>
+        <p:cNvPr id="1" name=""/>
+        <p:cNvGrpSpPr/>
+        <p:nvPr/>
+      </p:nvGrpSpPr>
+      <p:grpSpPr>
+        <a:xfrm>
+          <a:off x="0" y="0"/>
+          <a:ext cx="0" cy="0"/>
+          <a:chOff x="0" y="0"/>
+          <a:chExt cx="0" cy="0"/>
+        </a:xfrm>
+      </p:grpSpPr>
+      <p:sp>
+        <p:nvSpPr>
+          <p:cNvPr id="2" name="כותרת 1"/>
+          <p:cNvSpPr>
+            <a:spLocks noGrp="1"/>
+          </p:cNvSpPr>
+          <p:nvPr>
+            <p:ph type="title"/>
+          </p:nvPr>
+        </p:nvSpPr>
+        <p:spPr>
+          <a:xfrm>
+            <a:off x="2849562" y="609600"/>
+            <a:ext cx="6424440" cy="1320800"/>
+          </a:xfrm>
+        </p:spPr>
+        <p:txBody>
+          <a:bodyPr>
+            <a:normAutofit/>
+          </a:bodyPr>
+          <a:lstStyle/>
+          <a:p>
+            <a:pPr algn="r" rtl="1"/>
+            <a:r>
+              <a:rPr lang="he-IL" dirty="0"/>
+              <a:t>פונקציות</a:t>
+            </a:r>
+          </a:p>
+        </p:txBody>
+      </p:sp>
+      <p:pic>
+        <p:nvPicPr>
+          <p:cNvPr id="17" name="Picture 4" descr="Water droplet on a petal">
+            <a:extLst>
+              <a:ext uri="{FF2B5EF4-FFF2-40B4-BE49-F238E27FC236}">
+                <a16:creationId xmlns:a16="http://schemas.microsoft.com/office/drawing/2014/main" id="{F2F10E88-B8E3-D429-B9D0-21A78819BCF9}"/>
+              </a:ext>
+            </a:extLst>
+          </p:cNvPr>
+          <p:cNvPicPr>
+            <a:picLocks noChangeAspect="1"/>
+          </p:cNvPicPr>
+          <p:nvPr/>
+        </p:nvPicPr>
+        <p:blipFill rotWithShape="1">
+          <a:blip r:embed="rId2"/>
+          <a:srcRect l="44809" r="32798" b="-1"/>
+          <a:stretch/>
+        </p:blipFill>
+        <p:spPr>
+          <a:xfrm>
+            <a:off x="20" y="10"/>
+            <a:ext cx="2734036" cy="6867719"/>
+          </a:xfrm>
+          <a:custGeom>
+            <a:avLst/>
+            <a:gdLst/>
+            <a:ahLst/>
+            <a:cxnLst/>
+            <a:rect l="l" t="t" r="r" b="b"/>
+            <a:pathLst>
+              <a:path w="2734056" h="6858000">
+                <a:moveTo>
+                  <a:pt x="0" y="0"/>
+                </a:moveTo>
+                <a:lnTo>
+                  <a:pt x="1674254" y="0"/>
+                </a:lnTo>
+                <a:lnTo>
+                  <a:pt x="2734056" y="6850199"/>
+                </a:lnTo>
+                <a:lnTo>
+                  <a:pt x="2734056" y="6858000"/>
+                </a:lnTo>
+                <a:lnTo>
+                  <a:pt x="461457" y="6858000"/>
+                </a:lnTo>
+                <a:lnTo>
+                  <a:pt x="0" y="4134118"/>
+                </a:lnTo>
+                <a:close/>
+              </a:path>
+            </a:pathLst>
+          </a:custGeom>
+        </p:spPr>
+      </p:pic>
+      <p:sp>
+        <p:nvSpPr>
+          <p:cNvPr id="18" name="Isosceles Triangle 8">
+            <a:extLst>
+              <a:ext uri="{FF2B5EF4-FFF2-40B4-BE49-F238E27FC236}">
+                <a16:creationId xmlns:a16="http://schemas.microsoft.com/office/drawing/2014/main" id="{EB6743CF-E74B-4A3C-A785-599069DB89DF}"/>
+              </a:ext>
+              <a:ext uri="{C183D7F6-B498-43B3-948B-1728B52AA6E4}">
+                <adec:decorative xmlns:adec="http://schemas.microsoft.com/office/drawing/2017/decorative" val="1"/>
+              </a:ext>
+            </a:extLst>
+          </p:cNvPr>
+          <p:cNvSpPr>
+            <a:spLocks noGrp="1" noRot="1" noChangeAspect="1" noMove="1" noResize="1" noEditPoints="1" noAdjustHandles="1" noChangeArrowheads="1" noChangeShapeType="1" noTextEdit="1"/>
+          </p:cNvSpPr>
+          <p:nvPr>
+            <p:extLst>
+              <p:ext uri="{386F3935-93C4-4BCD-93E2-E3B085C9AB24}">
+                <p16:designElem xmlns:p16="http://schemas.microsoft.com/office/powerpoint/2015/main" val="1"/>
+              </p:ext>
+            </p:extLst>
+          </p:nvPr>
+        </p:nvSpPr>
+        <p:spPr>
+          <a:xfrm>
+            <a:off x="0" y="4013201"/>
+            <a:ext cx="476655" cy="2844800"/>
+          </a:xfrm>
+          <a:prstGeom prst="triangle">
+            <a:avLst>
+              <a:gd name="adj" fmla="val 0"/>
+            </a:avLst>
+          </a:prstGeom>
+          <a:solidFill>
+            <a:schemeClr val="accent1"/>
+          </a:solidFill>
+          <a:ln>
+            <a:noFill/>
+          </a:ln>
+          <a:effectLst/>
+        </p:spPr>
+        <p:style>
+          <a:lnRef idx="1">
+            <a:schemeClr val="accent1"/>
+          </a:lnRef>
+          <a:fillRef idx="3">
+            <a:schemeClr val="accent1"/>
+          </a:fillRef>
+          <a:effectRef idx="2">
+            <a:schemeClr val="accent1"/>
+          </a:effectRef>
+          <a:fontRef idx="minor">
+            <a:schemeClr val="lt1"/>
+          </a:fontRef>
+        </p:style>
+        <p:txBody>
+          <a:bodyPr/>
+          <a:lstStyle/>
+          <a:p>
+            <a:endParaRPr lang="en-US"/>
+          </a:p>
+        </p:txBody>
+      </p:sp>
+      <p:sp>
+        <p:nvSpPr>
+          <p:cNvPr id="3" name="מציין מיקום תוכן 2"/>
+          <p:cNvSpPr>
+            <a:spLocks noGrp="1"/>
+          </p:cNvSpPr>
+          <p:nvPr>
+            <p:ph idx="1"/>
+          </p:nvPr>
+        </p:nvSpPr>
+        <p:spPr>
+          <a:xfrm>
+            <a:off x="2849562" y="2160589"/>
+            <a:ext cx="6424440" cy="3880773"/>
+          </a:xfrm>
+        </p:spPr>
+        <p:txBody>
+          <a:bodyPr>
+            <a:normAutofit/>
+          </a:bodyPr>
+          <a:lstStyle/>
+          <a:p>
+            <a:pPr algn="r" rtl="1"/>
+            <a:r>
+              <a:rPr lang="he-IL" dirty="0"/>
+              <a:t>קריאה לפונקציה היא חריגה מהסדר הרגיל של הקוד, לקטע קוד שרשום במקום אחר. בסוף הפונקציה, הקוד חוזר למקום שממנו קראו לפונקציה.</a:t>
+            </a:r>
+          </a:p>
+          <a:p>
+            <a:pPr algn="r" rtl="1"/>
+            <a:r>
+              <a:rPr lang="he-IL" dirty="0"/>
+              <a:t>זה מאוד באוויר, כי הרחבה על פונקציות בשבוע הבא.</a:t>
+            </a:r>
+          </a:p>
+        </p:txBody>
+      </p:sp>
+    </p:spTree>
+    <p:extLst>
+      <p:ext uri="{BB962C8B-B14F-4D97-AF65-F5344CB8AC3E}">
+        <p14:creationId xmlns:p14="http://schemas.microsoft.com/office/powerpoint/2010/main" val="2567646918"/>
+      </p:ext>
+    </p:extLst>
+  </p:cSld>
+  <p:clrMapOvr>
+    <a:masterClrMapping/>
+  </p:clrMapOvr>
+</p:sld>
+</file>
+
+<file path=ppt/slides/slide14.xml><?xml version="1.0" encoding="utf-8"?>
+<p:sld xmlns:a="http://schemas.openxmlformats.org/drawingml/2006/main" xmlns:r="http://schemas.openxmlformats.org/officeDocument/2006/relationships" xmlns:p="http://schemas.openxmlformats.org/presentationml/2006/main">
+  <p:cSld>
+    <p:bg>
+      <p:bgPr>
+        <a:solidFill>
+          <a:schemeClr val="bg1"/>
+        </a:solidFill>
+        <a:effectLst/>
+      </p:bgPr>
+    </p:bg>
+    <p:spTree>
+      <p:nvGrpSpPr>
+        <p:cNvPr id="1" name=""/>
+        <p:cNvGrpSpPr/>
+        <p:nvPr/>
+      </p:nvGrpSpPr>
+      <p:grpSpPr>
+        <a:xfrm>
+          <a:off x="0" y="0"/>
+          <a:ext cx="0" cy="0"/>
+          <a:chOff x="0" y="0"/>
+          <a:chExt cx="0" cy="0"/>
+        </a:xfrm>
+      </p:grpSpPr>
+      <p:sp>
+        <p:nvSpPr>
+          <p:cNvPr id="2" name="כותרת 1"/>
+          <p:cNvSpPr>
+            <a:spLocks noGrp="1"/>
+          </p:cNvSpPr>
+          <p:nvPr>
+            <p:ph type="title"/>
+          </p:nvPr>
+        </p:nvSpPr>
+        <p:spPr>
+          <a:xfrm>
+            <a:off x="2849562" y="609600"/>
+            <a:ext cx="6424440" cy="1320800"/>
+          </a:xfrm>
+        </p:spPr>
+        <p:txBody>
+          <a:bodyPr>
+            <a:normAutofit/>
+          </a:bodyPr>
+          <a:lstStyle/>
+          <a:p>
+            <a:pPr algn="r"/>
+            <a:r>
+              <a:rPr lang="he-IL" dirty="0"/>
+              <a:t>מחרוזות</a:t>
+            </a:r>
+          </a:p>
+        </p:txBody>
+      </p:sp>
+      <p:pic>
+        <p:nvPicPr>
+          <p:cNvPr id="5" name="Picture 4" descr="Colourful thread loop set">
+            <a:extLst>
+              <a:ext uri="{FF2B5EF4-FFF2-40B4-BE49-F238E27FC236}">
+                <a16:creationId xmlns:a16="http://schemas.microsoft.com/office/drawing/2014/main" id="{B4EF2A8F-1B53-A51F-A946-19F11D3777BE}"/>
+              </a:ext>
+            </a:extLst>
+          </p:cNvPr>
+          <p:cNvPicPr>
+            <a:picLocks noChangeAspect="1"/>
+          </p:cNvPicPr>
+          <p:nvPr/>
+        </p:nvPicPr>
+        <p:blipFill rotWithShape="1">
+          <a:blip r:embed="rId2"/>
+          <a:srcRect l="48825" r="24602" b="1"/>
+          <a:stretch/>
+        </p:blipFill>
+        <p:spPr>
+          <a:xfrm>
+            <a:off x="20" y="10"/>
+            <a:ext cx="2734036" cy="6867719"/>
+          </a:xfrm>
+          <a:custGeom>
+            <a:avLst/>
+            <a:gdLst/>
+            <a:ahLst/>
+            <a:cxnLst/>
+            <a:rect l="l" t="t" r="r" b="b"/>
+            <a:pathLst>
+              <a:path w="2734056" h="6858000">
+                <a:moveTo>
+                  <a:pt x="0" y="0"/>
+                </a:moveTo>
+                <a:lnTo>
+                  <a:pt x="1674254" y="0"/>
+                </a:lnTo>
+                <a:lnTo>
+                  <a:pt x="2734056" y="6850199"/>
+                </a:lnTo>
+                <a:lnTo>
+                  <a:pt x="2734056" y="6858000"/>
+                </a:lnTo>
+                <a:lnTo>
+                  <a:pt x="461457" y="6858000"/>
+                </a:lnTo>
+                <a:lnTo>
+                  <a:pt x="0" y="4134118"/>
+                </a:lnTo>
+                <a:close/>
+              </a:path>
+            </a:pathLst>
+          </a:custGeom>
+        </p:spPr>
+      </p:pic>
+      <p:sp>
+        <p:nvSpPr>
+          <p:cNvPr id="9" name="Isosceles Triangle 8">
+            <a:extLst>
+              <a:ext uri="{FF2B5EF4-FFF2-40B4-BE49-F238E27FC236}">
+                <a16:creationId xmlns:a16="http://schemas.microsoft.com/office/drawing/2014/main" id="{EB6743CF-E74B-4A3C-A785-599069DB89DF}"/>
+              </a:ext>
+              <a:ext uri="{C183D7F6-B498-43B3-948B-1728B52AA6E4}">
+                <adec:decorative xmlns:adec="http://schemas.microsoft.com/office/drawing/2017/decorative" val="1"/>
+              </a:ext>
+            </a:extLst>
+          </p:cNvPr>
+          <p:cNvSpPr>
+            <a:spLocks noGrp="1" noRot="1" noChangeAspect="1" noMove="1" noResize="1" noEditPoints="1" noAdjustHandles="1" noChangeArrowheads="1" noChangeShapeType="1" noTextEdit="1"/>
+          </p:cNvSpPr>
+          <p:nvPr>
+            <p:extLst>
+              <p:ext uri="{386F3935-93C4-4BCD-93E2-E3B085C9AB24}">
+                <p16:designElem xmlns:p16="http://schemas.microsoft.com/office/powerpoint/2015/main" val="1"/>
+              </p:ext>
+            </p:extLst>
+          </p:nvPr>
+        </p:nvSpPr>
+        <p:spPr>
+          <a:xfrm>
+            <a:off x="0" y="4013201"/>
+            <a:ext cx="476655" cy="2844800"/>
+          </a:xfrm>
+          <a:prstGeom prst="triangle">
+            <a:avLst>
+              <a:gd name="adj" fmla="val 0"/>
+            </a:avLst>
+          </a:prstGeom>
+          <a:solidFill>
+            <a:schemeClr val="accent1"/>
+          </a:solidFill>
+          <a:ln>
+            <a:noFill/>
+          </a:ln>
+          <a:effectLst/>
+        </p:spPr>
+        <p:style>
+          <a:lnRef idx="1">
+            <a:schemeClr val="accent1"/>
+          </a:lnRef>
+          <a:fillRef idx="3">
+            <a:schemeClr val="accent1"/>
+          </a:fillRef>
+          <a:effectRef idx="2">
+            <a:schemeClr val="accent1"/>
+          </a:effectRef>
+          <a:fontRef idx="minor">
+            <a:schemeClr val="lt1"/>
+          </a:fontRef>
+        </p:style>
+        <p:txBody>
+          <a:bodyPr/>
+          <a:lstStyle/>
+          <a:p>
+            <a:endParaRPr lang="en-US"/>
+          </a:p>
+        </p:txBody>
+      </p:sp>
+      <p:sp>
+        <p:nvSpPr>
+          <p:cNvPr id="3" name="מציין מיקום תוכן 2"/>
+          <p:cNvSpPr>
+            <a:spLocks noGrp="1"/>
+          </p:cNvSpPr>
+          <p:nvPr>
+            <p:ph idx="1"/>
+          </p:nvPr>
+        </p:nvSpPr>
+        <p:spPr>
+          <a:xfrm>
+            <a:off x="2849562" y="1436915"/>
+            <a:ext cx="6980238" cy="4604448"/>
+          </a:xfrm>
+        </p:spPr>
+        <p:txBody>
+          <a:bodyPr>
+            <a:normAutofit/>
+          </a:bodyPr>
+          <a:lstStyle/>
+          <a:p>
+            <a:pPr algn="r" rtl="1">
+              <a:lnSpc>
+                <a:spcPct val="90000"/>
+              </a:lnSpc>
+            </a:pPr>
+            <a:r>
+              <a:rPr lang="he-IL" dirty="0"/>
+              <a:t>סוג המשתנה "המורכב" יחסית הוא מחרוזות (</a:t>
+            </a:r>
+            <a:r>
+              <a:rPr lang="en-US" dirty="0"/>
+              <a:t>String</a:t>
+            </a:r>
+            <a:r>
+              <a:rPr lang="he-IL" dirty="0"/>
+              <a:t>).</a:t>
+            </a:r>
+          </a:p>
+          <a:p>
+            <a:pPr algn="r" rtl="1">
+              <a:lnSpc>
+                <a:spcPct val="90000"/>
+              </a:lnSpc>
+            </a:pPr>
+            <a:r>
+              <a:rPr lang="he-IL" dirty="0"/>
+              <a:t>על מחרוזות ניתן לבצע המון פעולות ישירות בעזרת הסימן "נקודה".</a:t>
+            </a:r>
+          </a:p>
+          <a:p>
+            <a:pPr algn="r" rtl="1">
+              <a:lnSpc>
+                <a:spcPct val="90000"/>
+              </a:lnSpc>
+            </a:pPr>
+            <a:r>
+              <a:rPr lang="he-IL" dirty="0"/>
+              <a:t>דוגמות:</a:t>
+            </a:r>
+          </a:p>
+          <a:p>
+            <a:pPr marL="0" indent="0" rtl="0">
+              <a:lnSpc>
+                <a:spcPct val="90000"/>
+              </a:lnSpc>
+              <a:buNone/>
+            </a:pPr>
+            <a:r>
+              <a:rPr lang="en-US" dirty="0"/>
+              <a:t>String str = “Hi there! This is a string example to help demonstrate”;</a:t>
+            </a:r>
+          </a:p>
+          <a:p>
+            <a:pPr marL="0" indent="0" rtl="0">
+              <a:lnSpc>
+                <a:spcPct val="90000"/>
+              </a:lnSpc>
+              <a:buNone/>
+            </a:pPr>
+            <a:r>
+              <a:rPr lang="en-US" dirty="0"/>
+              <a:t>Int </a:t>
+            </a:r>
+            <a:r>
+              <a:rPr lang="en-US" dirty="0" err="1"/>
+              <a:t>firstALocatedAt</a:t>
+            </a:r>
+            <a:r>
+              <a:rPr lang="en-US" dirty="0"/>
+              <a:t> = </a:t>
+            </a:r>
+            <a:r>
+              <a:rPr lang="en-US" dirty="0" err="1"/>
+              <a:t>str.indexOf</a:t>
+            </a:r>
+            <a:r>
+              <a:rPr lang="en-US" dirty="0"/>
+              <a:t>(“a”); // 18</a:t>
+            </a:r>
+          </a:p>
+          <a:p>
+            <a:pPr marL="0" indent="0" rtl="0">
+              <a:lnSpc>
+                <a:spcPct val="90000"/>
+              </a:lnSpc>
+              <a:buNone/>
+            </a:pPr>
+            <a:r>
+              <a:rPr lang="en-US" dirty="0"/>
+              <a:t>String part = </a:t>
+            </a:r>
+            <a:r>
+              <a:rPr lang="en-US" dirty="0" err="1"/>
+              <a:t>str.substring</a:t>
+            </a:r>
+            <a:r>
+              <a:rPr lang="en-US" dirty="0"/>
+              <a:t>(0,9);	// part = “Hi there!”</a:t>
+            </a:r>
+          </a:p>
+          <a:p>
+            <a:pPr marL="0" indent="0" rtl="0">
+              <a:lnSpc>
+                <a:spcPct val="90000"/>
+              </a:lnSpc>
+              <a:buNone/>
+            </a:pPr>
+            <a:r>
+              <a:rPr lang="en-US" dirty="0"/>
+              <a:t>int </a:t>
+            </a:r>
+            <a:r>
+              <a:rPr lang="en-US" dirty="0" err="1"/>
+              <a:t>len</a:t>
+            </a:r>
+            <a:r>
+              <a:rPr lang="en-US" dirty="0"/>
+              <a:t> = </a:t>
+            </a:r>
+            <a:r>
+              <a:rPr lang="en-US" dirty="0" err="1"/>
+              <a:t>str.length</a:t>
+            </a:r>
+            <a:r>
+              <a:rPr lang="en-US" dirty="0"/>
+              <a:t>();		//</a:t>
+            </a:r>
+            <a:r>
+              <a:rPr lang="en-US" dirty="0" err="1"/>
+              <a:t>len</a:t>
+            </a:r>
+            <a:r>
+              <a:rPr lang="en-US" dirty="0"/>
+              <a:t> = 53</a:t>
+            </a:r>
+          </a:p>
+          <a:p>
+            <a:pPr marL="0" indent="0" rtl="0">
+              <a:lnSpc>
+                <a:spcPct val="90000"/>
+              </a:lnSpc>
+              <a:buNone/>
+            </a:pPr>
+            <a:r>
+              <a:rPr lang="en-US" dirty="0"/>
+              <a:t>char find = </a:t>
+            </a:r>
+            <a:r>
+              <a:rPr lang="en-US" dirty="0" err="1"/>
+              <a:t>str.charAt</a:t>
+            </a:r>
+            <a:r>
+              <a:rPr lang="en-US" dirty="0"/>
+              <a:t>(10);	//find = T</a:t>
+            </a:r>
+          </a:p>
+          <a:p>
+            <a:pPr marL="0" indent="0" rtl="0">
+              <a:lnSpc>
+                <a:spcPct val="90000"/>
+              </a:lnSpc>
+              <a:buNone/>
+            </a:pPr>
+            <a:r>
+              <a:rPr lang="en-US" dirty="0" err="1"/>
+              <a:t>boolean</a:t>
+            </a:r>
+            <a:r>
+              <a:rPr lang="en-US" dirty="0"/>
+              <a:t> has = </a:t>
+            </a:r>
+            <a:r>
+              <a:rPr lang="en-US" dirty="0" err="1"/>
+              <a:t>str.contains</a:t>
+            </a:r>
+            <a:r>
+              <a:rPr lang="en-US" dirty="0"/>
+              <a:t>(“example”);	// has = true</a:t>
+            </a:r>
+          </a:p>
+          <a:p>
+            <a:pPr marL="0" indent="0" rtl="0">
+              <a:lnSpc>
+                <a:spcPct val="90000"/>
+              </a:lnSpc>
+              <a:buNone/>
+            </a:pPr>
+            <a:r>
+              <a:rPr lang="en-US" dirty="0" err="1"/>
+              <a:t>boolean</a:t>
+            </a:r>
+            <a:r>
+              <a:rPr lang="en-US" dirty="0"/>
+              <a:t> flag = </a:t>
+            </a:r>
+            <a:r>
+              <a:rPr lang="en-US" dirty="0" err="1"/>
+              <a:t>str.equals</a:t>
+            </a:r>
+            <a:r>
+              <a:rPr lang="en-US" dirty="0"/>
+              <a:t>(part);			// flag = false</a:t>
+            </a:r>
+            <a:endParaRPr lang="he-IL" dirty="0"/>
+          </a:p>
+        </p:txBody>
+      </p:sp>
+    </p:spTree>
+    <p:extLst>
+      <p:ext uri="{BB962C8B-B14F-4D97-AF65-F5344CB8AC3E}">
+        <p14:creationId xmlns:p14="http://schemas.microsoft.com/office/powerpoint/2010/main" val="2839880553"/>
+      </p:ext>
+    </p:extLst>
+  </p:cSld>
+  <p:clrMapOvr>
+    <a:masterClrMapping/>
+  </p:clrMapOvr>
+</p:sld>
+</file>
+
+<file path=ppt/slides/slide15.xml><?xml version="1.0" encoding="utf-8"?>
+<p:sld xmlns:a="http://schemas.openxmlformats.org/drawingml/2006/main" xmlns:r="http://schemas.openxmlformats.org/officeDocument/2006/relationships" xmlns:p="http://schemas.openxmlformats.org/presentationml/2006/main">
+  <p:cSld>
+    <p:spTree>
+      <p:nvGrpSpPr>
+        <p:cNvPr id="1" name=""/>
+        <p:cNvGrpSpPr/>
+        <p:nvPr/>
+      </p:nvGrpSpPr>
+      <p:grpSpPr>
+        <a:xfrm>
+          <a:off x="0" y="0"/>
+          <a:ext cx="0" cy="0"/>
+          <a:chOff x="0" y="0"/>
+          <a:chExt cx="0" cy="0"/>
+        </a:xfrm>
+      </p:grpSpPr>
+      <p:sp>
+        <p:nvSpPr>
+          <p:cNvPr id="2" name="כותרת 1"/>
+          <p:cNvSpPr>
+            <a:spLocks noGrp="1"/>
+          </p:cNvSpPr>
+          <p:nvPr>
+            <p:ph type="title"/>
+          </p:nvPr>
+        </p:nvSpPr>
+        <p:spPr/>
+        <p:txBody>
+          <a:bodyPr/>
+          <a:lstStyle/>
+          <a:p>
+            <a:pPr algn="r"/>
+            <a:r>
+              <a:rPr lang="he-IL" dirty="0"/>
+              <a:t>תרגילים</a:t>
+            </a:r>
+          </a:p>
+        </p:txBody>
+      </p:sp>
+      <mc:AlternateContent xmlns:mc="http://schemas.openxmlformats.org/markup-compatibility/2006" xmlns:a14="http://schemas.microsoft.com/office/drawing/2010/main">
+        <mc:Choice Requires="a14">
+          <p:sp>
+            <p:nvSpPr>
+              <p:cNvPr id="3" name="מציין מיקום תוכן 2"/>
+              <p:cNvSpPr>
+                <a:spLocks noGrp="1"/>
+              </p:cNvSpPr>
+              <p:nvPr>
+                <p:ph idx="1"/>
+              </p:nvPr>
+            </p:nvSpPr>
+            <p:spPr>
+              <a:xfrm>
+                <a:off x="807961" y="1799772"/>
+                <a:ext cx="10251923" cy="4110962"/>
+              </a:xfrm>
+            </p:spPr>
+            <p:txBody>
+              <a:bodyPr>
+                <a:noAutofit/>
+              </a:bodyPr>
+              <a:lstStyle/>
+              <a:p>
+                <a:pPr marL="514350" indent="-514350" algn="r" rtl="1">
+                  <a:buAutoNum type="arabicPeriod"/>
+                </a:pPr>
+                <a:r>
+                  <a:rPr lang="he-IL" sz="2000" dirty="0"/>
+                  <a:t>כתבו קוד שקולט מספר </a:t>
+                </a:r>
+                <a14:m>
+                  <m:oMath xmlns:m="http://schemas.openxmlformats.org/officeDocument/2006/math">
+                    <m:r>
+                      <a:rPr lang="en-US" sz="2000" b="0" i="1" smtClean="0">
+                        <a:latin typeface="Cambria Math" panose="02040503050406030204" pitchFamily="18" charset="0"/>
+                      </a:rPr>
+                      <m:t>𝑁</m:t>
+                    </m:r>
+                  </m:oMath>
+                </a14:m>
+                <a:r>
+                  <a:rPr lang="he-IL" sz="2000" dirty="0"/>
+                  <a:t> ומדפיס את תוצאת הסכום </a:t>
+                </a:r>
+                <a14:m>
+                  <m:oMath xmlns:m="http://schemas.openxmlformats.org/officeDocument/2006/math">
+                    <m:r>
+                      <a:rPr lang="en-US" sz="2000" b="0" i="1" smtClean="0">
+                        <a:latin typeface="Cambria Math" panose="02040503050406030204" pitchFamily="18" charset="0"/>
+                      </a:rPr>
+                      <m:t>1</m:t>
+                    </m:r>
+                    <m:r>
+                      <a:rPr lang="en-US" sz="2000" b="0" i="1" smtClean="0">
+                        <a:latin typeface="Cambria Math" panose="02040503050406030204" pitchFamily="18" charset="0"/>
+                      </a:rPr>
+                      <m:t>+</m:t>
+                    </m:r>
+                    <m:r>
+                      <a:rPr lang="en-US" sz="2000" b="0" i="1" smtClean="0">
+                        <a:latin typeface="Cambria Math" panose="02040503050406030204" pitchFamily="18" charset="0"/>
+                      </a:rPr>
+                      <m:t>2</m:t>
+                    </m:r>
+                    <m:r>
+                      <a:rPr lang="en-US" sz="2000" b="0" i="1" smtClean="0">
+                        <a:latin typeface="Cambria Math" panose="02040503050406030204" pitchFamily="18" charset="0"/>
+                      </a:rPr>
+                      <m:t>+…+</m:t>
+                    </m:r>
+                    <m:r>
+                      <a:rPr lang="en-US" sz="2000" b="0" i="1" smtClean="0">
+                        <a:latin typeface="Cambria Math" panose="02040503050406030204" pitchFamily="18" charset="0"/>
+                      </a:rPr>
+                      <m:t>𝑁</m:t>
+                    </m:r>
+                  </m:oMath>
+                </a14:m>
+                <a:r>
+                  <a:rPr lang="he-IL" sz="2000" dirty="0"/>
+                  <a:t>.</a:t>
+                </a:r>
+              </a:p>
+              <a:p>
+                <a:pPr marL="514350" indent="-514350" algn="r" rtl="1">
+                  <a:buAutoNum type="arabicPeriod"/>
+                </a:pPr>
+                <a:r>
+                  <a:rPr lang="he-IL" sz="2000" dirty="0"/>
+                  <a:t>כתבו קוד שקולט ארבעה מספרים שלמים מהמשתמש, ומכניס אותם למערך. לאחר מכן, הקוד יחשב את הממוצע של ארבעת (שימו לב שהממוצע לא חייב להיות שלם) ומדפיס אותו.</a:t>
+                </a:r>
+              </a:p>
+              <a:p>
+                <a:pPr marL="514350" indent="-514350" algn="r" rtl="1">
+                  <a:buAutoNum type="arabicPeriod"/>
+                </a:pPr>
+                <a:r>
+                  <a:rPr lang="he-IL" sz="2000" dirty="0"/>
+                  <a:t>כתבו קטע קוד שמדפיס את הצורה הבאה:</a:t>
+                </a:r>
+              </a:p>
+              <a:p>
+                <a:pPr marL="0" indent="0">
+                  <a:buNone/>
+                </a:pPr>
+                <a:r>
+                  <a:rPr lang="en-US" sz="2000" dirty="0"/>
+                  <a:t>*</a:t>
+                </a:r>
+                <a:br>
+                  <a:rPr lang="en-US" sz="2000" dirty="0"/>
+                </a:br>
+                <a:r>
+                  <a:rPr lang="en-US" sz="2000" dirty="0"/>
+                  <a:t>**</a:t>
+                </a:r>
+                <a:br>
+                  <a:rPr lang="en-US" sz="2000" dirty="0"/>
+                </a:br>
+                <a:r>
+                  <a:rPr lang="en-US" sz="2000" dirty="0"/>
+                  <a:t>***</a:t>
+                </a:r>
+                <a:br>
+                  <a:rPr lang="en-US" sz="2000" dirty="0"/>
+                </a:br>
+                <a:r>
+                  <a:rPr lang="en-US" sz="2000" dirty="0"/>
+                  <a:t>*…* - 10 times</a:t>
+                </a:r>
+              </a:p>
+              <a:p>
+                <a:pPr marL="0" indent="0" algn="ctr" rtl="1">
+                  <a:buNone/>
+                </a:pPr>
+                <a:r>
+                  <a:rPr lang="he-IL" sz="2000" dirty="0"/>
+                  <a:t>	אין לכתוב כאן את פקודת </a:t>
+                </a:r>
+                <a:r>
+                  <a:rPr lang="en-US" sz="2000" dirty="0" err="1"/>
+                  <a:t>System.out.print</a:t>
+                </a:r>
+                <a:r>
+                  <a:rPr lang="he-IL" sz="2000" dirty="0"/>
+                  <a:t> יותר מפעם אחת!</a:t>
+                </a:r>
+              </a:p>
+            </p:txBody>
+          </p:sp>
+        </mc:Choice>
+        <mc:Fallback xmlns="">
+          <p:sp>
+            <p:nvSpPr>
+              <p:cNvPr id="3" name="מציין מיקום תוכן 2"/>
+              <p:cNvSpPr>
+                <a:spLocks noGrp="1" noRot="1" noChangeAspect="1" noMove="1" noResize="1" noEditPoints="1" noAdjustHandles="1" noChangeArrowheads="1" noChangeShapeType="1" noTextEdit="1"/>
+              </p:cNvSpPr>
+              <p:nvPr>
+                <p:ph idx="1"/>
+              </p:nvPr>
+            </p:nvSpPr>
+            <p:spPr>
+              <a:xfrm>
+                <a:off x="807961" y="1799772"/>
+                <a:ext cx="10251923" cy="4110962"/>
+              </a:xfrm>
+              <a:blipFill>
+                <a:blip r:embed="rId2"/>
+                <a:stretch>
+                  <a:fillRect l="-654" t="-741" r="-357"/>
+                </a:stretch>
+              </a:blipFill>
+            </p:spPr>
+            <p:txBody>
+              <a:bodyPr/>
+              <a:lstStyle/>
+              <a:p>
+                <a:r>
+                  <a:rPr lang="en-US">
+                    <a:noFill/>
+                  </a:rPr>
+                  <a:t> </a:t>
+                </a:r>
+              </a:p>
+            </p:txBody>
+          </p:sp>
+        </mc:Fallback>
+      </mc:AlternateContent>
+    </p:spTree>
+    <p:extLst>
+      <p:ext uri="{BB962C8B-B14F-4D97-AF65-F5344CB8AC3E}">
+        <p14:creationId xmlns:p14="http://schemas.microsoft.com/office/powerpoint/2010/main" val="1299828850"/>
+      </p:ext>
+    </p:extLst>
+  </p:cSld>
+  <p:clrMapOvr>
+    <a:masterClrMapping/>
+  </p:clrMapOvr>
+</p:sld>
+</file>
+
+<file path=ppt/slides/slide16.xml><?xml version="1.0" encoding="utf-8"?>
+<p:sld xmlns:a="http://schemas.openxmlformats.org/drawingml/2006/main" xmlns:r="http://schemas.openxmlformats.org/officeDocument/2006/relationships" xmlns:p="http://schemas.openxmlformats.org/presentationml/2006/main">
+  <p:cSld>
+    <p:spTree>
+      <p:nvGrpSpPr>
+        <p:cNvPr id="1" name=""/>
+        <p:cNvGrpSpPr/>
+        <p:nvPr/>
+      </p:nvGrpSpPr>
+      <p:grpSpPr>
+        <a:xfrm>
+          <a:off x="0" y="0"/>
+          <a:ext cx="0" cy="0"/>
+          <a:chOff x="0" y="0"/>
+          <a:chExt cx="0" cy="0"/>
+        </a:xfrm>
+      </p:grpSpPr>
+      <mc:AlternateContent xmlns:mc="http://schemas.openxmlformats.org/markup-compatibility/2006" xmlns:a14="http://schemas.microsoft.com/office/drawing/2010/main">
+        <mc:Choice Requires="a14">
           <p:sp>
             <p:nvSpPr>
               <p:cNvPr id="3" name="מציין מיקום תוכן 2"/>
@@ -7057,7 +9856,7 @@
             </p:txBody>
           </p:sp>
         </mc:Choice>
-        <mc:Fallback>
+        <mc:Fallback xmlns="">
           <p:sp>
             <p:nvSpPr>
               <p:cNvPr id="3" name="מציין מיקום תוכן 2"/>
@@ -7311,7 +10110,7 @@
               </a:bodyPr>
               <a:lstStyle/>
               <a:p>
-                <a:pPr rtl="1">
+                <a:pPr algn="r" rtl="1">
                   <a:buFont typeface="Wingdings" panose="05000000000000000000" pitchFamily="2" charset="2"/>
                   <a:buChar char="Ø"/>
                 </a:pPr>
@@ -7515,7 +10314,7 @@
               <a:blipFill>
                 <a:blip r:embed="rId3"/>
                 <a:stretch>
-                  <a:fillRect l="-1788" t="-931"/>
+                  <a:fillRect l="-1788" t="-931" r="-311"/>
                 </a:stretch>
               </a:blipFill>
             </p:spPr>
@@ -7550,6 +10349,1315 @@
 <file path=ppt/slides/slide3.xml><?xml version="1.0" encoding="utf-8"?>
 <p:sld xmlns:a="http://schemas.openxmlformats.org/drawingml/2006/main" xmlns:r="http://schemas.openxmlformats.org/officeDocument/2006/relationships" xmlns:p="http://schemas.openxmlformats.org/presentationml/2006/main">
   <p:cSld>
+    <p:spTree>
+      <p:nvGrpSpPr>
+        <p:cNvPr id="1" name=""/>
+        <p:cNvGrpSpPr/>
+        <p:nvPr/>
+      </p:nvGrpSpPr>
+      <p:grpSpPr>
+        <a:xfrm>
+          <a:off x="0" y="0"/>
+          <a:ext cx="0" cy="0"/>
+          <a:chOff x="0" y="0"/>
+          <a:chExt cx="0" cy="0"/>
+        </a:xfrm>
+      </p:grpSpPr>
+      <p:pic>
+        <p:nvPicPr>
+          <p:cNvPr id="1035" name="Picture 11" descr="האסקי סיבירי - המרכז לביטוח חיות מחמד - מדריך הכלבים המלא 🐶🐕">
+            <a:extLst>
+              <a:ext uri="{FF2B5EF4-FFF2-40B4-BE49-F238E27FC236}">
+                <a16:creationId xmlns:a16="http://schemas.microsoft.com/office/drawing/2014/main" id="{6A8129D2-8A6E-7B44-D083-F6279EB23370}"/>
+              </a:ext>
+            </a:extLst>
+          </p:cNvPr>
+          <p:cNvPicPr>
+            <a:picLocks noChangeAspect="1" noChangeArrowheads="1"/>
+          </p:cNvPicPr>
+          <p:nvPr/>
+        </p:nvPicPr>
+        <p:blipFill>
+          <a:blip r:embed="rId2">
+            <a:extLst>
+              <a:ext uri="{28A0092B-C50C-407E-A947-70E740481C1C}">
+                <a14:useLocalDpi xmlns:a14="http://schemas.microsoft.com/office/drawing/2010/main" val="0"/>
+              </a:ext>
+            </a:extLst>
+          </a:blip>
+          <a:srcRect/>
+          <a:stretch>
+            <a:fillRect/>
+          </a:stretch>
+        </p:blipFill>
+        <p:spPr bwMode="auto">
+          <a:xfrm>
+            <a:off x="9348918" y="121031"/>
+            <a:ext cx="2752380" cy="2752380"/>
+          </a:xfrm>
+          <a:prstGeom prst="roundRect">
+            <a:avLst>
+              <a:gd name="adj" fmla="val 8594"/>
+            </a:avLst>
+          </a:prstGeom>
+          <a:solidFill>
+            <a:srgbClr val="FFFFFF">
+              <a:shade val="85000"/>
+            </a:srgbClr>
+          </a:solidFill>
+          <a:ln>
+            <a:noFill/>
+          </a:ln>
+          <a:effectLst>
+            <a:reflection blurRad="12700" stA="38000" endPos="28000" dist="5000" dir="5400000" sy="-100000" algn="bl" rotWithShape="0"/>
+            <a:softEdge rad="317500"/>
+          </a:effectLst>
+          <a:extLst>
+            <a:ext uri="{909E8E84-426E-40DD-AFC4-6F175D3DCCD1}">
+              <a14:hiddenFill xmlns:a14="http://schemas.microsoft.com/office/drawing/2010/main">
+                <a:solidFill>
+                  <a:srgbClr val="FFFFFF"/>
+                </a:solidFill>
+              </a14:hiddenFill>
+            </a:ext>
+          </a:extLst>
+        </p:spPr>
+      </p:pic>
+      <p:sp>
+        <p:nvSpPr>
+          <p:cNvPr id="2" name="כותרת 1">
+            <a:extLst>
+              <a:ext uri="{FF2B5EF4-FFF2-40B4-BE49-F238E27FC236}">
+                <a16:creationId xmlns:a16="http://schemas.microsoft.com/office/drawing/2014/main" id="{D5768C8F-E53C-9B01-1324-8FF8D8410D89}"/>
+              </a:ext>
+            </a:extLst>
+          </p:cNvPr>
+          <p:cNvSpPr>
+            <a:spLocks noGrp="1"/>
+          </p:cNvSpPr>
+          <p:nvPr>
+            <p:ph type="title"/>
+          </p:nvPr>
+        </p:nvSpPr>
+        <p:spPr/>
+        <p:txBody>
+          <a:bodyPr/>
+          <a:lstStyle/>
+          <a:p>
+            <a:pPr algn="ctr" rtl="1"/>
+            <a:r>
+              <a:rPr lang="he-IL" dirty="0"/>
+              <a:t>טבלת </a:t>
+            </a:r>
+            <a:r>
+              <a:rPr lang="he-IL" dirty="0" err="1"/>
+              <a:t>אסקי</a:t>
+            </a:r>
+            <a:r>
+              <a:rPr lang="he-IL" dirty="0"/>
+              <a:t> (</a:t>
+            </a:r>
+            <a:r>
+              <a:rPr lang="en-US" dirty="0"/>
+              <a:t>(ASCII</a:t>
+            </a:r>
+          </a:p>
+        </p:txBody>
+      </p:sp>
+      <p:sp>
+        <p:nvSpPr>
+          <p:cNvPr id="3" name="מציין מיקום תוכן 2">
+            <a:extLst>
+              <a:ext uri="{FF2B5EF4-FFF2-40B4-BE49-F238E27FC236}">
+                <a16:creationId xmlns:a16="http://schemas.microsoft.com/office/drawing/2014/main" id="{A3D080F6-C19A-B348-8031-D529F195960C}"/>
+              </a:ext>
+            </a:extLst>
+          </p:cNvPr>
+          <p:cNvSpPr>
+            <a:spLocks noGrp="1"/>
+          </p:cNvSpPr>
+          <p:nvPr>
+            <p:ph idx="1"/>
+          </p:nvPr>
+        </p:nvSpPr>
+        <p:spPr>
+          <a:xfrm>
+            <a:off x="752250" y="1215865"/>
+            <a:ext cx="9160729" cy="4890266"/>
+          </a:xfrm>
+        </p:spPr>
+        <p:txBody>
+          <a:bodyPr>
+            <a:normAutofit/>
+          </a:bodyPr>
+          <a:lstStyle/>
+          <a:p>
+            <a:pPr algn="r" rtl="1"/>
+            <a:r>
+              <a:rPr lang="he-IL" b="1" i="0" dirty="0">
+                <a:solidFill>
+                  <a:srgbClr val="29261B"/>
+                </a:solidFill>
+                <a:effectLst/>
+                <a:latin typeface="__tiempos_b6f14e"/>
+              </a:rPr>
+              <a:t>מהי טבלת </a:t>
+            </a:r>
+            <a:r>
+              <a:rPr lang="he-IL" b="1" i="0" dirty="0" err="1">
+                <a:solidFill>
+                  <a:srgbClr val="29261B"/>
+                </a:solidFill>
+                <a:effectLst/>
+                <a:latin typeface="__tiempos_b6f14e"/>
+              </a:rPr>
+              <a:t>אסקי</a:t>
+            </a:r>
+            <a:r>
+              <a:rPr lang="he-IL" b="1" i="0" dirty="0">
+                <a:solidFill>
+                  <a:srgbClr val="29261B"/>
+                </a:solidFill>
+                <a:effectLst/>
+                <a:latin typeface="__tiempos_b6f14e"/>
+              </a:rPr>
+              <a:t>?</a:t>
+            </a:r>
+          </a:p>
+          <a:p>
+            <a:pPr algn="r" rtl="1">
+              <a:buFont typeface="Arial" panose="020B0604020202020204" pitchFamily="34" charset="0"/>
+              <a:buChar char="•"/>
+            </a:pPr>
+            <a:r>
+              <a:rPr lang="he-IL" b="0" i="0" dirty="0">
+                <a:solidFill>
+                  <a:srgbClr val="29261B"/>
+                </a:solidFill>
+                <a:effectLst/>
+                <a:latin typeface="__tiempos_b6f14e"/>
+              </a:rPr>
+              <a:t>טבלת </a:t>
+            </a:r>
+            <a:r>
+              <a:rPr lang="he-IL" b="0" i="0" dirty="0" err="1">
+                <a:solidFill>
+                  <a:srgbClr val="29261B"/>
+                </a:solidFill>
+                <a:effectLst/>
+                <a:latin typeface="__tiempos_b6f14e"/>
+              </a:rPr>
+              <a:t>אסקי</a:t>
+            </a:r>
+            <a:r>
+              <a:rPr lang="he-IL" b="0" i="0" dirty="0">
+                <a:solidFill>
+                  <a:srgbClr val="29261B"/>
+                </a:solidFill>
+                <a:effectLst/>
+                <a:latin typeface="__tiempos_b6f14e"/>
+              </a:rPr>
+              <a:t> (</a:t>
+            </a:r>
+            <a:r>
+              <a:rPr lang="en-US" b="0" i="0" dirty="0">
+                <a:solidFill>
+                  <a:srgbClr val="29261B"/>
+                </a:solidFill>
+                <a:effectLst/>
+                <a:latin typeface="__tiempos_b6f14e"/>
+              </a:rPr>
+              <a:t> (ASCII</a:t>
+            </a:r>
+            <a:r>
+              <a:rPr lang="he-IL" b="0" i="0" dirty="0">
+                <a:solidFill>
+                  <a:srgbClr val="29261B"/>
+                </a:solidFill>
+                <a:effectLst/>
+                <a:latin typeface="__tiempos_b6f14e"/>
+              </a:rPr>
+              <a:t>היא קידוד תקני של 128 סמלים עבור מחשבים וציוד תקשורת נתונים</a:t>
+            </a:r>
+          </a:p>
+          <a:p>
+            <a:pPr algn="r" rtl="1">
+              <a:buFont typeface="Arial" panose="020B0604020202020204" pitchFamily="34" charset="0"/>
+              <a:buChar char="•"/>
+            </a:pPr>
+            <a:r>
+              <a:rPr lang="he-IL" b="0" i="0" dirty="0">
+                <a:solidFill>
+                  <a:srgbClr val="29261B"/>
+                </a:solidFill>
+                <a:effectLst/>
+                <a:latin typeface="__tiempos_b6f14e"/>
+              </a:rPr>
+              <a:t>כל תו מיוצג על ידי מספר בינארי בן 7 ביטים (0-127)</a:t>
+            </a:r>
+          </a:p>
+          <a:p>
+            <a:pPr algn="r" rtl="1">
+              <a:buFont typeface="Arial" panose="020B0604020202020204" pitchFamily="34" charset="0"/>
+              <a:buChar char="•"/>
+            </a:pPr>
+            <a:r>
+              <a:rPr lang="he-IL" b="0" i="0" dirty="0">
+                <a:solidFill>
+                  <a:srgbClr val="29261B"/>
+                </a:solidFill>
+                <a:effectLst/>
+                <a:latin typeface="__tiempos_b6f14e"/>
+              </a:rPr>
+              <a:t>התקן ב-1963 על ידי ועדה של המוסד האמריקאי לתקינה </a:t>
+            </a:r>
+            <a:r>
+              <a:rPr lang="en-US" dirty="0">
+                <a:solidFill>
+                  <a:srgbClr val="29261B"/>
+                </a:solidFill>
+                <a:latin typeface="__tiempos_b6f14e"/>
+              </a:rPr>
+              <a:t>(</a:t>
+            </a:r>
+            <a:r>
+              <a:rPr lang="en-US" b="0" i="0" dirty="0">
+                <a:solidFill>
+                  <a:srgbClr val="29261B"/>
+                </a:solidFill>
+                <a:effectLst/>
+                <a:latin typeface="__tiempos_b6f14e"/>
+              </a:rPr>
+              <a:t>ANSI)</a:t>
+            </a:r>
+          </a:p>
+          <a:p>
+            <a:pPr algn="r" rtl="1"/>
+            <a:endParaRPr lang="en-US" b="1" i="0" dirty="0">
+              <a:solidFill>
+                <a:srgbClr val="29261B"/>
+              </a:solidFill>
+              <a:effectLst/>
+              <a:latin typeface="__tiempos_b6f14e"/>
+            </a:endParaRPr>
+          </a:p>
+          <a:p>
+            <a:pPr algn="r" rtl="1"/>
+            <a:endParaRPr lang="en-US" b="1" i="0" dirty="0">
+              <a:solidFill>
+                <a:srgbClr val="29261B"/>
+              </a:solidFill>
+              <a:effectLst/>
+              <a:latin typeface="__tiempos_b6f14e"/>
+            </a:endParaRPr>
+          </a:p>
+          <a:p>
+            <a:pPr algn="r" rtl="1"/>
+            <a:endParaRPr lang="en-US" dirty="0"/>
+          </a:p>
+        </p:txBody>
+      </p:sp>
+      <p:sp>
+        <p:nvSpPr>
+          <p:cNvPr id="14" name="תיבת טקסט 13">
+            <a:extLst>
+              <a:ext uri="{FF2B5EF4-FFF2-40B4-BE49-F238E27FC236}">
+                <a16:creationId xmlns:a16="http://schemas.microsoft.com/office/drawing/2014/main" id="{56BA149B-864D-F65A-42EB-AB977710F586}"/>
+              </a:ext>
+            </a:extLst>
+          </p:cNvPr>
+          <p:cNvSpPr txBox="1"/>
+          <p:nvPr/>
+        </p:nvSpPr>
+        <p:spPr>
+          <a:xfrm>
+            <a:off x="-605927" y="2921399"/>
+            <a:ext cx="6103344" cy="2954783"/>
+          </a:xfrm>
+          <a:prstGeom prst="rect">
+            <a:avLst/>
+          </a:prstGeom>
+          <a:noFill/>
+        </p:spPr>
+        <p:txBody>
+          <a:bodyPr wrap="square">
+            <a:spAutoFit/>
+          </a:bodyPr>
+          <a:lstStyle/>
+          <a:p>
+            <a:pPr algn="r" rtl="1">
+              <a:lnSpc>
+                <a:spcPct val="150000"/>
+              </a:lnSpc>
+            </a:pPr>
+            <a:r>
+              <a:rPr lang="he-IL" b="1" i="0" dirty="0">
+                <a:solidFill>
+                  <a:srgbClr val="29261B"/>
+                </a:solidFill>
+                <a:effectLst/>
+                <a:latin typeface="__tiempos_b6f14e"/>
+              </a:rPr>
+              <a:t>יתרונות טבלת </a:t>
+            </a:r>
+            <a:r>
+              <a:rPr lang="he-IL" b="1" i="0" dirty="0" err="1">
+                <a:solidFill>
+                  <a:srgbClr val="29261B"/>
+                </a:solidFill>
+                <a:effectLst/>
+                <a:latin typeface="__tiempos_b6f14e"/>
+              </a:rPr>
+              <a:t>אסקי</a:t>
+            </a:r>
+            <a:r>
+              <a:rPr lang="he-IL" b="1" i="0" dirty="0">
+                <a:solidFill>
+                  <a:srgbClr val="29261B"/>
+                </a:solidFill>
+                <a:effectLst/>
+                <a:latin typeface="__tiempos_b6f14e"/>
+              </a:rPr>
+              <a:t>:</a:t>
+            </a:r>
+          </a:p>
+          <a:p>
+            <a:pPr algn="r" rtl="1">
+              <a:lnSpc>
+                <a:spcPct val="150000"/>
+              </a:lnSpc>
+              <a:buFont typeface="Arial" panose="020B0604020202020204" pitchFamily="34" charset="0"/>
+              <a:buChar char="•"/>
+            </a:pPr>
+            <a:r>
+              <a:rPr lang="he-IL" b="0" i="0" dirty="0">
+                <a:solidFill>
+                  <a:srgbClr val="29261B"/>
+                </a:solidFill>
+                <a:effectLst/>
+                <a:latin typeface="__tiempos_b6f14e"/>
+              </a:rPr>
+              <a:t>סטנדרטיזציה להחלפת נתונים בין מערכות שונות</a:t>
+            </a:r>
+          </a:p>
+          <a:p>
+            <a:pPr algn="r" rtl="1">
+              <a:lnSpc>
+                <a:spcPct val="150000"/>
+              </a:lnSpc>
+              <a:buFont typeface="Arial" panose="020B0604020202020204" pitchFamily="34" charset="0"/>
+              <a:buChar char="•"/>
+            </a:pPr>
+            <a:r>
+              <a:rPr lang="he-IL" b="0" i="0" dirty="0">
+                <a:solidFill>
+                  <a:srgbClr val="29261B"/>
+                </a:solidFill>
+                <a:effectLst/>
+                <a:latin typeface="__tiempos_b6f14e"/>
+              </a:rPr>
+              <a:t>פשטות וקלות לזיכרון וקידוד/פענוח</a:t>
+            </a:r>
+          </a:p>
+          <a:p>
+            <a:pPr algn="r" rtl="1">
+              <a:lnSpc>
+                <a:spcPct val="150000"/>
+              </a:lnSpc>
+              <a:buFont typeface="Arial" panose="020B0604020202020204" pitchFamily="34" charset="0"/>
+              <a:buChar char="•"/>
+            </a:pPr>
+            <a:r>
+              <a:rPr lang="he-IL" b="0" i="0" dirty="0">
+                <a:solidFill>
+                  <a:srgbClr val="29261B"/>
+                </a:solidFill>
+                <a:effectLst/>
+                <a:latin typeface="__tiempos_b6f14e"/>
+              </a:rPr>
+              <a:t>נפוצה ורווחת בשימוש</a:t>
+            </a:r>
+          </a:p>
+          <a:p>
+            <a:pPr algn="r" rtl="1">
+              <a:lnSpc>
+                <a:spcPct val="150000"/>
+              </a:lnSpc>
+            </a:pPr>
+            <a:r>
+              <a:rPr lang="he-IL" b="1" i="0" dirty="0">
+                <a:solidFill>
+                  <a:srgbClr val="29261B"/>
+                </a:solidFill>
+                <a:effectLst/>
+                <a:latin typeface="__tiempos_b6f14e"/>
+              </a:rPr>
+              <a:t>מגבלות טבלת </a:t>
+            </a:r>
+            <a:r>
+              <a:rPr lang="he-IL" b="1" i="0" dirty="0" err="1">
+                <a:solidFill>
+                  <a:srgbClr val="29261B"/>
+                </a:solidFill>
+                <a:effectLst/>
+                <a:latin typeface="__tiempos_b6f14e"/>
+              </a:rPr>
+              <a:t>אסקי</a:t>
+            </a:r>
+            <a:r>
+              <a:rPr lang="he-IL" b="1" i="0" dirty="0">
+                <a:solidFill>
+                  <a:srgbClr val="29261B"/>
+                </a:solidFill>
+                <a:effectLst/>
+                <a:latin typeface="__tiempos_b6f14e"/>
+              </a:rPr>
+              <a:t>:</a:t>
+            </a:r>
+          </a:p>
+          <a:p>
+            <a:pPr algn="r" rtl="1">
+              <a:lnSpc>
+                <a:spcPct val="150000"/>
+              </a:lnSpc>
+              <a:buFont typeface="Arial" panose="020B0604020202020204" pitchFamily="34" charset="0"/>
+              <a:buChar char="•"/>
+            </a:pPr>
+            <a:r>
+              <a:rPr lang="he-IL" b="0" i="0" dirty="0">
+                <a:solidFill>
+                  <a:srgbClr val="29261B"/>
+                </a:solidFill>
+                <a:effectLst/>
+                <a:latin typeface="__tiempos_b6f14e"/>
+              </a:rPr>
+              <a:t>תומכת רק ב-128 תווים</a:t>
+            </a:r>
+          </a:p>
+          <a:p>
+            <a:pPr algn="r" rtl="1">
+              <a:lnSpc>
+                <a:spcPct val="150000"/>
+              </a:lnSpc>
+              <a:buFont typeface="Arial" panose="020B0604020202020204" pitchFamily="34" charset="0"/>
+              <a:buChar char="•"/>
+            </a:pPr>
+            <a:r>
+              <a:rPr lang="he-IL" b="0" i="0" dirty="0">
+                <a:solidFill>
+                  <a:srgbClr val="29261B"/>
+                </a:solidFill>
+                <a:effectLst/>
+                <a:latin typeface="__tiempos_b6f14e"/>
+              </a:rPr>
+              <a:t>ללא תמיכה בשפות שאינן אנגלית</a:t>
+            </a:r>
+          </a:p>
+        </p:txBody>
+      </p:sp>
+      <p:sp>
+        <p:nvSpPr>
+          <p:cNvPr id="19" name="תיבת טקסט 18">
+            <a:extLst>
+              <a:ext uri="{FF2B5EF4-FFF2-40B4-BE49-F238E27FC236}">
+                <a16:creationId xmlns:a16="http://schemas.microsoft.com/office/drawing/2014/main" id="{1073B467-A58B-06C7-634B-DA1BCED0FBE0}"/>
+              </a:ext>
+            </a:extLst>
+          </p:cNvPr>
+          <p:cNvSpPr txBox="1"/>
+          <p:nvPr/>
+        </p:nvSpPr>
+        <p:spPr>
+          <a:xfrm>
+            <a:off x="3313323" y="2921676"/>
+            <a:ext cx="6318172" cy="2123787"/>
+          </a:xfrm>
+          <a:prstGeom prst="rect">
+            <a:avLst/>
+          </a:prstGeom>
+          <a:noFill/>
+        </p:spPr>
+        <p:txBody>
+          <a:bodyPr wrap="square">
+            <a:spAutoFit/>
+          </a:bodyPr>
+          <a:lstStyle/>
+          <a:p>
+            <a:pPr algn="r" rtl="1">
+              <a:lnSpc>
+                <a:spcPct val="150000"/>
+              </a:lnSpc>
+            </a:pPr>
+            <a:r>
+              <a:rPr lang="he-IL" b="1" i="0" dirty="0">
+                <a:solidFill>
+                  <a:srgbClr val="29261B"/>
+                </a:solidFill>
+                <a:effectLst/>
+                <a:latin typeface="__tiempos_b6f14e"/>
+              </a:rPr>
+              <a:t>דוגמאות לייצוג תווים בטבלת </a:t>
+            </a:r>
+            <a:r>
+              <a:rPr lang="he-IL" b="1" i="0" dirty="0" err="1">
+                <a:solidFill>
+                  <a:srgbClr val="29261B"/>
+                </a:solidFill>
+                <a:effectLst/>
+                <a:latin typeface="__tiempos_b6f14e"/>
+              </a:rPr>
+              <a:t>אסקי</a:t>
+            </a:r>
+            <a:r>
+              <a:rPr lang="he-IL" b="1" i="0" dirty="0">
+                <a:solidFill>
+                  <a:srgbClr val="29261B"/>
+                </a:solidFill>
+                <a:effectLst/>
+                <a:latin typeface="__tiempos_b6f14e"/>
+              </a:rPr>
+              <a:t>:</a:t>
+            </a:r>
+          </a:p>
+          <a:p>
+            <a:pPr algn="r" rtl="1">
+              <a:lnSpc>
+                <a:spcPct val="150000"/>
+              </a:lnSpc>
+              <a:buFont typeface="Arial" panose="020B0604020202020204" pitchFamily="34" charset="0"/>
+              <a:buChar char="•"/>
+            </a:pPr>
+            <a:r>
+              <a:rPr lang="en-US" b="0" i="0" dirty="0">
+                <a:solidFill>
+                  <a:srgbClr val="29261B"/>
+                </a:solidFill>
+                <a:effectLst/>
+                <a:latin typeface="__tiempos_b6f14e"/>
+              </a:rPr>
+              <a:t>A = 65</a:t>
+            </a:r>
+          </a:p>
+          <a:p>
+            <a:pPr algn="r" rtl="1">
+              <a:lnSpc>
+                <a:spcPct val="150000"/>
+              </a:lnSpc>
+              <a:buFont typeface="Arial" panose="020B0604020202020204" pitchFamily="34" charset="0"/>
+              <a:buChar char="•"/>
+            </a:pPr>
+            <a:r>
+              <a:rPr lang="en-US" b="0" i="0" dirty="0">
+                <a:solidFill>
+                  <a:srgbClr val="29261B"/>
+                </a:solidFill>
+                <a:effectLst/>
+                <a:latin typeface="__tiempos_b6f14e"/>
+              </a:rPr>
+              <a:t>a = 97</a:t>
+            </a:r>
+          </a:p>
+          <a:p>
+            <a:pPr algn="r" rtl="1">
+              <a:lnSpc>
+                <a:spcPct val="150000"/>
+              </a:lnSpc>
+              <a:buFont typeface="Arial" panose="020B0604020202020204" pitchFamily="34" charset="0"/>
+              <a:buChar char="•"/>
+            </a:pPr>
+            <a:r>
+              <a:rPr lang="en-US" b="0" i="0" dirty="0">
+                <a:solidFill>
+                  <a:srgbClr val="29261B"/>
+                </a:solidFill>
+                <a:effectLst/>
+                <a:latin typeface="__tiempos_b6f14e"/>
+              </a:rPr>
+              <a:t>0 = 48</a:t>
+            </a:r>
+          </a:p>
+          <a:p>
+            <a:pPr algn="r" rtl="1">
+              <a:lnSpc>
+                <a:spcPct val="150000"/>
+              </a:lnSpc>
+              <a:buFont typeface="Arial" panose="020B0604020202020204" pitchFamily="34" charset="0"/>
+              <a:buChar char="•"/>
+            </a:pPr>
+            <a:r>
+              <a:rPr lang="he-IL" b="0" i="0" dirty="0">
+                <a:solidFill>
+                  <a:srgbClr val="29261B"/>
+                </a:solidFill>
+                <a:effectLst/>
+                <a:latin typeface="__tiempos_b6f14e"/>
+              </a:rPr>
+              <a:t>רווח = 32</a:t>
+            </a:r>
+          </a:p>
+        </p:txBody>
+      </p:sp>
+    </p:spTree>
+    <p:extLst>
+      <p:ext uri="{BB962C8B-B14F-4D97-AF65-F5344CB8AC3E}">
+        <p14:creationId xmlns:p14="http://schemas.microsoft.com/office/powerpoint/2010/main" val="1481262162"/>
+      </p:ext>
+    </p:extLst>
+  </p:cSld>
+  <p:clrMapOvr>
+    <a:masterClrMapping/>
+  </p:clrMapOvr>
+</p:sld>
+</file>
+
+<file path=ppt/slides/slide4.xml><?xml version="1.0" encoding="utf-8"?>
+<p:sld xmlns:a="http://schemas.openxmlformats.org/drawingml/2006/main" xmlns:r="http://schemas.openxmlformats.org/officeDocument/2006/relationships" xmlns:p="http://schemas.openxmlformats.org/presentationml/2006/main">
+  <p:cSld>
+    <p:spTree>
+      <p:nvGrpSpPr>
+        <p:cNvPr id="1" name=""/>
+        <p:cNvGrpSpPr/>
+        <p:nvPr/>
+      </p:nvGrpSpPr>
+      <p:grpSpPr>
+        <a:xfrm>
+          <a:off x="0" y="0"/>
+          <a:ext cx="0" cy="0"/>
+          <a:chOff x="0" y="0"/>
+          <a:chExt cx="0" cy="0"/>
+        </a:xfrm>
+      </p:grpSpPr>
+      <p:pic>
+        <p:nvPicPr>
+          <p:cNvPr id="16" name="תמונה 15" descr="תמונה שמכילה צילום מסך, טקסט, גופן&#10;&#10;התיאור נוצר באופן אוטומטי">
+            <a:extLst>
+              <a:ext uri="{FF2B5EF4-FFF2-40B4-BE49-F238E27FC236}">
+                <a16:creationId xmlns:a16="http://schemas.microsoft.com/office/drawing/2014/main" id="{3C60D677-6FDE-52B5-AB26-41BB34406C3D}"/>
+              </a:ext>
+            </a:extLst>
+          </p:cNvPr>
+          <p:cNvPicPr>
+            <a:picLocks noChangeAspect="1"/>
+          </p:cNvPicPr>
+          <p:nvPr/>
+        </p:nvPicPr>
+        <p:blipFill>
+          <a:blip r:embed="rId2">
+            <a:extLst>
+              <a:ext uri="{28A0092B-C50C-407E-A947-70E740481C1C}">
+                <a14:useLocalDpi xmlns:a14="http://schemas.microsoft.com/office/drawing/2010/main" val="0"/>
+              </a:ext>
+              <a:ext uri="{837473B0-CC2E-450A-ABE3-18F120FF3D39}">
+                <a1611:picAttrSrcUrl xmlns:a1611="http://schemas.microsoft.com/office/drawing/2016/11/main" r:id="rId3"/>
+              </a:ext>
+            </a:extLst>
+          </a:blip>
+          <a:stretch>
+            <a:fillRect/>
+          </a:stretch>
+        </p:blipFill>
+        <p:spPr>
+          <a:xfrm>
+            <a:off x="1194804" y="1941573"/>
+            <a:ext cx="12205255" cy="3205686"/>
+          </a:xfrm>
+          <a:prstGeom prst="rect">
+            <a:avLst/>
+          </a:prstGeom>
+          <a:ln>
+            <a:noFill/>
+          </a:ln>
+          <a:effectLst>
+            <a:reflection blurRad="12700" stA="30000" endPos="30000" dist="5000" dir="5400000" sy="-100000" algn="bl" rotWithShape="0"/>
+          </a:effectLst>
+          <a:scene3d>
+            <a:camera prst="perspectiveContrastingLeftFacing">
+              <a:rot lat="300000" lon="19800000" rev="0"/>
+            </a:camera>
+            <a:lightRig rig="threePt" dir="t">
+              <a:rot lat="0" lon="0" rev="2700000"/>
+            </a:lightRig>
+          </a:scene3d>
+          <a:sp3d>
+            <a:bevelT w="63500" h="50800"/>
+          </a:sp3d>
+        </p:spPr>
+      </p:pic>
+      <p:sp>
+        <p:nvSpPr>
+          <p:cNvPr id="17" name="תיבת טקסט 16">
+            <a:extLst>
+              <a:ext uri="{FF2B5EF4-FFF2-40B4-BE49-F238E27FC236}">
+                <a16:creationId xmlns:a16="http://schemas.microsoft.com/office/drawing/2014/main" id="{EC6D8B1A-DA82-1805-1433-07C1C31BCCBB}"/>
+              </a:ext>
+            </a:extLst>
+          </p:cNvPr>
+          <p:cNvSpPr txBox="1"/>
+          <p:nvPr/>
+        </p:nvSpPr>
+        <p:spPr>
+          <a:xfrm>
+            <a:off x="432804" y="4916427"/>
+            <a:ext cx="11326391" cy="230832"/>
+          </a:xfrm>
+          <a:prstGeom prst="rect">
+            <a:avLst/>
+          </a:prstGeom>
+          <a:noFill/>
+        </p:spPr>
+        <p:txBody>
+          <a:bodyPr wrap="square" rtlCol="0">
+            <a:spAutoFit/>
+          </a:bodyPr>
+          <a:lstStyle/>
+          <a:p>
+            <a:r>
+              <a:rPr lang="en-US" sz="900">
+                <a:hlinkClick r:id="rId3" tooltip="https://archives.lyceum.fr/2017-2018/icn/2-images-numeriques/5-ascii-art/"/>
+              </a:rPr>
+              <a:t>תמונה זו</a:t>
+            </a:r>
+            <a:r>
+              <a:rPr lang="en-US" sz="900"/>
+              <a:t> מאת מחבר לא ידוע ניתן ברשיון במסגרת </a:t>
+            </a:r>
+            <a:r>
+              <a:rPr lang="en-US" sz="900">
+                <a:hlinkClick r:id="rId4" tooltip="https://creativecommons.org/licenses/by-sa/3.0/"/>
+              </a:rPr>
+              <a:t>CC BY-SA</a:t>
+            </a:r>
+            <a:endParaRPr lang="en-US" sz="900"/>
+          </a:p>
+        </p:txBody>
+      </p:sp>
+    </p:spTree>
+    <p:extLst>
+      <p:ext uri="{BB962C8B-B14F-4D97-AF65-F5344CB8AC3E}">
+        <p14:creationId xmlns:p14="http://schemas.microsoft.com/office/powerpoint/2010/main" val="4148133651"/>
+      </p:ext>
+    </p:extLst>
+  </p:cSld>
+  <p:clrMapOvr>
+    <a:masterClrMapping/>
+  </p:clrMapOvr>
+</p:sld>
+</file>
+
+<file path=ppt/slides/slide5.xml><?xml version="1.0" encoding="utf-8"?>
+<p:sld xmlns:a="http://schemas.openxmlformats.org/drawingml/2006/main" xmlns:r="http://schemas.openxmlformats.org/officeDocument/2006/relationships" xmlns:p="http://schemas.openxmlformats.org/presentationml/2006/main">
+  <p:cSld>
+    <p:spTree>
+      <p:nvGrpSpPr>
+        <p:cNvPr id="1" name=""/>
+        <p:cNvGrpSpPr/>
+        <p:nvPr/>
+      </p:nvGrpSpPr>
+      <p:grpSpPr>
+        <a:xfrm>
+          <a:off x="0" y="0"/>
+          <a:ext cx="0" cy="0"/>
+          <a:chOff x="0" y="0"/>
+          <a:chExt cx="0" cy="0"/>
+        </a:xfrm>
+      </p:grpSpPr>
+      <p:sp>
+        <p:nvSpPr>
+          <p:cNvPr id="2" name="כותרת 1">
+            <a:extLst>
+              <a:ext uri="{FF2B5EF4-FFF2-40B4-BE49-F238E27FC236}">
+                <a16:creationId xmlns:a16="http://schemas.microsoft.com/office/drawing/2014/main" id="{23568A24-1EE3-D3BF-0D70-1DB9C536A252}"/>
+              </a:ext>
+            </a:extLst>
+          </p:cNvPr>
+          <p:cNvSpPr>
+            <a:spLocks noGrp="1"/>
+          </p:cNvSpPr>
+          <p:nvPr>
+            <p:ph type="title"/>
+          </p:nvPr>
+        </p:nvSpPr>
+        <p:spPr/>
+        <p:txBody>
+          <a:bodyPr/>
+          <a:lstStyle/>
+          <a:p>
+            <a:pPr algn="r" rtl="1"/>
+            <a:r>
+              <a:rPr lang="he-IL" b="1" i="0" dirty="0">
+                <a:solidFill>
+                  <a:srgbClr val="29261B"/>
+                </a:solidFill>
+                <a:effectLst/>
+                <a:latin typeface="__tiempos_b6f14e"/>
+              </a:rPr>
+              <a:t>מערכים בג'אווה</a:t>
+            </a:r>
+            <a:br>
+              <a:rPr lang="he-IL" b="1" i="0" dirty="0">
+                <a:solidFill>
+                  <a:srgbClr val="29261B"/>
+                </a:solidFill>
+                <a:effectLst/>
+                <a:latin typeface="__tiempos_b6f14e"/>
+              </a:rPr>
+            </a:br>
+            <a:endParaRPr lang="en-US" dirty="0"/>
+          </a:p>
+        </p:txBody>
+      </p:sp>
+      <p:sp>
+        <p:nvSpPr>
+          <p:cNvPr id="5" name="מציין מיקום תוכן 4">
+            <a:extLst>
+              <a:ext uri="{FF2B5EF4-FFF2-40B4-BE49-F238E27FC236}">
+                <a16:creationId xmlns:a16="http://schemas.microsoft.com/office/drawing/2014/main" id="{A5459119-3DB4-E191-D0E0-BC00BD80C2BC}"/>
+              </a:ext>
+            </a:extLst>
+          </p:cNvPr>
+          <p:cNvSpPr>
+            <a:spLocks noGrp="1"/>
+          </p:cNvSpPr>
+          <p:nvPr>
+            <p:ph idx="1"/>
+          </p:nvPr>
+        </p:nvSpPr>
+        <p:spPr>
+          <a:xfrm>
+            <a:off x="3538330" y="1379331"/>
+            <a:ext cx="6516231" cy="4750904"/>
+          </a:xfrm>
+        </p:spPr>
+        <p:txBody>
+          <a:bodyPr>
+            <a:normAutofit fontScale="92500" lnSpcReduction="20000"/>
+          </a:bodyPr>
+          <a:lstStyle/>
+          <a:p>
+            <a:pPr marL="0" indent="0" algn="r" rtl="1">
+              <a:lnSpc>
+                <a:spcPct val="120000"/>
+              </a:lnSpc>
+              <a:buNone/>
+            </a:pPr>
+            <a:r>
+              <a:rPr lang="he-IL" sz="1600" dirty="0"/>
+              <a:t>מערך הוא מבנה נתונים המכיל קבוצה של ערכים מאותו הסוג</a:t>
+            </a:r>
+          </a:p>
+          <a:p>
+            <a:pPr marL="0" indent="0" algn="r" rtl="1">
+              <a:lnSpc>
+                <a:spcPct val="120000"/>
+              </a:lnSpc>
+              <a:buNone/>
+            </a:pPr>
+            <a:r>
+              <a:rPr lang="he-IL" sz="1600" dirty="0"/>
+              <a:t>כל אלמנט במערך מזוהה על ידי אינדקס (מספר שלם חיובי)</a:t>
+            </a:r>
+          </a:p>
+          <a:p>
+            <a:pPr marL="0" indent="0" algn="r" rtl="1">
+              <a:lnSpc>
+                <a:spcPct val="120000"/>
+              </a:lnSpc>
+              <a:buNone/>
+            </a:pPr>
+            <a:r>
+              <a:rPr lang="he-IL" sz="1600" dirty="0"/>
+              <a:t>המערך מקצה זיכרון מראש לכל האלמנטים שלו</a:t>
+            </a:r>
+          </a:p>
+          <a:p>
+            <a:pPr marL="0" indent="0" algn="r" rtl="1">
+              <a:lnSpc>
+                <a:spcPct val="120000"/>
+              </a:lnSpc>
+              <a:buNone/>
+            </a:pPr>
+            <a:r>
+              <a:rPr lang="he-IL" sz="1600" dirty="0"/>
+              <a:t>מתודות שימושיות</a:t>
+            </a:r>
+          </a:p>
+          <a:p>
+            <a:pPr marL="0" indent="0" algn="r" rtl="1">
+              <a:lnSpc>
+                <a:spcPct val="120000"/>
+              </a:lnSpc>
+              <a:buNone/>
+            </a:pPr>
+            <a:r>
+              <a:rPr lang="en-US" sz="1600" dirty="0"/>
+              <a:t> length - </a:t>
+            </a:r>
+            <a:r>
+              <a:rPr lang="he-IL" sz="1600" dirty="0"/>
+              <a:t>מחזירה את אורך המערך</a:t>
+            </a:r>
+          </a:p>
+          <a:p>
+            <a:pPr marL="0" indent="0" algn="r" rtl="1">
+              <a:lnSpc>
+                <a:spcPct val="120000"/>
+              </a:lnSpc>
+              <a:buNone/>
+            </a:pPr>
+            <a:r>
+              <a:rPr lang="en-US" sz="1600" dirty="0" err="1"/>
+              <a:t>Arrays.toString</a:t>
+            </a:r>
+            <a:r>
+              <a:rPr lang="en-US" sz="1600" dirty="0"/>
+              <a:t>() - </a:t>
+            </a:r>
+            <a:r>
+              <a:rPr lang="he-IL" sz="1600" dirty="0"/>
+              <a:t>מחזירה ייצוג מחרוזת של המערך</a:t>
+            </a:r>
+          </a:p>
+          <a:p>
+            <a:pPr marL="0" indent="0" algn="r" rtl="1">
+              <a:lnSpc>
+                <a:spcPct val="120000"/>
+              </a:lnSpc>
+              <a:buNone/>
+            </a:pPr>
+            <a:r>
+              <a:rPr lang="he-IL" sz="1600" b="1" dirty="0"/>
+              <a:t>יתרונות</a:t>
+            </a:r>
+          </a:p>
+          <a:p>
+            <a:pPr marL="0" indent="0" algn="r" rtl="1">
+              <a:lnSpc>
+                <a:spcPct val="120000"/>
+              </a:lnSpc>
+              <a:buNone/>
+            </a:pPr>
+            <a:r>
+              <a:rPr lang="he-IL" sz="1600" dirty="0"/>
+              <a:t>מאפשר עיבוד של קבוצה של נתונים מאותו סוג</a:t>
+            </a:r>
+          </a:p>
+          <a:p>
+            <a:pPr marL="0" indent="0" algn="r" rtl="1">
+              <a:lnSpc>
+                <a:spcPct val="120000"/>
+              </a:lnSpc>
+              <a:buNone/>
+            </a:pPr>
+            <a:r>
+              <a:rPr lang="he-IL" sz="1600" dirty="0"/>
+              <a:t>שליפה וגישה מהירה לפריטי נתונים</a:t>
+            </a:r>
+          </a:p>
+          <a:p>
+            <a:pPr marL="0" indent="0" algn="r" rtl="1">
+              <a:lnSpc>
+                <a:spcPct val="120000"/>
+              </a:lnSpc>
+              <a:buNone/>
+            </a:pPr>
+            <a:r>
+              <a:rPr lang="he-IL" sz="1600" dirty="0"/>
+              <a:t>אורך המערך יכול להשתנות (בג'אווה)</a:t>
+            </a:r>
+          </a:p>
+          <a:p>
+            <a:pPr marL="0" indent="0" algn="r" rtl="1">
+              <a:lnSpc>
+                <a:spcPct val="120000"/>
+              </a:lnSpc>
+              <a:buNone/>
+            </a:pPr>
+            <a:r>
+              <a:rPr lang="he-IL" sz="1600" b="1" dirty="0"/>
+              <a:t>חסרונות</a:t>
+            </a:r>
+          </a:p>
+          <a:p>
+            <a:pPr marL="0" indent="0" algn="r" rtl="1">
+              <a:lnSpc>
+                <a:spcPct val="120000"/>
+              </a:lnSpc>
+              <a:buNone/>
+            </a:pPr>
+            <a:r>
+              <a:rPr lang="he-IL" sz="1600" dirty="0"/>
+              <a:t>גודל קבוע בזמן הרצה (במקרים מסוימים)</a:t>
+            </a:r>
+          </a:p>
+          <a:p>
+            <a:pPr marL="0" indent="0" algn="r" rtl="1">
+              <a:lnSpc>
+                <a:spcPct val="120000"/>
+              </a:lnSpc>
+              <a:buNone/>
+            </a:pPr>
+            <a:r>
+              <a:rPr lang="he-IL" sz="1600" dirty="0"/>
+              <a:t>חייב לדעת סוג המידע מראש</a:t>
+            </a:r>
+            <a:endParaRPr lang="en-US" sz="1600" dirty="0"/>
+          </a:p>
+        </p:txBody>
+      </p:sp>
+      <p:sp>
+        <p:nvSpPr>
+          <p:cNvPr id="14" name="תיבת טקסט 13">
+            <a:extLst>
+              <a:ext uri="{FF2B5EF4-FFF2-40B4-BE49-F238E27FC236}">
+                <a16:creationId xmlns:a16="http://schemas.microsoft.com/office/drawing/2014/main" id="{81A929D3-02ED-CA7B-BA64-C787E686C966}"/>
+              </a:ext>
+            </a:extLst>
+          </p:cNvPr>
+          <p:cNvSpPr txBox="1"/>
+          <p:nvPr/>
+        </p:nvSpPr>
+        <p:spPr>
+          <a:xfrm>
+            <a:off x="318052" y="727765"/>
+            <a:ext cx="4154557" cy="1754326"/>
+          </a:xfrm>
+          <a:prstGeom prst="rect">
+            <a:avLst/>
+          </a:prstGeom>
+        </p:spPr>
+        <p:style>
+          <a:lnRef idx="1">
+            <a:schemeClr val="accent1"/>
+          </a:lnRef>
+          <a:fillRef idx="2">
+            <a:schemeClr val="accent1"/>
+          </a:fillRef>
+          <a:effectRef idx="1">
+            <a:schemeClr val="accent1"/>
+          </a:effectRef>
+          <a:fontRef idx="minor">
+            <a:schemeClr val="dk1"/>
+          </a:fontRef>
+        </p:style>
+        <p:txBody>
+          <a:bodyPr wrap="square">
+            <a:spAutoFit/>
+          </a:bodyPr>
+          <a:lstStyle/>
+          <a:p>
+            <a:r>
+              <a:rPr lang="en-US" dirty="0"/>
+              <a:t>// </a:t>
+            </a:r>
+            <a:r>
+              <a:rPr lang="en-US" dirty="0" err="1"/>
+              <a:t>סוג</a:t>
+            </a:r>
+            <a:r>
+              <a:rPr lang="en-US" dirty="0"/>
+              <a:t>[] </a:t>
+            </a:r>
+            <a:r>
+              <a:rPr lang="en-US" dirty="0" err="1"/>
+              <a:t>שם</a:t>
+            </a:r>
+            <a:r>
+              <a:rPr lang="en-US" dirty="0"/>
+              <a:t> = {ערך1, ערך2, ...};</a:t>
+            </a:r>
+          </a:p>
+          <a:p>
+            <a:r>
+              <a:rPr lang="en-US" dirty="0"/>
+              <a:t>int[] </a:t>
+            </a:r>
+            <a:r>
+              <a:rPr lang="en-US" dirty="0" err="1"/>
+              <a:t>myNumbers</a:t>
+            </a:r>
+            <a:r>
+              <a:rPr lang="en-US" dirty="0"/>
+              <a:t> = {10, 20, 30, 40};</a:t>
+            </a:r>
+          </a:p>
+          <a:p>
+            <a:endParaRPr lang="en-US" dirty="0"/>
+          </a:p>
+          <a:p>
+            <a:r>
+              <a:rPr lang="en-US" dirty="0"/>
+              <a:t>// </a:t>
+            </a:r>
+            <a:r>
+              <a:rPr lang="en-US" dirty="0" err="1"/>
+              <a:t>או</a:t>
+            </a:r>
+            <a:r>
+              <a:rPr lang="en-US" dirty="0"/>
+              <a:t> </a:t>
+            </a:r>
+          </a:p>
+          <a:p>
+            <a:r>
+              <a:rPr lang="en-US" dirty="0"/>
+              <a:t>// </a:t>
+            </a:r>
+            <a:r>
+              <a:rPr lang="en-US" dirty="0" err="1"/>
+              <a:t>סוג</a:t>
+            </a:r>
+            <a:r>
+              <a:rPr lang="en-US" dirty="0"/>
+              <a:t>[] </a:t>
+            </a:r>
+            <a:r>
+              <a:rPr lang="he-IL" dirty="0"/>
+              <a:t>ש</a:t>
+            </a:r>
+            <a:r>
+              <a:rPr lang="en-US" dirty="0"/>
+              <a:t>ם = new </a:t>
+            </a:r>
+            <a:r>
+              <a:rPr lang="en-US" dirty="0" err="1"/>
+              <a:t>סוג</a:t>
+            </a:r>
+            <a:r>
+              <a:rPr lang="en-US" dirty="0"/>
+              <a:t>[</a:t>
+            </a:r>
+            <a:r>
+              <a:rPr lang="en-US" dirty="0" err="1"/>
+              <a:t>גודל</a:t>
+            </a:r>
+            <a:r>
+              <a:rPr lang="en-US" dirty="0"/>
+              <a:t>];</a:t>
+            </a:r>
+          </a:p>
+          <a:p>
+            <a:r>
+              <a:rPr lang="en-US" dirty="0"/>
+              <a:t>int[] </a:t>
+            </a:r>
+            <a:r>
+              <a:rPr lang="en-US" dirty="0" err="1"/>
+              <a:t>myNumbers</a:t>
+            </a:r>
+            <a:r>
+              <a:rPr lang="en-US" dirty="0"/>
+              <a:t> = new int[4];</a:t>
+            </a:r>
+          </a:p>
+        </p:txBody>
+      </p:sp>
+      <p:sp>
+        <p:nvSpPr>
+          <p:cNvPr id="16" name="תיבת טקסט 15">
+            <a:extLst>
+              <a:ext uri="{FF2B5EF4-FFF2-40B4-BE49-F238E27FC236}">
+                <a16:creationId xmlns:a16="http://schemas.microsoft.com/office/drawing/2014/main" id="{F666B049-D268-4D99-F1CB-E535B8ABBCE0}"/>
+              </a:ext>
+            </a:extLst>
+          </p:cNvPr>
+          <p:cNvSpPr txBox="1"/>
+          <p:nvPr/>
+        </p:nvSpPr>
+        <p:spPr>
+          <a:xfrm>
+            <a:off x="318052" y="2819831"/>
+            <a:ext cx="4583859" cy="646331"/>
+          </a:xfrm>
+          <a:prstGeom prst="rect">
+            <a:avLst/>
+          </a:prstGeom>
+        </p:spPr>
+        <p:style>
+          <a:lnRef idx="1">
+            <a:schemeClr val="accent1"/>
+          </a:lnRef>
+          <a:fillRef idx="2">
+            <a:schemeClr val="accent1"/>
+          </a:fillRef>
+          <a:effectRef idx="1">
+            <a:schemeClr val="accent1"/>
+          </a:effectRef>
+          <a:fontRef idx="minor">
+            <a:schemeClr val="dk1"/>
+          </a:fontRef>
+        </p:style>
+        <p:txBody>
+          <a:bodyPr wrap="square">
+            <a:spAutoFit/>
+          </a:bodyPr>
+          <a:lstStyle/>
+          <a:p>
+            <a:r>
+              <a:rPr lang="en-US" dirty="0" err="1"/>
+              <a:t>System.out.println</a:t>
+            </a:r>
+            <a:r>
+              <a:rPr lang="en-US" dirty="0"/>
+              <a:t>(</a:t>
+            </a:r>
+            <a:r>
+              <a:rPr lang="en-US" dirty="0" err="1"/>
+              <a:t>myNumbers</a:t>
+            </a:r>
+            <a:r>
+              <a:rPr lang="en-US" dirty="0"/>
+              <a:t>[0]); // 10</a:t>
+            </a:r>
+          </a:p>
+          <a:p>
+            <a:r>
+              <a:rPr lang="en-US" dirty="0" err="1"/>
+              <a:t>myNumbers</a:t>
+            </a:r>
+            <a:r>
+              <a:rPr lang="en-US" dirty="0"/>
+              <a:t>[2] = 100; // </a:t>
+            </a:r>
+            <a:r>
+              <a:rPr lang="en-US" dirty="0" err="1"/>
+              <a:t>שינוי</a:t>
+            </a:r>
+            <a:r>
+              <a:rPr lang="en-US" dirty="0"/>
+              <a:t> </a:t>
+            </a:r>
+            <a:r>
+              <a:rPr lang="en-US" dirty="0" err="1"/>
+              <a:t>ערך</a:t>
+            </a:r>
+            <a:r>
+              <a:rPr lang="en-US" dirty="0"/>
+              <a:t> </a:t>
+            </a:r>
+            <a:r>
+              <a:rPr lang="en-US" dirty="0" err="1"/>
+              <a:t>במערך</a:t>
+            </a:r>
+            <a:endParaRPr lang="en-US" dirty="0"/>
+          </a:p>
+        </p:txBody>
+      </p:sp>
+    </p:spTree>
+    <p:extLst>
+      <p:ext uri="{BB962C8B-B14F-4D97-AF65-F5344CB8AC3E}">
+        <p14:creationId xmlns:p14="http://schemas.microsoft.com/office/powerpoint/2010/main" val="4155581503"/>
+      </p:ext>
+    </p:extLst>
+  </p:cSld>
+  <p:clrMapOvr>
+    <a:masterClrMapping/>
+  </p:clrMapOvr>
+</p:sld>
+</file>
+
+<file path=ppt/slides/slide6.xml><?xml version="1.0" encoding="utf-8"?>
+<p:sld xmlns:a="http://schemas.openxmlformats.org/drawingml/2006/main" xmlns:r="http://schemas.openxmlformats.org/officeDocument/2006/relationships" xmlns:p="http://schemas.openxmlformats.org/presentationml/2006/main">
+  <p:cSld>
     <p:bg>
       <p:bgPr>
         <a:solidFill>
@@ -7572,36 +11680,6 @@
           <a:chExt cx="0" cy="0"/>
         </a:xfrm>
       </p:grpSpPr>
-      <p:sp>
-        <p:nvSpPr>
-          <p:cNvPr id="2" name="כותרת 1"/>
-          <p:cNvSpPr>
-            <a:spLocks noGrp="1"/>
-          </p:cNvSpPr>
-          <p:nvPr>
-            <p:ph type="title"/>
-          </p:nvPr>
-        </p:nvSpPr>
-        <p:spPr>
-          <a:xfrm>
-            <a:off x="2849562" y="609600"/>
-            <a:ext cx="6424440" cy="1320800"/>
-          </a:xfrm>
-        </p:spPr>
-        <p:txBody>
-          <a:bodyPr>
-            <a:normAutofit/>
-          </a:bodyPr>
-          <a:lstStyle/>
-          <a:p>
-            <a:pPr algn="r" rtl="1"/>
-            <a:r>
-              <a:rPr lang="he-IL" dirty="0"/>
-              <a:t>מערכים</a:t>
-            </a:r>
-          </a:p>
-        </p:txBody>
-      </p:sp>
       <p:pic>
         <p:nvPicPr>
           <p:cNvPr id="5" name="Picture 4" descr="Close up of circuit board">
@@ -7733,8 +11811,8 @@
         </p:nvSpPr>
         <p:spPr>
           <a:xfrm>
-            <a:off x="2849562" y="2160589"/>
-            <a:ext cx="6424440" cy="3880773"/>
+            <a:off x="2911489" y="1107643"/>
+            <a:ext cx="7133056" cy="4905230"/>
           </a:xfrm>
         </p:spPr>
         <p:txBody>
@@ -7745,14 +11823,14 @@
           <a:p>
             <a:pPr algn="r" rtl="1"/>
             <a:r>
-              <a:rPr lang="he-IL" dirty="0"/>
+              <a:rPr lang="he-IL" sz="2000" dirty="0"/>
               <a:t>כל אחד מסוגי המשתנים שפגשנו, יכול להיות מערך של תאים מאותו סוג.</a:t>
             </a:r>
           </a:p>
           <a:p>
-            <a:pPr rtl="1"/>
-            <a:r>
-              <a:rPr lang="he-IL" dirty="0"/>
+            <a:pPr algn="ctr" rtl="1"/>
+            <a:r>
+              <a:rPr lang="he-IL" sz="2000" dirty="0"/>
               <a:t>דוגמות:</a:t>
             </a:r>
           </a:p>
@@ -7761,7 +11839,7 @@
               <a:buNone/>
             </a:pPr>
             <a:r>
-              <a:rPr lang="en-US" dirty="0"/>
+              <a:rPr lang="en-US" sz="2000" dirty="0"/>
               <a:t>int[] arr = new int[10]; 	//a new array named arr with 10 int cells.</a:t>
             </a:r>
           </a:p>
@@ -7770,7 +11848,7 @@
               <a:buNone/>
             </a:pPr>
             <a:r>
-              <a:rPr lang="en-US" dirty="0"/>
+              <a:rPr lang="en-US" sz="2000" dirty="0"/>
               <a:t>String manyStr = new String[6] // a new array named manyStr with 6 						String cells.</a:t>
             </a:r>
           </a:p>
@@ -7779,10 +11857,10 @@
               <a:buNone/>
             </a:pPr>
             <a:r>
-              <a:rPr lang="en-US" dirty="0"/>
+              <a:rPr lang="en-US" sz="2000" dirty="0"/>
               <a:t>boolean[] boolArr = new boolean[4] // a new array named boolArr 							with 4 boolean cells.</a:t>
             </a:r>
-            <a:endParaRPr lang="he-IL" dirty="0"/>
+            <a:endParaRPr lang="he-IL" sz="2000" dirty="0"/>
           </a:p>
         </p:txBody>
       </p:sp>
@@ -7799,7 +11877,1325 @@
 </p:sld>
 </file>
 
-<file path=ppt/slides/slide4.xml><?xml version="1.0" encoding="utf-8"?>
+<file path=ppt/slides/slide7.xml><?xml version="1.0" encoding="utf-8"?>
+<p:sld xmlns:a="http://schemas.openxmlformats.org/drawingml/2006/main" xmlns:r="http://schemas.openxmlformats.org/officeDocument/2006/relationships" xmlns:p="http://schemas.openxmlformats.org/presentationml/2006/main">
+  <p:cSld>
+    <p:bg>
+      <p:bgPr>
+        <a:solidFill>
+          <a:schemeClr val="bg1"/>
+        </a:solidFill>
+        <a:effectLst/>
+      </p:bgPr>
+    </p:bg>
+    <p:spTree>
+      <p:nvGrpSpPr>
+        <p:cNvPr id="1" name=""/>
+        <p:cNvGrpSpPr/>
+        <p:nvPr/>
+      </p:nvGrpSpPr>
+      <p:grpSpPr>
+        <a:xfrm>
+          <a:off x="0" y="0"/>
+          <a:ext cx="0" cy="0"/>
+          <a:chOff x="0" y="0"/>
+          <a:chExt cx="0" cy="0"/>
+        </a:xfrm>
+      </p:grpSpPr>
+      <p:grpSp>
+        <p:nvGrpSpPr>
+          <p:cNvPr id="11" name="Group 10">
+            <a:extLst>
+              <a:ext uri="{FF2B5EF4-FFF2-40B4-BE49-F238E27FC236}">
+                <a16:creationId xmlns:a16="http://schemas.microsoft.com/office/drawing/2014/main" id="{DDE8DE2B-61C1-46D5-BEB8-521321C182C4}"/>
+              </a:ext>
+              <a:ext uri="{C183D7F6-B498-43B3-948B-1728B52AA6E4}">
+                <adec:decorative xmlns:adec="http://schemas.microsoft.com/office/drawing/2017/decorative" val="1"/>
+              </a:ext>
+            </a:extLst>
+          </p:cNvPr>
+          <p:cNvGrpSpPr>
+            <a:grpSpLocks noGrp="1" noUngrp="1" noRot="1" noChangeAspect="1" noMove="1" noResize="1"/>
+          </p:cNvGrpSpPr>
+          <p:nvPr>
+            <p:extLst>
+              <p:ext uri="{386F3935-93C4-4BCD-93E2-E3B085C9AB24}">
+                <p16:designElem xmlns:p16="http://schemas.microsoft.com/office/powerpoint/2015/main" val="1"/>
+              </p:ext>
+            </p:extLst>
+          </p:nvPr>
+        </p:nvGrpSpPr>
+        <p:grpSpPr>
+          <a:xfrm>
+            <a:off x="0" y="-8467"/>
+            <a:ext cx="12192000" cy="6866467"/>
+            <a:chOff x="0" y="-8467"/>
+            <a:chExt cx="12192000" cy="6866467"/>
+          </a:xfrm>
+        </p:grpSpPr>
+        <p:cxnSp>
+          <p:nvCxnSpPr>
+            <p:cNvPr id="12" name="Straight Connector 11">
+              <a:extLst>
+                <a:ext uri="{FF2B5EF4-FFF2-40B4-BE49-F238E27FC236}">
+                  <a16:creationId xmlns:a16="http://schemas.microsoft.com/office/drawing/2014/main" id="{E012C92A-B902-4B69-BDCF-CCA3021FCB47}"/>
+                </a:ext>
+                <a:ext uri="{C183D7F6-B498-43B3-948B-1728B52AA6E4}">
+                  <adec:decorative xmlns:adec="http://schemas.microsoft.com/office/drawing/2017/decorative" val="1"/>
+                </a:ext>
+              </a:extLst>
+            </p:cNvPr>
+            <p:cNvCxnSpPr/>
+            <p:nvPr>
+              <p:extLst>
+                <p:ext uri="{386F3935-93C4-4BCD-93E2-E3B085C9AB24}">
+                  <p16:designElem xmlns:p16="http://schemas.microsoft.com/office/powerpoint/2015/main" val="1"/>
+                </p:ext>
+              </p:extLst>
+            </p:nvPr>
+          </p:nvCxnSpPr>
+          <p:spPr>
+            <a:xfrm>
+              <a:off x="9371012" y="0"/>
+              <a:ext cx="1219200" cy="6858000"/>
+            </a:xfrm>
+            <a:prstGeom prst="line">
+              <a:avLst/>
+            </a:prstGeom>
+            <a:ln w="9525">
+              <a:solidFill>
+                <a:schemeClr val="bg1">
+                  <a:lumMod val="75000"/>
+                </a:schemeClr>
+              </a:solidFill>
+            </a:ln>
+          </p:spPr>
+          <p:style>
+            <a:lnRef idx="2">
+              <a:schemeClr val="accent1"/>
+            </a:lnRef>
+            <a:fillRef idx="0">
+              <a:schemeClr val="accent1"/>
+            </a:fillRef>
+            <a:effectRef idx="1">
+              <a:schemeClr val="accent1"/>
+            </a:effectRef>
+            <a:fontRef idx="minor">
+              <a:schemeClr val="tx1"/>
+            </a:fontRef>
+          </p:style>
+        </p:cxnSp>
+        <p:cxnSp>
+          <p:nvCxnSpPr>
+            <p:cNvPr id="13" name="Straight Connector 12">
+              <a:extLst>
+                <a:ext uri="{FF2B5EF4-FFF2-40B4-BE49-F238E27FC236}">
+                  <a16:creationId xmlns:a16="http://schemas.microsoft.com/office/drawing/2014/main" id="{A2BDBC14-42A0-4182-BFBA-0751F6350CB3}"/>
+                </a:ext>
+                <a:ext uri="{C183D7F6-B498-43B3-948B-1728B52AA6E4}">
+                  <adec:decorative xmlns:adec="http://schemas.microsoft.com/office/drawing/2017/decorative" val="1"/>
+                </a:ext>
+              </a:extLst>
+            </p:cNvPr>
+            <p:cNvCxnSpPr/>
+            <p:nvPr>
+              <p:extLst>
+                <p:ext uri="{386F3935-93C4-4BCD-93E2-E3B085C9AB24}">
+                  <p16:designElem xmlns:p16="http://schemas.microsoft.com/office/powerpoint/2015/main" val="1"/>
+                </p:ext>
+              </p:extLst>
+            </p:nvPr>
+          </p:nvCxnSpPr>
+          <p:spPr>
+            <a:xfrm flipH="1">
+              <a:off x="7425267" y="3681413"/>
+              <a:ext cx="4763558" cy="3176587"/>
+            </a:xfrm>
+            <a:prstGeom prst="line">
+              <a:avLst/>
+            </a:prstGeom>
+            <a:ln w="9525">
+              <a:solidFill>
+                <a:schemeClr val="bg1">
+                  <a:lumMod val="85000"/>
+                </a:schemeClr>
+              </a:solidFill>
+            </a:ln>
+          </p:spPr>
+          <p:style>
+            <a:lnRef idx="2">
+              <a:schemeClr val="accent1"/>
+            </a:lnRef>
+            <a:fillRef idx="0">
+              <a:schemeClr val="accent1"/>
+            </a:fillRef>
+            <a:effectRef idx="1">
+              <a:schemeClr val="accent1"/>
+            </a:effectRef>
+            <a:fontRef idx="minor">
+              <a:schemeClr val="tx1"/>
+            </a:fontRef>
+          </p:style>
+        </p:cxnSp>
+        <p:sp>
+          <p:nvSpPr>
+            <p:cNvPr id="14" name="Rectangle 23">
+              <a:extLst>
+                <a:ext uri="{FF2B5EF4-FFF2-40B4-BE49-F238E27FC236}">
+                  <a16:creationId xmlns:a16="http://schemas.microsoft.com/office/drawing/2014/main" id="{902DC474-5BCC-4188-ACDC-AD63E6B187EC}"/>
+                </a:ext>
+                <a:ext uri="{C183D7F6-B498-43B3-948B-1728B52AA6E4}">
+                  <adec:decorative xmlns:adec="http://schemas.microsoft.com/office/drawing/2017/decorative" val="1"/>
+                </a:ext>
+              </a:extLst>
+            </p:cNvPr>
+            <p:cNvSpPr/>
+            <p:nvPr>
+              <p:extLst>
+                <p:ext uri="{386F3935-93C4-4BCD-93E2-E3B085C9AB24}">
+                  <p16:designElem xmlns:p16="http://schemas.microsoft.com/office/powerpoint/2015/main" val="1"/>
+                </p:ext>
+              </p:extLst>
+            </p:nvPr>
+          </p:nvSpPr>
+          <p:spPr>
+            <a:xfrm>
+              <a:off x="9181476" y="-8467"/>
+              <a:ext cx="3007349" cy="6866467"/>
+            </a:xfrm>
+            <a:custGeom>
+              <a:avLst/>
+              <a:gdLst/>
+              <a:ahLst/>
+              <a:cxnLst/>
+              <a:rect l="l" t="t" r="r" b="b"/>
+              <a:pathLst>
+                <a:path w="3007349" h="6866467">
+                  <a:moveTo>
+                    <a:pt x="2045532" y="0"/>
+                  </a:moveTo>
+                  <a:lnTo>
+                    <a:pt x="3007349" y="0"/>
+                  </a:lnTo>
+                  <a:lnTo>
+                    <a:pt x="3007349" y="6866467"/>
+                  </a:lnTo>
+                  <a:lnTo>
+                    <a:pt x="0" y="6866467"/>
+                  </a:lnTo>
+                  <a:lnTo>
+                    <a:pt x="2045532" y="0"/>
+                  </a:lnTo>
+                  <a:close/>
+                </a:path>
+              </a:pathLst>
+            </a:custGeom>
+            <a:solidFill>
+              <a:schemeClr val="accent1">
+                <a:alpha val="30000"/>
+              </a:schemeClr>
+            </a:solidFill>
+            <a:ln>
+              <a:noFill/>
+            </a:ln>
+            <a:effectLst/>
+          </p:spPr>
+          <p:style>
+            <a:lnRef idx="1">
+              <a:schemeClr val="accent1"/>
+            </a:lnRef>
+            <a:fillRef idx="3">
+              <a:schemeClr val="accent1"/>
+            </a:fillRef>
+            <a:effectRef idx="2">
+              <a:schemeClr val="accent1"/>
+            </a:effectRef>
+            <a:fontRef idx="minor">
+              <a:schemeClr val="lt1"/>
+            </a:fontRef>
+          </p:style>
+          <p:txBody>
+            <a:bodyPr/>
+            <a:lstStyle/>
+            <a:p>
+              <a:endParaRPr lang="en-US"/>
+            </a:p>
+          </p:txBody>
+        </p:sp>
+        <p:sp>
+          <p:nvSpPr>
+            <p:cNvPr id="15" name="Rectangle 25">
+              <a:extLst>
+                <a:ext uri="{FF2B5EF4-FFF2-40B4-BE49-F238E27FC236}">
+                  <a16:creationId xmlns:a16="http://schemas.microsoft.com/office/drawing/2014/main" id="{7B427019-8592-4032-931B-4F27104C9DE2}"/>
+                </a:ext>
+                <a:ext uri="{C183D7F6-B498-43B3-948B-1728B52AA6E4}">
+                  <adec:decorative xmlns:adec="http://schemas.microsoft.com/office/drawing/2017/decorative" val="1"/>
+                </a:ext>
+              </a:extLst>
+            </p:cNvPr>
+            <p:cNvSpPr/>
+            <p:nvPr>
+              <p:extLst>
+                <p:ext uri="{386F3935-93C4-4BCD-93E2-E3B085C9AB24}">
+                  <p16:designElem xmlns:p16="http://schemas.microsoft.com/office/powerpoint/2015/main" val="1"/>
+                </p:ext>
+              </p:extLst>
+            </p:nvPr>
+          </p:nvSpPr>
+          <p:spPr>
+            <a:xfrm>
+              <a:off x="9603442" y="-8467"/>
+              <a:ext cx="2588558" cy="6866467"/>
+            </a:xfrm>
+            <a:custGeom>
+              <a:avLst/>
+              <a:gdLst/>
+              <a:ahLst/>
+              <a:cxnLst/>
+              <a:rect l="l" t="t" r="r" b="b"/>
+              <a:pathLst>
+                <a:path w="2573311" h="6866467">
+                  <a:moveTo>
+                    <a:pt x="0" y="0"/>
+                  </a:moveTo>
+                  <a:lnTo>
+                    <a:pt x="2573311" y="0"/>
+                  </a:lnTo>
+                  <a:lnTo>
+                    <a:pt x="2573311" y="6866467"/>
+                  </a:lnTo>
+                  <a:lnTo>
+                    <a:pt x="1202336" y="6866467"/>
+                  </a:lnTo>
+                  <a:lnTo>
+                    <a:pt x="0" y="0"/>
+                  </a:lnTo>
+                  <a:close/>
+                </a:path>
+              </a:pathLst>
+            </a:custGeom>
+            <a:solidFill>
+              <a:schemeClr val="accent1">
+                <a:alpha val="20000"/>
+              </a:schemeClr>
+            </a:solidFill>
+            <a:ln>
+              <a:noFill/>
+            </a:ln>
+            <a:effectLst/>
+          </p:spPr>
+          <p:style>
+            <a:lnRef idx="1">
+              <a:schemeClr val="accent1"/>
+            </a:lnRef>
+            <a:fillRef idx="3">
+              <a:schemeClr val="accent1"/>
+            </a:fillRef>
+            <a:effectRef idx="2">
+              <a:schemeClr val="accent1"/>
+            </a:effectRef>
+            <a:fontRef idx="minor">
+              <a:schemeClr val="lt1"/>
+            </a:fontRef>
+          </p:style>
+          <p:txBody>
+            <a:bodyPr/>
+            <a:lstStyle/>
+            <a:p>
+              <a:endParaRPr lang="en-US"/>
+            </a:p>
+          </p:txBody>
+        </p:sp>
+        <p:sp>
+          <p:nvSpPr>
+            <p:cNvPr id="16" name="Isosceles Triangle 15">
+              <a:extLst>
+                <a:ext uri="{FF2B5EF4-FFF2-40B4-BE49-F238E27FC236}">
+                  <a16:creationId xmlns:a16="http://schemas.microsoft.com/office/drawing/2014/main" id="{1D6E2CEA-A5BB-4CF7-B907-AE4DBF6748EB}"/>
+                </a:ext>
+                <a:ext uri="{C183D7F6-B498-43B3-948B-1728B52AA6E4}">
+                  <adec:decorative xmlns:adec="http://schemas.microsoft.com/office/drawing/2017/decorative" val="1"/>
+                </a:ext>
+              </a:extLst>
+            </p:cNvPr>
+            <p:cNvSpPr/>
+            <p:nvPr>
+              <p:extLst>
+                <p:ext uri="{386F3935-93C4-4BCD-93E2-E3B085C9AB24}">
+                  <p16:designElem xmlns:p16="http://schemas.microsoft.com/office/powerpoint/2015/main" val="1"/>
+                </p:ext>
+              </p:extLst>
+            </p:nvPr>
+          </p:nvSpPr>
+          <p:spPr>
+            <a:xfrm>
+              <a:off x="8932333" y="3048000"/>
+              <a:ext cx="3259667" cy="3810000"/>
+            </a:xfrm>
+            <a:prstGeom prst="triangle">
+              <a:avLst>
+                <a:gd name="adj" fmla="val 100000"/>
+              </a:avLst>
+            </a:prstGeom>
+            <a:solidFill>
+              <a:schemeClr val="accent2">
+                <a:alpha val="72000"/>
+              </a:schemeClr>
+            </a:solidFill>
+            <a:ln>
+              <a:noFill/>
+            </a:ln>
+            <a:effectLst/>
+          </p:spPr>
+          <p:style>
+            <a:lnRef idx="1">
+              <a:schemeClr val="accent1"/>
+            </a:lnRef>
+            <a:fillRef idx="3">
+              <a:schemeClr val="accent1"/>
+            </a:fillRef>
+            <a:effectRef idx="2">
+              <a:schemeClr val="accent1"/>
+            </a:effectRef>
+            <a:fontRef idx="minor">
+              <a:schemeClr val="lt1"/>
+            </a:fontRef>
+          </p:style>
+          <p:txBody>
+            <a:bodyPr/>
+            <a:lstStyle/>
+            <a:p>
+              <a:endParaRPr lang="en-US"/>
+            </a:p>
+          </p:txBody>
+        </p:sp>
+        <p:sp>
+          <p:nvSpPr>
+            <p:cNvPr id="17" name="Rectangle 27">
+              <a:extLst>
+                <a:ext uri="{FF2B5EF4-FFF2-40B4-BE49-F238E27FC236}">
+                  <a16:creationId xmlns:a16="http://schemas.microsoft.com/office/drawing/2014/main" id="{78D09D5A-29CC-4B32-9CE1-72E607558A6C}"/>
+                </a:ext>
+                <a:ext uri="{C183D7F6-B498-43B3-948B-1728B52AA6E4}">
+                  <adec:decorative xmlns:adec="http://schemas.microsoft.com/office/drawing/2017/decorative" val="1"/>
+                </a:ext>
+              </a:extLst>
+            </p:cNvPr>
+            <p:cNvSpPr/>
+            <p:nvPr>
+              <p:extLst>
+                <p:ext uri="{386F3935-93C4-4BCD-93E2-E3B085C9AB24}">
+                  <p16:designElem xmlns:p16="http://schemas.microsoft.com/office/powerpoint/2015/main" val="1"/>
+                </p:ext>
+              </p:extLst>
+            </p:nvPr>
+          </p:nvSpPr>
+          <p:spPr>
+            <a:xfrm>
+              <a:off x="9334500" y="-8467"/>
+              <a:ext cx="2854326" cy="6866467"/>
+            </a:xfrm>
+            <a:custGeom>
+              <a:avLst/>
+              <a:gdLst/>
+              <a:ahLst/>
+              <a:cxnLst/>
+              <a:rect l="l" t="t" r="r" b="b"/>
+              <a:pathLst>
+                <a:path w="2858013" h="6866467">
+                  <a:moveTo>
+                    <a:pt x="0" y="0"/>
+                  </a:moveTo>
+                  <a:lnTo>
+                    <a:pt x="2858013" y="0"/>
+                  </a:lnTo>
+                  <a:lnTo>
+                    <a:pt x="2858013" y="6866467"/>
+                  </a:lnTo>
+                  <a:lnTo>
+                    <a:pt x="2473942" y="6866467"/>
+                  </a:lnTo>
+                  <a:lnTo>
+                    <a:pt x="0" y="0"/>
+                  </a:lnTo>
+                  <a:close/>
+                </a:path>
+              </a:pathLst>
+            </a:custGeom>
+            <a:solidFill>
+              <a:schemeClr val="accent2">
+                <a:lumMod val="75000"/>
+                <a:alpha val="70000"/>
+              </a:schemeClr>
+            </a:solidFill>
+            <a:ln>
+              <a:noFill/>
+            </a:ln>
+            <a:effectLst/>
+          </p:spPr>
+          <p:style>
+            <a:lnRef idx="1">
+              <a:schemeClr val="accent1"/>
+            </a:lnRef>
+            <a:fillRef idx="3">
+              <a:schemeClr val="accent1"/>
+            </a:fillRef>
+            <a:effectRef idx="2">
+              <a:schemeClr val="accent1"/>
+            </a:effectRef>
+            <a:fontRef idx="minor">
+              <a:schemeClr val="lt1"/>
+            </a:fontRef>
+          </p:style>
+          <p:txBody>
+            <a:bodyPr/>
+            <a:lstStyle/>
+            <a:p>
+              <a:endParaRPr lang="en-US"/>
+            </a:p>
+          </p:txBody>
+        </p:sp>
+        <p:sp>
+          <p:nvSpPr>
+            <p:cNvPr id="18" name="Rectangle 28">
+              <a:extLst>
+                <a:ext uri="{FF2B5EF4-FFF2-40B4-BE49-F238E27FC236}">
+                  <a16:creationId xmlns:a16="http://schemas.microsoft.com/office/drawing/2014/main" id="{6DF3A3FC-950B-40B0-923D-0F0BC1A54204}"/>
+                </a:ext>
+                <a:ext uri="{C183D7F6-B498-43B3-948B-1728B52AA6E4}">
+                  <adec:decorative xmlns:adec="http://schemas.microsoft.com/office/drawing/2017/decorative" val="1"/>
+                </a:ext>
+              </a:extLst>
+            </p:cNvPr>
+            <p:cNvSpPr/>
+            <p:nvPr>
+              <p:extLst>
+                <p:ext uri="{386F3935-93C4-4BCD-93E2-E3B085C9AB24}">
+                  <p16:designElem xmlns:p16="http://schemas.microsoft.com/office/powerpoint/2015/main" val="1"/>
+                </p:ext>
+              </p:extLst>
+            </p:nvPr>
+          </p:nvSpPr>
+          <p:spPr>
+            <a:xfrm>
+              <a:off x="10898730" y="-8467"/>
+              <a:ext cx="1290094" cy="6866467"/>
+            </a:xfrm>
+            <a:custGeom>
+              <a:avLst/>
+              <a:gdLst/>
+              <a:ahLst/>
+              <a:cxnLst/>
+              <a:rect l="l" t="t" r="r" b="b"/>
+              <a:pathLst>
+                <a:path w="1290094" h="6858000">
+                  <a:moveTo>
+                    <a:pt x="1019735" y="0"/>
+                  </a:moveTo>
+                  <a:lnTo>
+                    <a:pt x="1290094" y="0"/>
+                  </a:lnTo>
+                  <a:lnTo>
+                    <a:pt x="1290094" y="6858000"/>
+                  </a:lnTo>
+                  <a:lnTo>
+                    <a:pt x="0" y="6858000"/>
+                  </a:lnTo>
+                  <a:lnTo>
+                    <a:pt x="1019735" y="0"/>
+                  </a:lnTo>
+                  <a:close/>
+                </a:path>
+              </a:pathLst>
+            </a:custGeom>
+            <a:solidFill>
+              <a:schemeClr val="accent1">
+                <a:lumMod val="60000"/>
+                <a:lumOff val="40000"/>
+                <a:alpha val="70000"/>
+              </a:schemeClr>
+            </a:solidFill>
+            <a:ln>
+              <a:noFill/>
+            </a:ln>
+            <a:effectLst/>
+          </p:spPr>
+          <p:style>
+            <a:lnRef idx="1">
+              <a:schemeClr val="accent1"/>
+            </a:lnRef>
+            <a:fillRef idx="3">
+              <a:schemeClr val="accent1"/>
+            </a:fillRef>
+            <a:effectRef idx="2">
+              <a:schemeClr val="accent1"/>
+            </a:effectRef>
+            <a:fontRef idx="minor">
+              <a:schemeClr val="lt1"/>
+            </a:fontRef>
+          </p:style>
+          <p:txBody>
+            <a:bodyPr/>
+            <a:lstStyle/>
+            <a:p>
+              <a:endParaRPr lang="en-US"/>
+            </a:p>
+          </p:txBody>
+        </p:sp>
+        <p:sp>
+          <p:nvSpPr>
+            <p:cNvPr id="19" name="Rectangle 29">
+              <a:extLst>
+                <a:ext uri="{FF2B5EF4-FFF2-40B4-BE49-F238E27FC236}">
+                  <a16:creationId xmlns:a16="http://schemas.microsoft.com/office/drawing/2014/main" id="{BCA0F2E1-CD3D-4521-9CCB-41A5CC6C543E}"/>
+                </a:ext>
+                <a:ext uri="{C183D7F6-B498-43B3-948B-1728B52AA6E4}">
+                  <adec:decorative xmlns:adec="http://schemas.microsoft.com/office/drawing/2017/decorative" val="1"/>
+                </a:ext>
+              </a:extLst>
+            </p:cNvPr>
+            <p:cNvSpPr/>
+            <p:nvPr>
+              <p:extLst>
+                <p:ext uri="{386F3935-93C4-4BCD-93E2-E3B085C9AB24}">
+                  <p16:designElem xmlns:p16="http://schemas.microsoft.com/office/powerpoint/2015/main" val="1"/>
+                </p:ext>
+              </p:extLst>
+            </p:nvPr>
+          </p:nvSpPr>
+          <p:spPr>
+            <a:xfrm>
+              <a:off x="10938999" y="-8467"/>
+              <a:ext cx="1249825" cy="6866467"/>
+            </a:xfrm>
+            <a:custGeom>
+              <a:avLst/>
+              <a:gdLst/>
+              <a:ahLst/>
+              <a:cxnLst/>
+              <a:rect l="l" t="t" r="r" b="b"/>
+              <a:pathLst>
+                <a:path w="1249825" h="6858000">
+                  <a:moveTo>
+                    <a:pt x="0" y="0"/>
+                  </a:moveTo>
+                  <a:lnTo>
+                    <a:pt x="1249825" y="0"/>
+                  </a:lnTo>
+                  <a:lnTo>
+                    <a:pt x="1249825" y="6858000"/>
+                  </a:lnTo>
+                  <a:lnTo>
+                    <a:pt x="1109382" y="6858000"/>
+                  </a:lnTo>
+                  <a:lnTo>
+                    <a:pt x="0" y="0"/>
+                  </a:lnTo>
+                  <a:close/>
+                </a:path>
+              </a:pathLst>
+            </a:custGeom>
+            <a:solidFill>
+              <a:schemeClr val="accent1">
+                <a:alpha val="65000"/>
+              </a:schemeClr>
+            </a:solidFill>
+            <a:ln>
+              <a:noFill/>
+            </a:ln>
+            <a:effectLst/>
+          </p:spPr>
+          <p:style>
+            <a:lnRef idx="1">
+              <a:schemeClr val="accent1"/>
+            </a:lnRef>
+            <a:fillRef idx="3">
+              <a:schemeClr val="accent1"/>
+            </a:fillRef>
+            <a:effectRef idx="2">
+              <a:schemeClr val="accent1"/>
+            </a:effectRef>
+            <a:fontRef idx="minor">
+              <a:schemeClr val="lt1"/>
+            </a:fontRef>
+          </p:style>
+          <p:txBody>
+            <a:bodyPr/>
+            <a:lstStyle/>
+            <a:p>
+              <a:endParaRPr lang="en-US"/>
+            </a:p>
+          </p:txBody>
+        </p:sp>
+        <p:sp>
+          <p:nvSpPr>
+            <p:cNvPr id="20" name="Isosceles Triangle 19">
+              <a:extLst>
+                <a:ext uri="{FF2B5EF4-FFF2-40B4-BE49-F238E27FC236}">
+                  <a16:creationId xmlns:a16="http://schemas.microsoft.com/office/drawing/2014/main" id="{9BA4F16A-21DC-462A-AD37-0A93C8B79E1E}"/>
+                </a:ext>
+                <a:ext uri="{C183D7F6-B498-43B3-948B-1728B52AA6E4}">
+                  <adec:decorative xmlns:adec="http://schemas.microsoft.com/office/drawing/2017/decorative" val="1"/>
+                </a:ext>
+              </a:extLst>
+            </p:cNvPr>
+            <p:cNvSpPr/>
+            <p:nvPr>
+              <p:extLst>
+                <p:ext uri="{386F3935-93C4-4BCD-93E2-E3B085C9AB24}">
+                  <p16:designElem xmlns:p16="http://schemas.microsoft.com/office/powerpoint/2015/main" val="1"/>
+                </p:ext>
+              </p:extLst>
+            </p:nvPr>
+          </p:nvSpPr>
+          <p:spPr>
+            <a:xfrm>
+              <a:off x="10371666" y="3589867"/>
+              <a:ext cx="1817159" cy="3268133"/>
+            </a:xfrm>
+            <a:prstGeom prst="triangle">
+              <a:avLst>
+                <a:gd name="adj" fmla="val 100000"/>
+              </a:avLst>
+            </a:prstGeom>
+            <a:solidFill>
+              <a:schemeClr val="accent1">
+                <a:alpha val="80000"/>
+              </a:schemeClr>
+            </a:solidFill>
+            <a:ln>
+              <a:noFill/>
+            </a:ln>
+            <a:effectLst/>
+          </p:spPr>
+          <p:style>
+            <a:lnRef idx="1">
+              <a:schemeClr val="accent1"/>
+            </a:lnRef>
+            <a:fillRef idx="3">
+              <a:schemeClr val="accent1"/>
+            </a:fillRef>
+            <a:effectRef idx="2">
+              <a:schemeClr val="accent1"/>
+            </a:effectRef>
+            <a:fontRef idx="minor">
+              <a:schemeClr val="lt1"/>
+            </a:fontRef>
+          </p:style>
+          <p:txBody>
+            <a:bodyPr/>
+            <a:lstStyle/>
+            <a:p>
+              <a:endParaRPr lang="en-US"/>
+            </a:p>
+          </p:txBody>
+        </p:sp>
+        <p:sp>
+          <p:nvSpPr>
+            <p:cNvPr id="21" name="Isosceles Triangle 20">
+              <a:extLst>
+                <a:ext uri="{FF2B5EF4-FFF2-40B4-BE49-F238E27FC236}">
+                  <a16:creationId xmlns:a16="http://schemas.microsoft.com/office/drawing/2014/main" id="{FB75EBDD-038D-4572-A372-114938295706}"/>
+                </a:ext>
+                <a:ext uri="{C183D7F6-B498-43B3-948B-1728B52AA6E4}">
+                  <adec:decorative xmlns:adec="http://schemas.microsoft.com/office/drawing/2017/decorative" val="1"/>
+                </a:ext>
+              </a:extLst>
+            </p:cNvPr>
+            <p:cNvSpPr/>
+            <p:nvPr>
+              <p:extLst>
+                <p:ext uri="{386F3935-93C4-4BCD-93E2-E3B085C9AB24}">
+                  <p16:designElem xmlns:p16="http://schemas.microsoft.com/office/powerpoint/2015/main" val="1"/>
+                </p:ext>
+              </p:extLst>
+            </p:nvPr>
+          </p:nvSpPr>
+          <p:spPr>
+            <a:xfrm>
+              <a:off x="0" y="4013200"/>
+              <a:ext cx="448733" cy="2844800"/>
+            </a:xfrm>
+            <a:prstGeom prst="triangle">
+              <a:avLst>
+                <a:gd name="adj" fmla="val 0"/>
+              </a:avLst>
+            </a:prstGeom>
+            <a:solidFill>
+              <a:schemeClr val="accent1">
+                <a:alpha val="85000"/>
+              </a:schemeClr>
+            </a:solidFill>
+            <a:ln>
+              <a:noFill/>
+            </a:ln>
+            <a:effectLst/>
+          </p:spPr>
+          <p:style>
+            <a:lnRef idx="1">
+              <a:schemeClr val="accent1"/>
+            </a:lnRef>
+            <a:fillRef idx="3">
+              <a:schemeClr val="accent1"/>
+            </a:fillRef>
+            <a:effectRef idx="2">
+              <a:schemeClr val="accent1"/>
+            </a:effectRef>
+            <a:fontRef idx="minor">
+              <a:schemeClr val="lt1"/>
+            </a:fontRef>
+          </p:style>
+          <p:txBody>
+            <a:bodyPr/>
+            <a:lstStyle/>
+            <a:p>
+              <a:endParaRPr lang="en-US"/>
+            </a:p>
+          </p:txBody>
+        </p:sp>
+      </p:grpSp>
+      <p:pic>
+        <p:nvPicPr>
+          <p:cNvPr id="6" name="תמונה 5" descr="תמונה שמכילה טקסט, צילום מסך, תרשים, עיצוב&#10;&#10;התיאור נוצר באופן אוטומטי">
+            <a:extLst>
+              <a:ext uri="{FF2B5EF4-FFF2-40B4-BE49-F238E27FC236}">
+                <a16:creationId xmlns:a16="http://schemas.microsoft.com/office/drawing/2014/main" id="{13111BC3-5F21-8134-FB13-04A309FC2382}"/>
+              </a:ext>
+            </a:extLst>
+          </p:cNvPr>
+          <p:cNvPicPr>
+            <a:picLocks noChangeAspect="1"/>
+          </p:cNvPicPr>
+          <p:nvPr/>
+        </p:nvPicPr>
+        <p:blipFill rotWithShape="1">
+          <a:blip r:embed="rId2"/>
+          <a:srcRect b="3434"/>
+          <a:stretch/>
+        </p:blipFill>
+        <p:spPr>
+          <a:xfrm>
+            <a:off x="20" y="10"/>
+            <a:ext cx="12191980" cy="6857990"/>
+          </a:xfrm>
+          <a:prstGeom prst="rect">
+            <a:avLst/>
+          </a:prstGeom>
+        </p:spPr>
+      </p:pic>
+      <p:sp>
+        <p:nvSpPr>
+          <p:cNvPr id="23" name="Freeform: Shape 22">
+            <a:extLst>
+              <a:ext uri="{FF2B5EF4-FFF2-40B4-BE49-F238E27FC236}">
+                <a16:creationId xmlns:a16="http://schemas.microsoft.com/office/drawing/2014/main" id="{85C2136B-77EC-41E9-BDB6-58A4AE1429B7}"/>
+              </a:ext>
+              <a:ext uri="{C183D7F6-B498-43B3-948B-1728B52AA6E4}">
+                <adec:decorative xmlns:adec="http://schemas.microsoft.com/office/drawing/2017/decorative" val="1"/>
+              </a:ext>
+            </a:extLst>
+          </p:cNvPr>
+          <p:cNvSpPr>
+            <a:spLocks noGrp="1" noRot="1" noChangeAspect="1" noMove="1" noResize="1" noEditPoints="1" noAdjustHandles="1" noChangeArrowheads="1" noChangeShapeType="1" noTextEdit="1"/>
+          </p:cNvSpPr>
+          <p:nvPr>
+            <p:extLst>
+              <p:ext uri="{386F3935-93C4-4BCD-93E2-E3B085C9AB24}">
+                <p16:designElem xmlns:p16="http://schemas.microsoft.com/office/powerpoint/2015/main" val="1"/>
+              </p:ext>
+            </p:extLst>
+          </p:nvPr>
+        </p:nvSpPr>
+        <p:spPr>
+          <a:xfrm>
+            <a:off x="0" y="3733800"/>
+            <a:ext cx="762000" cy="3124200"/>
+          </a:xfrm>
+          <a:custGeom>
+            <a:avLst/>
+            <a:gdLst>
+              <a:gd name="connsiteX0" fmla="*/ 0 w 762000"/>
+              <a:gd name="connsiteY0" fmla="*/ 0 h 3124200"/>
+              <a:gd name="connsiteX1" fmla="*/ 762000 w 762000"/>
+              <a:gd name="connsiteY1" fmla="*/ 3124200 h 3124200"/>
+              <a:gd name="connsiteX2" fmla="*/ 0 w 762000"/>
+              <a:gd name="connsiteY2" fmla="*/ 3124200 h 3124200"/>
+            </a:gdLst>
+            <a:ahLst/>
+            <a:cxnLst>
+              <a:cxn ang="0">
+                <a:pos x="connsiteX0" y="connsiteY0"/>
+              </a:cxn>
+              <a:cxn ang="0">
+                <a:pos x="connsiteX1" y="connsiteY1"/>
+              </a:cxn>
+              <a:cxn ang="0">
+                <a:pos x="connsiteX2" y="connsiteY2"/>
+              </a:cxn>
+            </a:cxnLst>
+            <a:rect l="l" t="t" r="r" b="b"/>
+            <a:pathLst>
+              <a:path w="762000" h="3124200">
+                <a:moveTo>
+                  <a:pt x="0" y="0"/>
+                </a:moveTo>
+                <a:lnTo>
+                  <a:pt x="762000" y="3124200"/>
+                </a:lnTo>
+                <a:lnTo>
+                  <a:pt x="0" y="3124200"/>
+                </a:lnTo>
+                <a:close/>
+              </a:path>
+            </a:pathLst>
+          </a:custGeom>
+          <a:ln>
+            <a:noFill/>
+          </a:ln>
+        </p:spPr>
+        <p:style>
+          <a:lnRef idx="2">
+            <a:schemeClr val="accent1">
+              <a:shade val="50000"/>
+            </a:schemeClr>
+          </a:lnRef>
+          <a:fillRef idx="1">
+            <a:schemeClr val="accent1"/>
+          </a:fillRef>
+          <a:effectRef idx="0">
+            <a:schemeClr val="accent1"/>
+          </a:effectRef>
+          <a:fontRef idx="minor">
+            <a:schemeClr val="lt1"/>
+          </a:fontRef>
+        </p:style>
+        <p:txBody>
+          <a:bodyPr wrap="square" rtlCol="0" anchor="ctr">
+            <a:noAutofit/>
+          </a:bodyPr>
+          <a:lstStyle/>
+          <a:p>
+            <a:pPr algn="ctr"/>
+            <a:endParaRPr lang="en-US"/>
+          </a:p>
+        </p:txBody>
+      </p:sp>
+      <p:cxnSp>
+        <p:nvCxnSpPr>
+          <p:cNvPr id="25" name="Straight Connector 24">
+            <a:extLst>
+              <a:ext uri="{FF2B5EF4-FFF2-40B4-BE49-F238E27FC236}">
+                <a16:creationId xmlns:a16="http://schemas.microsoft.com/office/drawing/2014/main" id="{E55891F3-A5E2-4418-8950-25FA2B731209}"/>
+              </a:ext>
+              <a:ext uri="{C183D7F6-B498-43B3-948B-1728B52AA6E4}">
+                <adec:decorative xmlns:adec="http://schemas.microsoft.com/office/drawing/2017/decorative" val="1"/>
+              </a:ext>
+            </a:extLst>
+          </p:cNvPr>
+          <p:cNvCxnSpPr>
+            <a:cxnSpLocks noGrp="1" noRot="1" noChangeAspect="1" noMove="1" noResize="1" noEditPoints="1" noAdjustHandles="1" noChangeArrowheads="1" noChangeShapeType="1"/>
+          </p:cNvCxnSpPr>
+          <p:nvPr>
+            <p:extLst>
+              <p:ext uri="{386F3935-93C4-4BCD-93E2-E3B085C9AB24}">
+                <p16:designElem xmlns:p16="http://schemas.microsoft.com/office/powerpoint/2015/main" val="1"/>
+              </p:ext>
+            </p:extLst>
+          </p:nvPr>
+        </p:nvCxnSpPr>
+        <p:spPr>
+          <a:xfrm flipV="1">
+            <a:off x="9274002" y="4502552"/>
+            <a:ext cx="2917998" cy="2355448"/>
+          </a:xfrm>
+          <a:prstGeom prst="line">
+            <a:avLst/>
+          </a:prstGeom>
+          <a:ln>
+            <a:solidFill>
+              <a:schemeClr val="bg1"/>
+            </a:solidFill>
+          </a:ln>
+        </p:spPr>
+        <p:style>
+          <a:lnRef idx="1">
+            <a:schemeClr val="accent1"/>
+          </a:lnRef>
+          <a:fillRef idx="0">
+            <a:schemeClr val="accent1"/>
+          </a:fillRef>
+          <a:effectRef idx="0">
+            <a:schemeClr val="accent1"/>
+          </a:effectRef>
+          <a:fontRef idx="minor">
+            <a:schemeClr val="tx1"/>
+          </a:fontRef>
+        </p:style>
+      </p:cxnSp>
+      <p:cxnSp>
+        <p:nvCxnSpPr>
+          <p:cNvPr id="27" name="Straight Connector 26">
+            <a:extLst>
+              <a:ext uri="{FF2B5EF4-FFF2-40B4-BE49-F238E27FC236}">
+                <a16:creationId xmlns:a16="http://schemas.microsoft.com/office/drawing/2014/main" id="{FB1FCEB1-A7E1-417C-A7EF-AA30D5A0859F}"/>
+              </a:ext>
+              <a:ext uri="{C183D7F6-B498-43B3-948B-1728B52AA6E4}">
+                <adec:decorative xmlns:adec="http://schemas.microsoft.com/office/drawing/2017/decorative" val="1"/>
+              </a:ext>
+            </a:extLst>
+          </p:cNvPr>
+          <p:cNvCxnSpPr>
+            <a:cxnSpLocks noGrp="1" noRot="1" noChangeAspect="1" noMove="1" noResize="1" noEditPoints="1" noAdjustHandles="1" noChangeArrowheads="1" noChangeShapeType="1"/>
+          </p:cNvCxnSpPr>
+          <p:nvPr>
+            <p:extLst>
+              <p:ext uri="{386F3935-93C4-4BCD-93E2-E3B085C9AB24}">
+                <p16:designElem xmlns:p16="http://schemas.microsoft.com/office/powerpoint/2015/main" val="1"/>
+              </p:ext>
+            </p:extLst>
+          </p:nvPr>
+        </p:nvCxnSpPr>
+        <p:spPr>
+          <a:xfrm>
+            <a:off x="8953500" y="-16625"/>
+            <a:ext cx="2667482" cy="6874625"/>
+          </a:xfrm>
+          <a:prstGeom prst="line">
+            <a:avLst/>
+          </a:prstGeom>
+          <a:ln>
+            <a:solidFill>
+              <a:schemeClr val="bg1"/>
+            </a:solidFill>
+          </a:ln>
+        </p:spPr>
+        <p:style>
+          <a:lnRef idx="1">
+            <a:schemeClr val="accent1"/>
+          </a:lnRef>
+          <a:fillRef idx="0">
+            <a:schemeClr val="accent1"/>
+          </a:fillRef>
+          <a:effectRef idx="0">
+            <a:schemeClr val="accent1"/>
+          </a:effectRef>
+          <a:fontRef idx="minor">
+            <a:schemeClr val="tx1"/>
+          </a:fontRef>
+        </p:style>
+      </p:cxnSp>
+      <p:sp>
+        <p:nvSpPr>
+          <p:cNvPr id="29" name="Freeform: Shape 28">
+            <a:extLst>
+              <a:ext uri="{FF2B5EF4-FFF2-40B4-BE49-F238E27FC236}">
+                <a16:creationId xmlns:a16="http://schemas.microsoft.com/office/drawing/2014/main" id="{7FBCF2A6-1F18-4B68-B5D2-5B763ED4159A}"/>
+              </a:ext>
+              <a:ext uri="{C183D7F6-B498-43B3-948B-1728B52AA6E4}">
+                <adec:decorative xmlns:adec="http://schemas.microsoft.com/office/drawing/2017/decorative" val="1"/>
+              </a:ext>
+            </a:extLst>
+          </p:cNvPr>
+          <p:cNvSpPr>
+            <a:spLocks noGrp="1" noRot="1" noChangeAspect="1" noMove="1" noResize="1" noEditPoints="1" noAdjustHandles="1" noChangeArrowheads="1" noChangeShapeType="1" noTextEdit="1"/>
+          </p:cNvSpPr>
+          <p:nvPr>
+            <p:extLst>
+              <p:ext uri="{386F3935-93C4-4BCD-93E2-E3B085C9AB24}">
+                <p16:designElem xmlns:p16="http://schemas.microsoft.com/office/powerpoint/2015/main" val="1"/>
+              </p:ext>
+            </p:extLst>
+          </p:nvPr>
+        </p:nvSpPr>
+        <p:spPr>
+          <a:xfrm>
+            <a:off x="10922923" y="-16625"/>
+            <a:ext cx="1269077" cy="6874625"/>
+          </a:xfrm>
+          <a:custGeom>
+            <a:avLst/>
+            <a:gdLst>
+              <a:gd name="connsiteX0" fmla="*/ 714894 w 1269077"/>
+              <a:gd name="connsiteY0" fmla="*/ 0 h 6874625"/>
+              <a:gd name="connsiteX1" fmla="*/ 1269077 w 1269077"/>
+              <a:gd name="connsiteY1" fmla="*/ 16625 h 6874625"/>
+              <a:gd name="connsiteX2" fmla="*/ 1269077 w 1269077"/>
+              <a:gd name="connsiteY2" fmla="*/ 6874625 h 6874625"/>
+              <a:gd name="connsiteX3" fmla="*/ 0 w 1269077"/>
+              <a:gd name="connsiteY3" fmla="*/ 6874625 h 6874625"/>
+            </a:gdLst>
+            <a:ahLst/>
+            <a:cxnLst>
+              <a:cxn ang="0">
+                <a:pos x="connsiteX0" y="connsiteY0"/>
+              </a:cxn>
+              <a:cxn ang="0">
+                <a:pos x="connsiteX1" y="connsiteY1"/>
+              </a:cxn>
+              <a:cxn ang="0">
+                <a:pos x="connsiteX2" y="connsiteY2"/>
+              </a:cxn>
+              <a:cxn ang="0">
+                <a:pos x="connsiteX3" y="connsiteY3"/>
+              </a:cxn>
+            </a:cxnLst>
+            <a:rect l="l" t="t" r="r" b="b"/>
+            <a:pathLst>
+              <a:path w="1269077" h="6874625">
+                <a:moveTo>
+                  <a:pt x="714894" y="0"/>
+                </a:moveTo>
+                <a:lnTo>
+                  <a:pt x="1269077" y="16625"/>
+                </a:lnTo>
+                <a:lnTo>
+                  <a:pt x="1269077" y="6874625"/>
+                </a:lnTo>
+                <a:lnTo>
+                  <a:pt x="0" y="6874625"/>
+                </a:lnTo>
+                <a:close/>
+              </a:path>
+            </a:pathLst>
+          </a:custGeom>
+          <a:solidFill>
+            <a:schemeClr val="accent1">
+              <a:alpha val="87000"/>
+            </a:schemeClr>
+          </a:solidFill>
+          <a:ln>
+            <a:noFill/>
+          </a:ln>
+        </p:spPr>
+        <p:style>
+          <a:lnRef idx="2">
+            <a:schemeClr val="accent1">
+              <a:shade val="50000"/>
+            </a:schemeClr>
+          </a:lnRef>
+          <a:fillRef idx="1">
+            <a:schemeClr val="accent1"/>
+          </a:fillRef>
+          <a:effectRef idx="0">
+            <a:schemeClr val="accent1"/>
+          </a:effectRef>
+          <a:fontRef idx="minor">
+            <a:schemeClr val="lt1"/>
+          </a:fontRef>
+        </p:style>
+        <p:txBody>
+          <a:bodyPr wrap="square" rtlCol="0" anchor="ctr">
+            <a:noAutofit/>
+          </a:bodyPr>
+          <a:lstStyle/>
+          <a:p>
+            <a:pPr algn="ctr"/>
+            <a:endParaRPr lang="en-US"/>
+          </a:p>
+        </p:txBody>
+      </p:sp>
+      <p:sp>
+        <p:nvSpPr>
+          <p:cNvPr id="31" name="Freeform: Shape 30">
+            <a:extLst>
+              <a:ext uri="{FF2B5EF4-FFF2-40B4-BE49-F238E27FC236}">
+                <a16:creationId xmlns:a16="http://schemas.microsoft.com/office/drawing/2014/main" id="{FF3A27FB-A693-4A75-951E-0C77CD98F032}"/>
+              </a:ext>
+              <a:ext uri="{C183D7F6-B498-43B3-948B-1728B52AA6E4}">
+                <adec:decorative xmlns:adec="http://schemas.microsoft.com/office/drawing/2017/decorative" val="1"/>
+              </a:ext>
+            </a:extLst>
+          </p:cNvPr>
+          <p:cNvSpPr>
+            <a:spLocks noGrp="1" noRot="1" noChangeAspect="1" noMove="1" noResize="1" noEditPoints="1" noAdjustHandles="1" noChangeArrowheads="1" noChangeShapeType="1" noTextEdit="1"/>
+          </p:cNvSpPr>
+          <p:nvPr>
+            <p:extLst>
+              <p:ext uri="{386F3935-93C4-4BCD-93E2-E3B085C9AB24}">
+                <p16:designElem xmlns:p16="http://schemas.microsoft.com/office/powerpoint/2015/main" val="1"/>
+              </p:ext>
+            </p:extLst>
+          </p:nvPr>
+        </p:nvSpPr>
+        <p:spPr>
+          <a:xfrm>
+            <a:off x="10208374" y="-16624"/>
+            <a:ext cx="1983626" cy="6874625"/>
+          </a:xfrm>
+          <a:custGeom>
+            <a:avLst/>
+            <a:gdLst>
+              <a:gd name="connsiteX0" fmla="*/ 0 w 1983626"/>
+              <a:gd name="connsiteY0" fmla="*/ 0 h 6874625"/>
+              <a:gd name="connsiteX1" fmla="*/ 1983626 w 1983626"/>
+              <a:gd name="connsiteY1" fmla="*/ 0 h 6874625"/>
+              <a:gd name="connsiteX2" fmla="*/ 1983626 w 1983626"/>
+              <a:gd name="connsiteY2" fmla="*/ 6874625 h 6874625"/>
+              <a:gd name="connsiteX3" fmla="*/ 1522181 w 1983626"/>
+              <a:gd name="connsiteY3" fmla="*/ 6874625 h 6874625"/>
+            </a:gdLst>
+            <a:ahLst/>
+            <a:cxnLst>
+              <a:cxn ang="0">
+                <a:pos x="connsiteX0" y="connsiteY0"/>
+              </a:cxn>
+              <a:cxn ang="0">
+                <a:pos x="connsiteX1" y="connsiteY1"/>
+              </a:cxn>
+              <a:cxn ang="0">
+                <a:pos x="connsiteX2" y="connsiteY2"/>
+              </a:cxn>
+              <a:cxn ang="0">
+                <a:pos x="connsiteX3" y="connsiteY3"/>
+              </a:cxn>
+            </a:cxnLst>
+            <a:rect l="l" t="t" r="r" b="b"/>
+            <a:pathLst>
+              <a:path w="1983626" h="6874625">
+                <a:moveTo>
+                  <a:pt x="0" y="0"/>
+                </a:moveTo>
+                <a:lnTo>
+                  <a:pt x="1983626" y="0"/>
+                </a:lnTo>
+                <a:lnTo>
+                  <a:pt x="1983626" y="6874625"/>
+                </a:lnTo>
+                <a:lnTo>
+                  <a:pt x="1522181" y="6874625"/>
+                </a:lnTo>
+                <a:close/>
+              </a:path>
+            </a:pathLst>
+          </a:custGeom>
+          <a:solidFill>
+            <a:schemeClr val="accent1">
+              <a:alpha val="71000"/>
+            </a:schemeClr>
+          </a:solidFill>
+          <a:ln>
+            <a:noFill/>
+          </a:ln>
+        </p:spPr>
+        <p:style>
+          <a:lnRef idx="2">
+            <a:schemeClr val="accent1">
+              <a:shade val="50000"/>
+            </a:schemeClr>
+          </a:lnRef>
+          <a:fillRef idx="1">
+            <a:schemeClr val="accent1"/>
+          </a:fillRef>
+          <a:effectRef idx="0">
+            <a:schemeClr val="accent1"/>
+          </a:effectRef>
+          <a:fontRef idx="minor">
+            <a:schemeClr val="lt1"/>
+          </a:fontRef>
+        </p:style>
+        <p:txBody>
+          <a:bodyPr wrap="square" rtlCol="0" anchor="ctr">
+            <a:noAutofit/>
+          </a:bodyPr>
+          <a:lstStyle/>
+          <a:p>
+            <a:pPr algn="ctr"/>
+            <a:endParaRPr lang="en-US"/>
+          </a:p>
+        </p:txBody>
+      </p:sp>
+    </p:spTree>
+    <p:extLst>
+      <p:ext uri="{BB962C8B-B14F-4D97-AF65-F5344CB8AC3E}">
+        <p14:creationId xmlns:p14="http://schemas.microsoft.com/office/powerpoint/2010/main" val="1089177674"/>
+      </p:ext>
+    </p:extLst>
+  </p:cSld>
+  <p:clrMapOvr>
+    <a:masterClrMapping/>
+  </p:clrMapOvr>
+</p:sld>
+</file>
+
+<file path=ppt/slides/slide8.xml><?xml version="1.0" encoding="utf-8"?>
+<p:sld xmlns:a="http://schemas.openxmlformats.org/drawingml/2006/main" xmlns:r="http://schemas.openxmlformats.org/officeDocument/2006/relationships" xmlns:p="http://schemas.openxmlformats.org/presentationml/2006/main">
+  <p:cSld>
+    <p:spTree>
+      <p:nvGrpSpPr>
+        <p:cNvPr id="1" name=""/>
+        <p:cNvGrpSpPr/>
+        <p:nvPr/>
+      </p:nvGrpSpPr>
+      <p:grpSpPr>
+        <a:xfrm>
+          <a:off x="0" y="0"/>
+          <a:ext cx="0" cy="0"/>
+          <a:chOff x="0" y="0"/>
+          <a:chExt cx="0" cy="0"/>
+        </a:xfrm>
+      </p:grpSpPr>
+      <p:pic>
+        <p:nvPicPr>
+          <p:cNvPr id="5122" name="Picture 2" descr="Cause for us counting starts with 0. (in most of programming languages) -  devRant">
+            <a:extLst>
+              <a:ext uri="{FF2B5EF4-FFF2-40B4-BE49-F238E27FC236}">
+                <a16:creationId xmlns:a16="http://schemas.microsoft.com/office/drawing/2014/main" id="{CD1CF874-5168-DBD1-1519-D8C7A3C64959}"/>
+              </a:ext>
+            </a:extLst>
+          </p:cNvPr>
+          <p:cNvPicPr>
+            <a:picLocks noChangeAspect="1" noChangeArrowheads="1"/>
+          </p:cNvPicPr>
+          <p:nvPr/>
+        </p:nvPicPr>
+        <p:blipFill>
+          <a:blip r:embed="rId2">
+            <a:extLst>
+              <a:ext uri="{28A0092B-C50C-407E-A947-70E740481C1C}">
+                <a14:useLocalDpi xmlns:a14="http://schemas.microsoft.com/office/drawing/2010/main" val="0"/>
+              </a:ext>
+            </a:extLst>
+          </a:blip>
+          <a:srcRect/>
+          <a:stretch>
+            <a:fillRect/>
+          </a:stretch>
+        </p:blipFill>
+        <p:spPr bwMode="auto">
+          <a:xfrm>
+            <a:off x="2653145" y="329045"/>
+            <a:ext cx="6199909" cy="6199909"/>
+          </a:xfrm>
+          <a:prstGeom prst="rect">
+            <a:avLst/>
+          </a:prstGeom>
+          <a:noFill/>
+          <a:extLst>
+            <a:ext uri="{909E8E84-426E-40DD-AFC4-6F175D3DCCD1}">
+              <a14:hiddenFill xmlns:a14="http://schemas.microsoft.com/office/drawing/2010/main">
+                <a:solidFill>
+                  <a:srgbClr val="FFFFFF"/>
+                </a:solidFill>
+              </a14:hiddenFill>
+            </a:ext>
+          </a:extLst>
+        </p:spPr>
+      </p:pic>
+    </p:spTree>
+    <p:extLst>
+      <p:ext uri="{BB962C8B-B14F-4D97-AF65-F5344CB8AC3E}">
+        <p14:creationId xmlns:p14="http://schemas.microsoft.com/office/powerpoint/2010/main" val="4199337064"/>
+      </p:ext>
+    </p:extLst>
+  </p:cSld>
+  <p:clrMapOvr>
+    <a:masterClrMapping/>
+  </p:clrMapOvr>
+</p:sld>
+</file>
+
+<file path=ppt/slides/slide9.xml><?xml version="1.0" encoding="utf-8"?>
 <p:sld xmlns:a="http://schemas.openxmlformats.org/drawingml/2006/main" xmlns:r="http://schemas.openxmlformats.org/officeDocument/2006/relationships" xmlns:p="http://schemas.openxmlformats.org/presentationml/2006/main">
   <p:cSld>
     <p:bg>
@@ -8055,1349 +13451,6 @@
     <p:extLst>
       <p:ext uri="{BB962C8B-B14F-4D97-AF65-F5344CB8AC3E}">
         <p14:creationId xmlns:p14="http://schemas.microsoft.com/office/powerpoint/2010/main" val="1976513260"/>
-      </p:ext>
-    </p:extLst>
-  </p:cSld>
-  <p:clrMapOvr>
-    <a:masterClrMapping/>
-  </p:clrMapOvr>
-</p:sld>
-</file>
-
-<file path=ppt/slides/slide5.xml><?xml version="1.0" encoding="utf-8"?>
-<p:sld xmlns:a="http://schemas.openxmlformats.org/drawingml/2006/main" xmlns:r="http://schemas.openxmlformats.org/officeDocument/2006/relationships" xmlns:p="http://schemas.openxmlformats.org/presentationml/2006/main">
-  <p:cSld>
-    <p:spTree>
-      <p:nvGrpSpPr>
-        <p:cNvPr id="1" name=""/>
-        <p:cNvGrpSpPr/>
-        <p:nvPr/>
-      </p:nvGrpSpPr>
-      <p:grpSpPr>
-        <a:xfrm>
-          <a:off x="0" y="0"/>
-          <a:ext cx="0" cy="0"/>
-          <a:chOff x="0" y="0"/>
-          <a:chExt cx="0" cy="0"/>
-        </a:xfrm>
-      </p:grpSpPr>
-      <p:sp>
-        <p:nvSpPr>
-          <p:cNvPr id="2" name="כותרת 1"/>
-          <p:cNvSpPr>
-            <a:spLocks noGrp="1"/>
-          </p:cNvSpPr>
-          <p:nvPr>
-            <p:ph type="title"/>
-          </p:nvPr>
-        </p:nvSpPr>
-        <p:spPr/>
-        <p:txBody>
-          <a:bodyPr/>
-          <a:lstStyle/>
-          <a:p>
-            <a:pPr algn="r" rtl="1"/>
-            <a:r>
-              <a:rPr lang="he-IL" dirty="0"/>
-              <a:t>פקודת תנאי</a:t>
-            </a:r>
-          </a:p>
-        </p:txBody>
-      </p:sp>
-      <p:sp>
-        <p:nvSpPr>
-          <p:cNvPr id="3" name="מציין מיקום תוכן 2"/>
-          <p:cNvSpPr>
-            <a:spLocks noGrp="1"/>
-          </p:cNvSpPr>
-          <p:nvPr>
-            <p:ph idx="1"/>
-          </p:nvPr>
-        </p:nvSpPr>
-        <p:spPr>
-          <a:xfrm>
-            <a:off x="859345" y="1542596"/>
-            <a:ext cx="8414657" cy="4705804"/>
-          </a:xfrm>
-        </p:spPr>
-        <p:txBody>
-          <a:bodyPr/>
-          <a:lstStyle/>
-          <a:p>
-            <a:pPr rtl="1"/>
-            <a:r>
-              <a:rPr lang="he-IL" dirty="0"/>
-              <a:t>אם מתקיים תנאי כלשהו, בצע כך; אחרת בצע משהו אחר. דוגמה:</a:t>
-            </a:r>
-          </a:p>
-          <a:p>
-            <a:pPr marL="0" indent="0" algn="r">
-              <a:buNone/>
-            </a:pPr>
-            <a:r>
-              <a:rPr lang="en-US" dirty="0"/>
-              <a:t>if (a&gt;b)	System.out.println(“a is bigger”);</a:t>
-            </a:r>
-          </a:p>
-          <a:p>
-            <a:pPr marL="0" indent="0" algn="r">
-              <a:buNone/>
-            </a:pPr>
-            <a:r>
-              <a:rPr lang="en-US" dirty="0"/>
-              <a:t>else		System.out.println(“b is bigger, or both equal”);</a:t>
-            </a:r>
-            <a:endParaRPr lang="he-IL" dirty="0"/>
-          </a:p>
-          <a:p>
-            <a:pPr rtl="1"/>
-            <a:r>
-              <a:rPr lang="he-IL" dirty="0"/>
-              <a:t>תנאי מקונן: גם אם התנאי המקורי לא התקיים, נכניס עוד תנאי. דוגמה:</a:t>
-            </a:r>
-          </a:p>
-          <a:p>
-            <a:pPr marL="0" indent="0" algn="r">
-              <a:buNone/>
-            </a:pPr>
-            <a:r>
-              <a:rPr lang="en-US" dirty="0"/>
-              <a:t>if (a&gt;b)	System.out.println(“a is bigger”);</a:t>
-            </a:r>
-          </a:p>
-          <a:p>
-            <a:pPr marL="0" indent="0" algn="r">
-              <a:buNone/>
-            </a:pPr>
-            <a:r>
-              <a:rPr lang="en-US" dirty="0"/>
-              <a:t>else if (a==b) System.out.println(“both are equal”);</a:t>
-            </a:r>
-          </a:p>
-          <a:p>
-            <a:pPr marL="0" indent="0" algn="r">
-              <a:buNone/>
-            </a:pPr>
-            <a:r>
-              <a:rPr lang="en-US" dirty="0"/>
-              <a:t>	else	System.out.println(“b is bigger”);</a:t>
-            </a:r>
-            <a:endParaRPr lang="he-IL" dirty="0"/>
-          </a:p>
-          <a:p>
-            <a:pPr marL="0" indent="0" rtl="1">
-              <a:buNone/>
-            </a:pPr>
-            <a:r>
-              <a:rPr lang="he-IL" dirty="0"/>
-              <a:t>תנאי מורכב: ניתן להרכיב את התנאי בעזרת שימוש ב </a:t>
-            </a:r>
-            <a:r>
-              <a:rPr lang="en-US" dirty="0"/>
-              <a:t>or(||)</a:t>
-            </a:r>
-            <a:r>
-              <a:rPr lang="he-IL" dirty="0"/>
-              <a:t> ו-</a:t>
-            </a:r>
-            <a:r>
-              <a:rPr lang="en-US" dirty="0"/>
-              <a:t>and(&amp;&amp;)</a:t>
-            </a:r>
-            <a:r>
-              <a:rPr lang="he-IL" dirty="0"/>
-              <a:t>:</a:t>
-            </a:r>
-          </a:p>
-          <a:p>
-            <a:pPr marL="0" indent="0" algn="r">
-              <a:buNone/>
-            </a:pPr>
-            <a:r>
-              <a:rPr lang="en-US" dirty="0"/>
-              <a:t>if ((a&gt;b) || (a==b))	System.out.println(“a is bigger or equal b”);</a:t>
-            </a:r>
-            <a:endParaRPr lang="he-IL" dirty="0"/>
-          </a:p>
-        </p:txBody>
-      </p:sp>
-    </p:spTree>
-    <p:extLst>
-      <p:ext uri="{BB962C8B-B14F-4D97-AF65-F5344CB8AC3E}">
-        <p14:creationId xmlns:p14="http://schemas.microsoft.com/office/powerpoint/2010/main" val="2328713051"/>
-      </p:ext>
-    </p:extLst>
-  </p:cSld>
-  <p:clrMapOvr>
-    <a:masterClrMapping/>
-  </p:clrMapOvr>
-</p:sld>
-</file>
-
-<file path=ppt/slides/slide6.xml><?xml version="1.0" encoding="utf-8"?>
-<p:sld xmlns:a="http://schemas.openxmlformats.org/drawingml/2006/main" xmlns:r="http://schemas.openxmlformats.org/officeDocument/2006/relationships" xmlns:p="http://schemas.openxmlformats.org/presentationml/2006/main">
-  <p:cSld>
-    <p:bg>
-      <p:bgPr>
-        <a:solidFill>
-          <a:schemeClr val="bg1"/>
-        </a:solidFill>
-        <a:effectLst/>
-      </p:bgPr>
-    </p:bg>
-    <p:spTree>
-      <p:nvGrpSpPr>
-        <p:cNvPr id="1" name=""/>
-        <p:cNvGrpSpPr/>
-        <p:nvPr/>
-      </p:nvGrpSpPr>
-      <p:grpSpPr>
-        <a:xfrm>
-          <a:off x="0" y="0"/>
-          <a:ext cx="0" cy="0"/>
-          <a:chOff x="0" y="0"/>
-          <a:chExt cx="0" cy="0"/>
-        </a:xfrm>
-      </p:grpSpPr>
-      <p:sp>
-        <p:nvSpPr>
-          <p:cNvPr id="2" name="כותרת 1"/>
-          <p:cNvSpPr>
-            <a:spLocks noGrp="1"/>
-          </p:cNvSpPr>
-          <p:nvPr>
-            <p:ph type="title"/>
-          </p:nvPr>
-        </p:nvSpPr>
-        <p:spPr>
-          <a:xfrm>
-            <a:off x="677334" y="609600"/>
-            <a:ext cx="8596668" cy="740229"/>
-          </a:xfrm>
-        </p:spPr>
-        <p:txBody>
-          <a:bodyPr anchor="t">
-            <a:normAutofit/>
-          </a:bodyPr>
-          <a:lstStyle/>
-          <a:p>
-            <a:pPr algn="r" rtl="1"/>
-            <a:r>
-              <a:rPr lang="he-IL" dirty="0"/>
-              <a:t>לולאות</a:t>
-            </a:r>
-          </a:p>
-        </p:txBody>
-      </p:sp>
-      <p:sp>
-        <p:nvSpPr>
-          <p:cNvPr id="3" name="מציין מיקום תוכן 2"/>
-          <p:cNvSpPr>
-            <a:spLocks noGrp="1"/>
-          </p:cNvSpPr>
-          <p:nvPr>
-            <p:ph idx="1"/>
-          </p:nvPr>
-        </p:nvSpPr>
-        <p:spPr>
-          <a:xfrm>
-            <a:off x="307219" y="1496343"/>
-            <a:ext cx="7976809" cy="3865313"/>
-          </a:xfrm>
-        </p:spPr>
-        <p:txBody>
-          <a:bodyPr>
-            <a:normAutofit fontScale="85000" lnSpcReduction="20000"/>
-          </a:bodyPr>
-          <a:lstStyle/>
-          <a:p>
-            <a:pPr rtl="1">
-              <a:lnSpc>
-                <a:spcPct val="160000"/>
-              </a:lnSpc>
-            </a:pPr>
-            <a:r>
-              <a:rPr lang="he-IL" sz="2000" dirty="0"/>
-              <a:t>נבדיל בין שלושה סוגי לולאות: לולאת </a:t>
-            </a:r>
-            <a:r>
-              <a:rPr lang="en-US" sz="2000" dirty="0"/>
-              <a:t>for</a:t>
-            </a:r>
-            <a:r>
-              <a:rPr lang="he-IL" sz="2000" dirty="0"/>
-              <a:t>, לולאת </a:t>
-            </a:r>
-            <a:r>
-              <a:rPr lang="en-US" sz="2000" dirty="0"/>
-              <a:t>while</a:t>
-            </a:r>
-            <a:r>
-              <a:rPr lang="he-IL" sz="2000" dirty="0"/>
-              <a:t>, ולולאת </a:t>
-            </a:r>
-            <a:r>
-              <a:rPr lang="en-US" sz="2000" dirty="0"/>
-              <a:t>do-while</a:t>
-            </a:r>
-            <a:r>
-              <a:rPr lang="he-IL" sz="2000" dirty="0"/>
-              <a:t>.</a:t>
-            </a:r>
-          </a:p>
-          <a:p>
-            <a:pPr rtl="1">
-              <a:lnSpc>
-                <a:spcPct val="160000"/>
-              </a:lnSpc>
-            </a:pPr>
-            <a:r>
-              <a:rPr lang="he-IL" sz="2000" dirty="0"/>
-              <a:t>לולאת </a:t>
-            </a:r>
-            <a:r>
-              <a:rPr lang="en-US" sz="2000" dirty="0"/>
-              <a:t>for</a:t>
-            </a:r>
-            <a:r>
-              <a:rPr lang="he-IL" sz="2000" dirty="0"/>
-              <a:t>: קטע הקוד הקרוב יתבצע כמה פעמים, לפי פרמטר מוגדר מראש:</a:t>
-            </a:r>
-          </a:p>
-          <a:p>
-            <a:pPr marL="0" indent="0">
-              <a:lnSpc>
-                <a:spcPct val="160000"/>
-              </a:lnSpc>
-              <a:buNone/>
-            </a:pPr>
-            <a:r>
-              <a:rPr lang="en-US" sz="2000" dirty="0"/>
-              <a:t>For (int </a:t>
-            </a:r>
-            <a:r>
-              <a:rPr lang="en-US" sz="2000" dirty="0" err="1"/>
-              <a:t>i</a:t>
-            </a:r>
-            <a:r>
-              <a:rPr lang="en-US" sz="2000" dirty="0"/>
-              <a:t>=0; </a:t>
-            </a:r>
-            <a:r>
-              <a:rPr lang="en-US" sz="2000" dirty="0" err="1"/>
-              <a:t>i</a:t>
-            </a:r>
-            <a:r>
-              <a:rPr lang="en-US" sz="2000" dirty="0"/>
-              <a:t>&lt;n; </a:t>
-            </a:r>
-            <a:r>
-              <a:rPr lang="en-US" sz="2000" dirty="0" err="1"/>
-              <a:t>i</a:t>
-            </a:r>
-            <a:r>
-              <a:rPr lang="en-US" sz="2000" dirty="0"/>
-              <a:t>++)</a:t>
-            </a:r>
-          </a:p>
-          <a:p>
-            <a:pPr marL="0" indent="0">
-              <a:lnSpc>
-                <a:spcPct val="160000"/>
-              </a:lnSpc>
-              <a:buNone/>
-            </a:pPr>
-            <a:r>
-              <a:rPr lang="en-US" sz="2000" dirty="0"/>
-              <a:t>{  do something. It will occur n times  }</a:t>
-            </a:r>
-          </a:p>
-          <a:p>
-            <a:pPr rtl="1">
-              <a:lnSpc>
-                <a:spcPct val="160000"/>
-              </a:lnSpc>
-            </a:pPr>
-            <a:r>
-              <a:rPr lang="he-IL" sz="2000" dirty="0"/>
-              <a:t>לולאת </a:t>
-            </a:r>
-            <a:r>
-              <a:rPr lang="en-US" sz="2000" dirty="0"/>
-              <a:t>while</a:t>
-            </a:r>
-            <a:r>
-              <a:rPr lang="he-IL" sz="2000" dirty="0"/>
-              <a:t>: קטע הקוד יתבצע כל עוד תנאי הלולאה תקין:</a:t>
-            </a:r>
-          </a:p>
-          <a:p>
-            <a:pPr marL="0" indent="0">
-              <a:lnSpc>
-                <a:spcPct val="160000"/>
-              </a:lnSpc>
-              <a:buNone/>
-            </a:pPr>
-            <a:r>
-              <a:rPr lang="en-US" sz="2000" dirty="0"/>
-              <a:t>While (flag) {do something. It will occur as long as flag is true }</a:t>
-            </a:r>
-          </a:p>
-          <a:p>
-            <a:pPr rtl="1">
-              <a:lnSpc>
-                <a:spcPct val="160000"/>
-              </a:lnSpc>
-            </a:pPr>
-            <a:r>
-              <a:rPr lang="he-IL" sz="2000" dirty="0"/>
-              <a:t>לולאת </a:t>
-            </a:r>
-            <a:r>
-              <a:rPr lang="en-US" sz="2000" dirty="0"/>
-              <a:t>do-while</a:t>
-            </a:r>
-            <a:r>
-              <a:rPr lang="he-IL" sz="2000" dirty="0"/>
-              <a:t>: קטן הקוד יתבצע לפחות פעם אחת, וכל עוד התנאי מתקיים:</a:t>
-            </a:r>
-          </a:p>
-          <a:p>
-            <a:pPr marL="0" indent="0">
-              <a:lnSpc>
-                <a:spcPct val="160000"/>
-              </a:lnSpc>
-              <a:buNone/>
-            </a:pPr>
-            <a:r>
-              <a:rPr lang="en-US" sz="2000" dirty="0"/>
-              <a:t>do {do something. It will occur as long as flag is true }  while(flag)</a:t>
-            </a:r>
-          </a:p>
-        </p:txBody>
-      </p:sp>
-      <p:pic>
-        <p:nvPicPr>
-          <p:cNvPr id="7" name="Graphic 6" descr="Arrow Circle">
-            <a:extLst>
-              <a:ext uri="{FF2B5EF4-FFF2-40B4-BE49-F238E27FC236}">
-                <a16:creationId xmlns:a16="http://schemas.microsoft.com/office/drawing/2014/main" id="{430FD6EE-22B5-4694-4BD1-51998D8601D1}"/>
-              </a:ext>
-            </a:extLst>
-          </p:cNvPr>
-          <p:cNvPicPr>
-            <a:picLocks noChangeAspect="1"/>
-          </p:cNvPicPr>
-          <p:nvPr/>
-        </p:nvPicPr>
-        <p:blipFill>
-          <a:blip r:embed="rId2">
-            <a:extLst>
-              <a:ext uri="{28A0092B-C50C-407E-A947-70E740481C1C}">
-                <a14:useLocalDpi xmlns:a14="http://schemas.microsoft.com/office/drawing/2010/main" val="0"/>
-              </a:ext>
-              <a:ext uri="{96DAC541-7B7A-43D3-8B79-37D633B846F1}">
-                <asvg:svgBlip xmlns:asvg="http://schemas.microsoft.com/office/drawing/2016/SVG/main" r:embed="rId3"/>
-              </a:ext>
-            </a:extLst>
-          </a:blip>
-          <a:stretch>
-            <a:fillRect/>
-          </a:stretch>
-        </p:blipFill>
-        <p:spPr>
-          <a:xfrm>
-            <a:off x="7143332" y="2160590"/>
-            <a:ext cx="3145536" cy="3145536"/>
-          </a:xfrm>
-          <a:prstGeom prst="rect">
-            <a:avLst/>
-          </a:prstGeom>
-        </p:spPr>
-      </p:pic>
-    </p:spTree>
-    <p:extLst>
-      <p:ext uri="{BB962C8B-B14F-4D97-AF65-F5344CB8AC3E}">
-        <p14:creationId xmlns:p14="http://schemas.microsoft.com/office/powerpoint/2010/main" val="2167360885"/>
-      </p:ext>
-    </p:extLst>
-  </p:cSld>
-  <p:clrMapOvr>
-    <a:masterClrMapping/>
-  </p:clrMapOvr>
-</p:sld>
-</file>
-
-<file path=ppt/slides/slide7.xml><?xml version="1.0" encoding="utf-8"?>
-<p:sld xmlns:a="http://schemas.openxmlformats.org/drawingml/2006/main" xmlns:r="http://schemas.openxmlformats.org/officeDocument/2006/relationships" xmlns:p="http://schemas.openxmlformats.org/presentationml/2006/main">
-  <p:cSld>
-    <p:bg>
-      <p:bgPr>
-        <a:solidFill>
-          <a:schemeClr val="bg1"/>
-        </a:solidFill>
-        <a:effectLst/>
-      </p:bgPr>
-    </p:bg>
-    <p:spTree>
-      <p:nvGrpSpPr>
-        <p:cNvPr id="1" name=""/>
-        <p:cNvGrpSpPr/>
-        <p:nvPr/>
-      </p:nvGrpSpPr>
-      <p:grpSpPr>
-        <a:xfrm>
-          <a:off x="0" y="0"/>
-          <a:ext cx="0" cy="0"/>
-          <a:chOff x="0" y="0"/>
-          <a:chExt cx="0" cy="0"/>
-        </a:xfrm>
-      </p:grpSpPr>
-      <p:sp>
-        <p:nvSpPr>
-          <p:cNvPr id="2" name="כותרת 1"/>
-          <p:cNvSpPr>
-            <a:spLocks noGrp="1"/>
-          </p:cNvSpPr>
-          <p:nvPr>
-            <p:ph type="title"/>
-          </p:nvPr>
-        </p:nvSpPr>
-        <p:spPr>
-          <a:xfrm>
-            <a:off x="2849562" y="609600"/>
-            <a:ext cx="6424440" cy="1320800"/>
-          </a:xfrm>
-        </p:spPr>
-        <p:txBody>
-          <a:bodyPr>
-            <a:normAutofit/>
-          </a:bodyPr>
-          <a:lstStyle/>
-          <a:p>
-            <a:r>
-              <a:rPr lang="he-IL" dirty="0"/>
-              <a:t>פונקציות</a:t>
-            </a:r>
-          </a:p>
-        </p:txBody>
-      </p:sp>
-      <p:pic>
-        <p:nvPicPr>
-          <p:cNvPr id="17" name="Picture 4" descr="Water droplet on a petal">
-            <a:extLst>
-              <a:ext uri="{FF2B5EF4-FFF2-40B4-BE49-F238E27FC236}">
-                <a16:creationId xmlns:a16="http://schemas.microsoft.com/office/drawing/2014/main" id="{F2F10E88-B8E3-D429-B9D0-21A78819BCF9}"/>
-              </a:ext>
-            </a:extLst>
-          </p:cNvPr>
-          <p:cNvPicPr>
-            <a:picLocks noChangeAspect="1"/>
-          </p:cNvPicPr>
-          <p:nvPr/>
-        </p:nvPicPr>
-        <p:blipFill rotWithShape="1">
-          <a:blip r:embed="rId2"/>
-          <a:srcRect l="44809" r="32798" b="-1"/>
-          <a:stretch/>
-        </p:blipFill>
-        <p:spPr>
-          <a:xfrm>
-            <a:off x="20" y="10"/>
-            <a:ext cx="2734036" cy="6867719"/>
-          </a:xfrm>
-          <a:custGeom>
-            <a:avLst/>
-            <a:gdLst/>
-            <a:ahLst/>
-            <a:cxnLst/>
-            <a:rect l="l" t="t" r="r" b="b"/>
-            <a:pathLst>
-              <a:path w="2734056" h="6858000">
-                <a:moveTo>
-                  <a:pt x="0" y="0"/>
-                </a:moveTo>
-                <a:lnTo>
-                  <a:pt x="1674254" y="0"/>
-                </a:lnTo>
-                <a:lnTo>
-                  <a:pt x="2734056" y="6850199"/>
-                </a:lnTo>
-                <a:lnTo>
-                  <a:pt x="2734056" y="6858000"/>
-                </a:lnTo>
-                <a:lnTo>
-                  <a:pt x="461457" y="6858000"/>
-                </a:lnTo>
-                <a:lnTo>
-                  <a:pt x="0" y="4134118"/>
-                </a:lnTo>
-                <a:close/>
-              </a:path>
-            </a:pathLst>
-          </a:custGeom>
-        </p:spPr>
-      </p:pic>
-      <p:sp>
-        <p:nvSpPr>
-          <p:cNvPr id="18" name="Isosceles Triangle 8">
-            <a:extLst>
-              <a:ext uri="{FF2B5EF4-FFF2-40B4-BE49-F238E27FC236}">
-                <a16:creationId xmlns:a16="http://schemas.microsoft.com/office/drawing/2014/main" id="{EB6743CF-E74B-4A3C-A785-599069DB89DF}"/>
-              </a:ext>
-              <a:ext uri="{C183D7F6-B498-43B3-948B-1728B52AA6E4}">
-                <adec:decorative xmlns:adec="http://schemas.microsoft.com/office/drawing/2017/decorative" val="1"/>
-              </a:ext>
-            </a:extLst>
-          </p:cNvPr>
-          <p:cNvSpPr>
-            <a:spLocks noGrp="1" noRot="1" noChangeAspect="1" noMove="1" noResize="1" noEditPoints="1" noAdjustHandles="1" noChangeArrowheads="1" noChangeShapeType="1" noTextEdit="1"/>
-          </p:cNvSpPr>
-          <p:nvPr>
-            <p:extLst>
-              <p:ext uri="{386F3935-93C4-4BCD-93E2-E3B085C9AB24}">
-                <p16:designElem xmlns:p16="http://schemas.microsoft.com/office/powerpoint/2015/main" val="1"/>
-              </p:ext>
-            </p:extLst>
-          </p:nvPr>
-        </p:nvSpPr>
-        <p:spPr>
-          <a:xfrm>
-            <a:off x="0" y="4013201"/>
-            <a:ext cx="476655" cy="2844800"/>
-          </a:xfrm>
-          <a:prstGeom prst="triangle">
-            <a:avLst>
-              <a:gd name="adj" fmla="val 0"/>
-            </a:avLst>
-          </a:prstGeom>
-          <a:solidFill>
-            <a:schemeClr val="accent1"/>
-          </a:solidFill>
-          <a:ln>
-            <a:noFill/>
-          </a:ln>
-          <a:effectLst/>
-        </p:spPr>
-        <p:style>
-          <a:lnRef idx="1">
-            <a:schemeClr val="accent1"/>
-          </a:lnRef>
-          <a:fillRef idx="3">
-            <a:schemeClr val="accent1"/>
-          </a:fillRef>
-          <a:effectRef idx="2">
-            <a:schemeClr val="accent1"/>
-          </a:effectRef>
-          <a:fontRef idx="minor">
-            <a:schemeClr val="lt1"/>
-          </a:fontRef>
-        </p:style>
-        <p:txBody>
-          <a:bodyPr/>
-          <a:lstStyle/>
-          <a:p>
-            <a:endParaRPr lang="en-US"/>
-          </a:p>
-        </p:txBody>
-      </p:sp>
-      <p:sp>
-        <p:nvSpPr>
-          <p:cNvPr id="3" name="מציין מיקום תוכן 2"/>
-          <p:cNvSpPr>
-            <a:spLocks noGrp="1"/>
-          </p:cNvSpPr>
-          <p:nvPr>
-            <p:ph idx="1"/>
-          </p:nvPr>
-        </p:nvSpPr>
-        <p:spPr>
-          <a:xfrm>
-            <a:off x="2849562" y="2160589"/>
-            <a:ext cx="6424440" cy="3880773"/>
-          </a:xfrm>
-        </p:spPr>
-        <p:txBody>
-          <a:bodyPr>
-            <a:normAutofit/>
-          </a:bodyPr>
-          <a:lstStyle/>
-          <a:p>
-            <a:r>
-              <a:rPr lang="he-IL" dirty="0"/>
-              <a:t>קריאה לפונקציה היא חריגה מהסדר הרגיל של הקוד, לקטע קוד שרשום במקום אחר. בסוף הפונקציה, הקוד חוזר למקום שממנו קראו לפונקציה.</a:t>
-            </a:r>
-          </a:p>
-          <a:p>
-            <a:r>
-              <a:rPr lang="he-IL" dirty="0"/>
-              <a:t>זה מאוד באוויר, כי הרחבה על פונקציות בשבוע הבא.</a:t>
-            </a:r>
-          </a:p>
-        </p:txBody>
-      </p:sp>
-    </p:spTree>
-    <p:extLst>
-      <p:ext uri="{BB962C8B-B14F-4D97-AF65-F5344CB8AC3E}">
-        <p14:creationId xmlns:p14="http://schemas.microsoft.com/office/powerpoint/2010/main" val="2567646918"/>
-      </p:ext>
-    </p:extLst>
-  </p:cSld>
-  <p:clrMapOvr>
-    <a:masterClrMapping/>
-  </p:clrMapOvr>
-</p:sld>
-</file>
-
-<file path=ppt/slides/slide8.xml><?xml version="1.0" encoding="utf-8"?>
-<p:sld xmlns:a="http://schemas.openxmlformats.org/drawingml/2006/main" xmlns:r="http://schemas.openxmlformats.org/officeDocument/2006/relationships" xmlns:p="http://schemas.openxmlformats.org/presentationml/2006/main">
-  <p:cSld>
-    <p:bg>
-      <p:bgPr>
-        <a:solidFill>
-          <a:schemeClr val="bg1"/>
-        </a:solidFill>
-        <a:effectLst/>
-      </p:bgPr>
-    </p:bg>
-    <p:spTree>
-      <p:nvGrpSpPr>
-        <p:cNvPr id="1" name=""/>
-        <p:cNvGrpSpPr/>
-        <p:nvPr/>
-      </p:nvGrpSpPr>
-      <p:grpSpPr>
-        <a:xfrm>
-          <a:off x="0" y="0"/>
-          <a:ext cx="0" cy="0"/>
-          <a:chOff x="0" y="0"/>
-          <a:chExt cx="0" cy="0"/>
-        </a:xfrm>
-      </p:grpSpPr>
-      <p:sp>
-        <p:nvSpPr>
-          <p:cNvPr id="2" name="כותרת 1"/>
-          <p:cNvSpPr>
-            <a:spLocks noGrp="1"/>
-          </p:cNvSpPr>
-          <p:nvPr>
-            <p:ph type="title"/>
-          </p:nvPr>
-        </p:nvSpPr>
-        <p:spPr>
-          <a:xfrm>
-            <a:off x="2849562" y="609600"/>
-            <a:ext cx="6424440" cy="1320800"/>
-          </a:xfrm>
-        </p:spPr>
-        <p:txBody>
-          <a:bodyPr>
-            <a:normAutofit/>
-          </a:bodyPr>
-          <a:lstStyle/>
-          <a:p>
-            <a:r>
-              <a:rPr lang="he-IL" dirty="0"/>
-              <a:t>מחרוזות</a:t>
-            </a:r>
-          </a:p>
-        </p:txBody>
-      </p:sp>
-      <p:pic>
-        <p:nvPicPr>
-          <p:cNvPr id="5" name="Picture 4" descr="Colourful thread loop set">
-            <a:extLst>
-              <a:ext uri="{FF2B5EF4-FFF2-40B4-BE49-F238E27FC236}">
-                <a16:creationId xmlns:a16="http://schemas.microsoft.com/office/drawing/2014/main" id="{B4EF2A8F-1B53-A51F-A946-19F11D3777BE}"/>
-              </a:ext>
-            </a:extLst>
-          </p:cNvPr>
-          <p:cNvPicPr>
-            <a:picLocks noChangeAspect="1"/>
-          </p:cNvPicPr>
-          <p:nvPr/>
-        </p:nvPicPr>
-        <p:blipFill rotWithShape="1">
-          <a:blip r:embed="rId2"/>
-          <a:srcRect l="48825" r="24602" b="1"/>
-          <a:stretch/>
-        </p:blipFill>
-        <p:spPr>
-          <a:xfrm>
-            <a:off x="20" y="10"/>
-            <a:ext cx="2734036" cy="6867719"/>
-          </a:xfrm>
-          <a:custGeom>
-            <a:avLst/>
-            <a:gdLst/>
-            <a:ahLst/>
-            <a:cxnLst/>
-            <a:rect l="l" t="t" r="r" b="b"/>
-            <a:pathLst>
-              <a:path w="2734056" h="6858000">
-                <a:moveTo>
-                  <a:pt x="0" y="0"/>
-                </a:moveTo>
-                <a:lnTo>
-                  <a:pt x="1674254" y="0"/>
-                </a:lnTo>
-                <a:lnTo>
-                  <a:pt x="2734056" y="6850199"/>
-                </a:lnTo>
-                <a:lnTo>
-                  <a:pt x="2734056" y="6858000"/>
-                </a:lnTo>
-                <a:lnTo>
-                  <a:pt x="461457" y="6858000"/>
-                </a:lnTo>
-                <a:lnTo>
-                  <a:pt x="0" y="4134118"/>
-                </a:lnTo>
-                <a:close/>
-              </a:path>
-            </a:pathLst>
-          </a:custGeom>
-        </p:spPr>
-      </p:pic>
-      <p:sp>
-        <p:nvSpPr>
-          <p:cNvPr id="9" name="Isosceles Triangle 8">
-            <a:extLst>
-              <a:ext uri="{FF2B5EF4-FFF2-40B4-BE49-F238E27FC236}">
-                <a16:creationId xmlns:a16="http://schemas.microsoft.com/office/drawing/2014/main" id="{EB6743CF-E74B-4A3C-A785-599069DB89DF}"/>
-              </a:ext>
-              <a:ext uri="{C183D7F6-B498-43B3-948B-1728B52AA6E4}">
-                <adec:decorative xmlns:adec="http://schemas.microsoft.com/office/drawing/2017/decorative" val="1"/>
-              </a:ext>
-            </a:extLst>
-          </p:cNvPr>
-          <p:cNvSpPr>
-            <a:spLocks noGrp="1" noRot="1" noChangeAspect="1" noMove="1" noResize="1" noEditPoints="1" noAdjustHandles="1" noChangeArrowheads="1" noChangeShapeType="1" noTextEdit="1"/>
-          </p:cNvSpPr>
-          <p:nvPr>
-            <p:extLst>
-              <p:ext uri="{386F3935-93C4-4BCD-93E2-E3B085C9AB24}">
-                <p16:designElem xmlns:p16="http://schemas.microsoft.com/office/powerpoint/2015/main" val="1"/>
-              </p:ext>
-            </p:extLst>
-          </p:nvPr>
-        </p:nvSpPr>
-        <p:spPr>
-          <a:xfrm>
-            <a:off x="0" y="4013201"/>
-            <a:ext cx="476655" cy="2844800"/>
-          </a:xfrm>
-          <a:prstGeom prst="triangle">
-            <a:avLst>
-              <a:gd name="adj" fmla="val 0"/>
-            </a:avLst>
-          </a:prstGeom>
-          <a:solidFill>
-            <a:schemeClr val="accent1"/>
-          </a:solidFill>
-          <a:ln>
-            <a:noFill/>
-          </a:ln>
-          <a:effectLst/>
-        </p:spPr>
-        <p:style>
-          <a:lnRef idx="1">
-            <a:schemeClr val="accent1"/>
-          </a:lnRef>
-          <a:fillRef idx="3">
-            <a:schemeClr val="accent1"/>
-          </a:fillRef>
-          <a:effectRef idx="2">
-            <a:schemeClr val="accent1"/>
-          </a:effectRef>
-          <a:fontRef idx="minor">
-            <a:schemeClr val="lt1"/>
-          </a:fontRef>
-        </p:style>
-        <p:txBody>
-          <a:bodyPr/>
-          <a:lstStyle/>
-          <a:p>
-            <a:endParaRPr lang="en-US"/>
-          </a:p>
-        </p:txBody>
-      </p:sp>
-      <p:sp>
-        <p:nvSpPr>
-          <p:cNvPr id="3" name="מציין מיקום תוכן 2"/>
-          <p:cNvSpPr>
-            <a:spLocks noGrp="1"/>
-          </p:cNvSpPr>
-          <p:nvPr>
-            <p:ph idx="1"/>
-          </p:nvPr>
-        </p:nvSpPr>
-        <p:spPr>
-          <a:xfrm>
-            <a:off x="2849562" y="1436915"/>
-            <a:ext cx="6980238" cy="4604448"/>
-          </a:xfrm>
-        </p:spPr>
-        <p:txBody>
-          <a:bodyPr>
-            <a:normAutofit/>
-          </a:bodyPr>
-          <a:lstStyle/>
-          <a:p>
-            <a:pPr algn="r" rtl="1">
-              <a:lnSpc>
-                <a:spcPct val="90000"/>
-              </a:lnSpc>
-            </a:pPr>
-            <a:r>
-              <a:rPr lang="he-IL" dirty="0"/>
-              <a:t>סוג המשתנה "המורכב" יחסית הוא מחרוזות (</a:t>
-            </a:r>
-            <a:r>
-              <a:rPr lang="en-US" dirty="0"/>
-              <a:t>String</a:t>
-            </a:r>
-            <a:r>
-              <a:rPr lang="he-IL" dirty="0"/>
-              <a:t>).</a:t>
-            </a:r>
-          </a:p>
-          <a:p>
-            <a:pPr algn="r" rtl="1">
-              <a:lnSpc>
-                <a:spcPct val="90000"/>
-              </a:lnSpc>
-            </a:pPr>
-            <a:r>
-              <a:rPr lang="he-IL" dirty="0"/>
-              <a:t>על מחרוזות ניתן לבצע המון פעולות ישירות בעזרת הסימן "נקודה".</a:t>
-            </a:r>
-          </a:p>
-          <a:p>
-            <a:pPr algn="r" rtl="1">
-              <a:lnSpc>
-                <a:spcPct val="90000"/>
-              </a:lnSpc>
-            </a:pPr>
-            <a:r>
-              <a:rPr lang="he-IL" dirty="0"/>
-              <a:t>דוגמות:</a:t>
-            </a:r>
-          </a:p>
-          <a:p>
-            <a:pPr marL="0" indent="0" rtl="0">
-              <a:lnSpc>
-                <a:spcPct val="90000"/>
-              </a:lnSpc>
-              <a:buNone/>
-            </a:pPr>
-            <a:r>
-              <a:rPr lang="en-US" dirty="0"/>
-              <a:t>String str = “Hi there! This is a string example to help demonstrate”;</a:t>
-            </a:r>
-          </a:p>
-          <a:p>
-            <a:pPr marL="0" indent="0" rtl="0">
-              <a:lnSpc>
-                <a:spcPct val="90000"/>
-              </a:lnSpc>
-              <a:buNone/>
-            </a:pPr>
-            <a:r>
-              <a:rPr lang="en-US" dirty="0"/>
-              <a:t>Int </a:t>
-            </a:r>
-            <a:r>
-              <a:rPr lang="en-US" dirty="0" err="1"/>
-              <a:t>firstALocatedAt</a:t>
-            </a:r>
-            <a:r>
-              <a:rPr lang="en-US" dirty="0"/>
-              <a:t> = </a:t>
-            </a:r>
-            <a:r>
-              <a:rPr lang="en-US" dirty="0" err="1"/>
-              <a:t>str.indexOf</a:t>
-            </a:r>
-            <a:r>
-              <a:rPr lang="en-US" dirty="0"/>
-              <a:t>(“a”); // 18</a:t>
-            </a:r>
-          </a:p>
-          <a:p>
-            <a:pPr marL="0" indent="0" rtl="0">
-              <a:lnSpc>
-                <a:spcPct val="90000"/>
-              </a:lnSpc>
-              <a:buNone/>
-            </a:pPr>
-            <a:r>
-              <a:rPr lang="en-US" dirty="0"/>
-              <a:t>String part = </a:t>
-            </a:r>
-            <a:r>
-              <a:rPr lang="en-US" dirty="0" err="1"/>
-              <a:t>str.substring</a:t>
-            </a:r>
-            <a:r>
-              <a:rPr lang="en-US" dirty="0"/>
-              <a:t>(0,9);	// part = “Hi there!”</a:t>
-            </a:r>
-          </a:p>
-          <a:p>
-            <a:pPr marL="0" indent="0" rtl="0">
-              <a:lnSpc>
-                <a:spcPct val="90000"/>
-              </a:lnSpc>
-              <a:buNone/>
-            </a:pPr>
-            <a:r>
-              <a:rPr lang="en-US" dirty="0"/>
-              <a:t>int </a:t>
-            </a:r>
-            <a:r>
-              <a:rPr lang="en-US" dirty="0" err="1"/>
-              <a:t>len</a:t>
-            </a:r>
-            <a:r>
-              <a:rPr lang="en-US" dirty="0"/>
-              <a:t> = </a:t>
-            </a:r>
-            <a:r>
-              <a:rPr lang="en-US" dirty="0" err="1"/>
-              <a:t>str.length</a:t>
-            </a:r>
-            <a:r>
-              <a:rPr lang="en-US" dirty="0"/>
-              <a:t>();		//</a:t>
-            </a:r>
-            <a:r>
-              <a:rPr lang="en-US" dirty="0" err="1"/>
-              <a:t>len</a:t>
-            </a:r>
-            <a:r>
-              <a:rPr lang="en-US" dirty="0"/>
-              <a:t> = 53</a:t>
-            </a:r>
-          </a:p>
-          <a:p>
-            <a:pPr marL="0" indent="0" rtl="0">
-              <a:lnSpc>
-                <a:spcPct val="90000"/>
-              </a:lnSpc>
-              <a:buNone/>
-            </a:pPr>
-            <a:r>
-              <a:rPr lang="en-US" dirty="0"/>
-              <a:t>char find = </a:t>
-            </a:r>
-            <a:r>
-              <a:rPr lang="en-US" dirty="0" err="1"/>
-              <a:t>str.charAt</a:t>
-            </a:r>
-            <a:r>
-              <a:rPr lang="en-US" dirty="0"/>
-              <a:t>(10);	//find = T</a:t>
-            </a:r>
-          </a:p>
-          <a:p>
-            <a:pPr marL="0" indent="0" rtl="0">
-              <a:lnSpc>
-                <a:spcPct val="90000"/>
-              </a:lnSpc>
-              <a:buNone/>
-            </a:pPr>
-            <a:r>
-              <a:rPr lang="en-US" dirty="0" err="1"/>
-              <a:t>boolean</a:t>
-            </a:r>
-            <a:r>
-              <a:rPr lang="en-US" dirty="0"/>
-              <a:t> has = </a:t>
-            </a:r>
-            <a:r>
-              <a:rPr lang="en-US" dirty="0" err="1"/>
-              <a:t>str.contains</a:t>
-            </a:r>
-            <a:r>
-              <a:rPr lang="en-US" dirty="0"/>
-              <a:t>(“example”);	// has = true</a:t>
-            </a:r>
-          </a:p>
-          <a:p>
-            <a:pPr marL="0" indent="0" rtl="0">
-              <a:lnSpc>
-                <a:spcPct val="90000"/>
-              </a:lnSpc>
-              <a:buNone/>
-            </a:pPr>
-            <a:r>
-              <a:rPr lang="en-US" dirty="0" err="1"/>
-              <a:t>boolean</a:t>
-            </a:r>
-            <a:r>
-              <a:rPr lang="en-US" dirty="0"/>
-              <a:t> flag = </a:t>
-            </a:r>
-            <a:r>
-              <a:rPr lang="en-US" dirty="0" err="1"/>
-              <a:t>str.equals</a:t>
-            </a:r>
-            <a:r>
-              <a:rPr lang="en-US" dirty="0"/>
-              <a:t>(part);			// flag = false</a:t>
-            </a:r>
-            <a:endParaRPr lang="he-IL" dirty="0"/>
-          </a:p>
-        </p:txBody>
-      </p:sp>
-    </p:spTree>
-    <p:extLst>
-      <p:ext uri="{BB962C8B-B14F-4D97-AF65-F5344CB8AC3E}">
-        <p14:creationId xmlns:p14="http://schemas.microsoft.com/office/powerpoint/2010/main" val="2839880553"/>
-      </p:ext>
-    </p:extLst>
-  </p:cSld>
-  <p:clrMapOvr>
-    <a:masterClrMapping/>
-  </p:clrMapOvr>
-</p:sld>
-</file>
-
-<file path=ppt/slides/slide9.xml><?xml version="1.0" encoding="utf-8"?>
-<p:sld xmlns:a="http://schemas.openxmlformats.org/drawingml/2006/main" xmlns:r="http://schemas.openxmlformats.org/officeDocument/2006/relationships" xmlns:p="http://schemas.openxmlformats.org/presentationml/2006/main">
-  <p:cSld>
-    <p:spTree>
-      <p:nvGrpSpPr>
-        <p:cNvPr id="1" name=""/>
-        <p:cNvGrpSpPr/>
-        <p:nvPr/>
-      </p:nvGrpSpPr>
-      <p:grpSpPr>
-        <a:xfrm>
-          <a:off x="0" y="0"/>
-          <a:ext cx="0" cy="0"/>
-          <a:chOff x="0" y="0"/>
-          <a:chExt cx="0" cy="0"/>
-        </a:xfrm>
-      </p:grpSpPr>
-      <p:sp>
-        <p:nvSpPr>
-          <p:cNvPr id="2" name="כותרת 1"/>
-          <p:cNvSpPr>
-            <a:spLocks noGrp="1"/>
-          </p:cNvSpPr>
-          <p:nvPr>
-            <p:ph type="title"/>
-          </p:nvPr>
-        </p:nvSpPr>
-        <p:spPr/>
-        <p:txBody>
-          <a:bodyPr/>
-          <a:lstStyle/>
-          <a:p>
-            <a:pPr algn="ctr"/>
-            <a:r>
-              <a:rPr lang="he-IL" dirty="0"/>
-              <a:t>תרגילים</a:t>
-            </a:r>
-          </a:p>
-        </p:txBody>
-      </p:sp>
-      <mc:AlternateContent xmlns:mc="http://schemas.openxmlformats.org/markup-compatibility/2006">
-        <mc:Choice xmlns:a14="http://schemas.microsoft.com/office/drawing/2010/main" Requires="a14">
-          <p:sp>
-            <p:nvSpPr>
-              <p:cNvPr id="3" name="מציין מיקום תוכן 2"/>
-              <p:cNvSpPr>
-                <a:spLocks noGrp="1"/>
-              </p:cNvSpPr>
-              <p:nvPr>
-                <p:ph idx="1"/>
-              </p:nvPr>
-            </p:nvSpPr>
-            <p:spPr>
-              <a:xfrm>
-                <a:off x="807961" y="1799772"/>
-                <a:ext cx="10251923" cy="4110962"/>
-              </a:xfrm>
-            </p:spPr>
-            <p:txBody>
-              <a:bodyPr>
-                <a:noAutofit/>
-              </a:bodyPr>
-              <a:lstStyle/>
-              <a:p>
-                <a:pPr marL="514350" indent="-514350" algn="r" rtl="1">
-                  <a:buAutoNum type="arabicPeriod"/>
-                </a:pPr>
-                <a:r>
-                  <a:rPr lang="he-IL" sz="2000" dirty="0"/>
-                  <a:t>כתבו קוד שקולט מספר </a:t>
-                </a:r>
-                <a14:m>
-                  <m:oMath xmlns:m="http://schemas.openxmlformats.org/officeDocument/2006/math">
-                    <m:r>
-                      <a:rPr lang="en-US" sz="2000" b="0" i="1" smtClean="0">
-                        <a:latin typeface="Cambria Math" panose="02040503050406030204" pitchFamily="18" charset="0"/>
-                      </a:rPr>
-                      <m:t>𝑁</m:t>
-                    </m:r>
-                  </m:oMath>
-                </a14:m>
-                <a:r>
-                  <a:rPr lang="he-IL" sz="2000" dirty="0"/>
-                  <a:t> ומדפיס את תוצאת הסכום </a:t>
-                </a:r>
-                <a14:m>
-                  <m:oMath xmlns:m="http://schemas.openxmlformats.org/officeDocument/2006/math">
-                    <m:r>
-                      <a:rPr lang="en-US" sz="2000" b="0" i="1" smtClean="0">
-                        <a:latin typeface="Cambria Math" panose="02040503050406030204" pitchFamily="18" charset="0"/>
-                      </a:rPr>
-                      <m:t>1</m:t>
-                    </m:r>
-                    <m:r>
-                      <a:rPr lang="en-US" sz="2000" b="0" i="1" smtClean="0">
-                        <a:latin typeface="Cambria Math" panose="02040503050406030204" pitchFamily="18" charset="0"/>
-                      </a:rPr>
-                      <m:t>+</m:t>
-                    </m:r>
-                    <m:r>
-                      <a:rPr lang="en-US" sz="2000" b="0" i="1" smtClean="0">
-                        <a:latin typeface="Cambria Math" panose="02040503050406030204" pitchFamily="18" charset="0"/>
-                      </a:rPr>
-                      <m:t>2</m:t>
-                    </m:r>
-                    <m:r>
-                      <a:rPr lang="en-US" sz="2000" b="0" i="1" smtClean="0">
-                        <a:latin typeface="Cambria Math" panose="02040503050406030204" pitchFamily="18" charset="0"/>
-                      </a:rPr>
-                      <m:t>+…+</m:t>
-                    </m:r>
-                    <m:r>
-                      <a:rPr lang="en-US" sz="2000" b="0" i="1" smtClean="0">
-                        <a:latin typeface="Cambria Math" panose="02040503050406030204" pitchFamily="18" charset="0"/>
-                      </a:rPr>
-                      <m:t>𝑁</m:t>
-                    </m:r>
-                  </m:oMath>
-                </a14:m>
-                <a:r>
-                  <a:rPr lang="he-IL" sz="2000" dirty="0"/>
-                  <a:t>.</a:t>
-                </a:r>
-              </a:p>
-              <a:p>
-                <a:pPr marL="514350" indent="-514350" algn="r" rtl="1">
-                  <a:buAutoNum type="arabicPeriod"/>
-                </a:pPr>
-                <a:r>
-                  <a:rPr lang="he-IL" sz="2000" dirty="0"/>
-                  <a:t>כתבו קוד שקולט ארבעה מספרים שלמים מהמשתמש, ומכניס אותם למערך. לאחר מכן, הקוד יחשב את הממוצע של ארבעת (שימו לב שהממוצע לא חייב להיות שלם) ומדפיס אותו.</a:t>
-                </a:r>
-              </a:p>
-              <a:p>
-                <a:pPr marL="514350" indent="-514350" algn="r" rtl="1">
-                  <a:buAutoNum type="arabicPeriod"/>
-                </a:pPr>
-                <a:r>
-                  <a:rPr lang="he-IL" sz="2000" dirty="0"/>
-                  <a:t>כתבו קטע קוד שמדפיס את הצורה הבאה:</a:t>
-                </a:r>
-              </a:p>
-              <a:p>
-                <a:pPr marL="0" indent="0">
-                  <a:buNone/>
-                </a:pPr>
-                <a:r>
-                  <a:rPr lang="en-US" sz="2000" dirty="0"/>
-                  <a:t>*</a:t>
-                </a:r>
-                <a:br>
-                  <a:rPr lang="en-US" sz="2000" dirty="0"/>
-                </a:br>
-                <a:r>
-                  <a:rPr lang="en-US" sz="2000" dirty="0"/>
-                  <a:t>**</a:t>
-                </a:r>
-                <a:br>
-                  <a:rPr lang="en-US" sz="2000" dirty="0"/>
-                </a:br>
-                <a:r>
-                  <a:rPr lang="en-US" sz="2000" dirty="0"/>
-                  <a:t>***</a:t>
-                </a:r>
-                <a:br>
-                  <a:rPr lang="en-US" sz="2000" dirty="0"/>
-                </a:br>
-                <a:r>
-                  <a:rPr lang="en-US" sz="2000" dirty="0"/>
-                  <a:t>*…* - 10 times</a:t>
-                </a:r>
-              </a:p>
-              <a:p>
-                <a:pPr marL="0" indent="0" algn="ctr" rtl="1">
-                  <a:buNone/>
-                </a:pPr>
-                <a:r>
-                  <a:rPr lang="he-IL" sz="2000" dirty="0"/>
-                  <a:t>	אין לכתוב כאן את פקודת </a:t>
-                </a:r>
-                <a:r>
-                  <a:rPr lang="en-US" sz="2000" dirty="0" err="1"/>
-                  <a:t>System.out.print</a:t>
-                </a:r>
-                <a:r>
-                  <a:rPr lang="he-IL" sz="2000" dirty="0"/>
-                  <a:t> יותר מפעם אחת!</a:t>
-                </a:r>
-              </a:p>
-            </p:txBody>
-          </p:sp>
-        </mc:Choice>
-        <mc:Fallback>
-          <p:sp>
-            <p:nvSpPr>
-              <p:cNvPr id="3" name="מציין מיקום תוכן 2"/>
-              <p:cNvSpPr>
-                <a:spLocks noGrp="1" noRot="1" noChangeAspect="1" noMove="1" noResize="1" noEditPoints="1" noAdjustHandles="1" noChangeArrowheads="1" noChangeShapeType="1" noTextEdit="1"/>
-              </p:cNvSpPr>
-              <p:nvPr>
-                <p:ph idx="1"/>
-              </p:nvPr>
-            </p:nvSpPr>
-            <p:spPr>
-              <a:xfrm>
-                <a:off x="807961" y="1799772"/>
-                <a:ext cx="10251923" cy="4110962"/>
-              </a:xfrm>
-              <a:blipFill>
-                <a:blip r:embed="rId2"/>
-                <a:stretch>
-                  <a:fillRect l="-654" t="-741" r="-357"/>
-                </a:stretch>
-              </a:blipFill>
-            </p:spPr>
-            <p:txBody>
-              <a:bodyPr/>
-              <a:lstStyle/>
-              <a:p>
-                <a:r>
-                  <a:rPr lang="en-US">
-                    <a:noFill/>
-                  </a:rPr>
-                  <a:t> </a:t>
-                </a:r>
-              </a:p>
-            </p:txBody>
-          </p:sp>
-        </mc:Fallback>
-      </mc:AlternateContent>
-    </p:spTree>
-    <p:extLst>
-      <p:ext uri="{BB962C8B-B14F-4D97-AF65-F5344CB8AC3E}">
-        <p14:creationId xmlns:p14="http://schemas.microsoft.com/office/powerpoint/2010/main" val="1299828850"/>
       </p:ext>
     </p:extLst>
   </p:cSld>
